--- a/presentation.pptx
+++ b/presentation.pptx
@@ -5,7 +5,7 @@
     <p:sldMasterId id="2147483684" r:id="rId1"/>
   </p:sldMasterIdLst>
   <p:notesMasterIdLst>
-    <p:notesMasterId r:id="rId45"/>
+    <p:notesMasterId r:id="rId46"/>
   </p:notesMasterIdLst>
   <p:sldIdLst>
     <p:sldId id="278" r:id="rId2"/>
@@ -25,22 +25,22 @@
     <p:sldId id="342" r:id="rId16"/>
     <p:sldId id="321" r:id="rId17"/>
     <p:sldId id="343" r:id="rId18"/>
-    <p:sldId id="319" r:id="rId19"/>
-    <p:sldId id="349" r:id="rId20"/>
-    <p:sldId id="348" r:id="rId21"/>
-    <p:sldId id="350" r:id="rId22"/>
-    <p:sldId id="351" r:id="rId23"/>
-    <p:sldId id="345" r:id="rId24"/>
-    <p:sldId id="346" r:id="rId25"/>
-    <p:sldId id="320" r:id="rId26"/>
-    <p:sldId id="344" r:id="rId27"/>
-    <p:sldId id="347" r:id="rId28"/>
-    <p:sldId id="352" r:id="rId29"/>
-    <p:sldId id="353" r:id="rId30"/>
-    <p:sldId id="334" r:id="rId31"/>
-    <p:sldId id="335" r:id="rId32"/>
-    <p:sldId id="336" r:id="rId33"/>
-    <p:sldId id="339" r:id="rId34"/>
+    <p:sldId id="349" r:id="rId19"/>
+    <p:sldId id="348" r:id="rId20"/>
+    <p:sldId id="350" r:id="rId21"/>
+    <p:sldId id="351" r:id="rId22"/>
+    <p:sldId id="345" r:id="rId23"/>
+    <p:sldId id="346" r:id="rId24"/>
+    <p:sldId id="320" r:id="rId25"/>
+    <p:sldId id="344" r:id="rId26"/>
+    <p:sldId id="355" r:id="rId27"/>
+    <p:sldId id="356" r:id="rId28"/>
+    <p:sldId id="347" r:id="rId29"/>
+    <p:sldId id="352" r:id="rId30"/>
+    <p:sldId id="353" r:id="rId31"/>
+    <p:sldId id="334" r:id="rId32"/>
+    <p:sldId id="335" r:id="rId33"/>
+    <p:sldId id="336" r:id="rId34"/>
     <p:sldId id="338" r:id="rId35"/>
     <p:sldId id="340" r:id="rId36"/>
     <p:sldId id="341" r:id="rId37"/>
@@ -48,9 +48,10 @@
     <p:sldId id="293" r:id="rId39"/>
     <p:sldId id="273" r:id="rId40"/>
     <p:sldId id="267" r:id="rId41"/>
-    <p:sldId id="330" r:id="rId42"/>
-    <p:sldId id="275" r:id="rId43"/>
-    <p:sldId id="279" r:id="rId44"/>
+    <p:sldId id="354" r:id="rId42"/>
+    <p:sldId id="330" r:id="rId43"/>
+    <p:sldId id="275" r:id="rId44"/>
+    <p:sldId id="279" r:id="rId45"/>
   </p:sldIdLst>
   <p:sldSz cx="12192000" cy="6858000"/>
   <p:notesSz cx="6858000" cy="9144000"/>
@@ -175,7 +176,6 @@
             <p14:sldId id="342"/>
             <p14:sldId id="321"/>
             <p14:sldId id="343"/>
-            <p14:sldId id="319"/>
           </p14:sldIdLst>
         </p14:section>
         <p14:section name="Build It" id="{E09579EF-7AB0-4244-BB57-E3D41E728303}">
@@ -188,13 +188,14 @@
             <p14:sldId id="346"/>
             <p14:sldId id="320"/>
             <p14:sldId id="344"/>
+            <p14:sldId id="355"/>
+            <p14:sldId id="356"/>
             <p14:sldId id="347"/>
             <p14:sldId id="352"/>
             <p14:sldId id="353"/>
             <p14:sldId id="334"/>
             <p14:sldId id="335"/>
             <p14:sldId id="336"/>
-            <p14:sldId id="339"/>
             <p14:sldId id="338"/>
             <p14:sldId id="340"/>
             <p14:sldId id="341"/>
@@ -206,6 +207,7 @@
             <p14:sldId id="293"/>
             <p14:sldId id="273"/>
             <p14:sldId id="267"/>
+            <p14:sldId id="354"/>
             <p14:sldId id="330"/>
             <p14:sldId id="275"/>
             <p14:sldId id="279"/>
@@ -12599,7 +12601,7 @@
           <a:p>
             <a:fld id="{D987070D-87AF-4443-8990-425EA27CC244}" type="datetimeFigureOut">
               <a:rPr lang="de-CH" smtClean="0"/>
-              <a:t>17.06.2016</a:t>
+              <a:t>21.06.2016</a:t>
             </a:fld>
             <a:endParaRPr lang="de-CH"/>
           </a:p>
@@ -13896,24 +13898,71 @@
           <a:lstStyle/>
           <a:p>
             <a:r>
-              <a:rPr lang="en-US" sz="1200" b="0" i="0" kern="1200" dirty="0">
-                <a:solidFill>
-                  <a:schemeClr val="tx1"/>
-                </a:solidFill>
-                <a:effectLst/>
-                <a:latin typeface="+mn-lt"/>
-                <a:ea typeface="+mn-ea"/>
-                <a:cs typeface="+mn-cs"/>
-              </a:rPr>
-              <a:t>Handling a message from a queue can also be implemented as a chain of responsibility.</a:t>
-            </a:r>
-          </a:p>
-          <a:p>
-            <a:r>
-              <a:rPr lang="en-US" dirty="0"/>
-              <a:t>Each operation, such as picking up the message from the transport of choice, can be thought of as a link in the message-handling chain. Because the chain is stored in a List, links can be added, removed, or reordered. You can make those changes at design time, or at runtime. There is a lot of flexibility in this chain of responsibility.</a:t>
-            </a:r>
-            <a:endParaRPr lang="de-CH" dirty="0"/>
+              <a:rPr lang="en-US" baseline="0" dirty="0"/>
+              <a:t>The laundry machine</a:t>
+            </a:r>
+          </a:p>
+          <a:p>
+            <a:endParaRPr lang="en-US" baseline="0" dirty="0"/>
+          </a:p>
+          <a:p>
+            <a:pPr marL="171450" indent="-171450">
+              <a:buFont typeface="Arial" panose="020B0604020202020204" pitchFamily="34" charset="0"/>
+              <a:buChar char="•"/>
+            </a:pPr>
+            <a:r>
+              <a:rPr lang="en-US" baseline="0" dirty="0"/>
+              <a:t>So the state of the task representing the laundry machine would be running, not running, completed</a:t>
+            </a:r>
+          </a:p>
+          <a:p>
+            <a:pPr marL="171450" indent="-171450">
+              <a:buFont typeface="Arial" panose="020B0604020202020204" pitchFamily="34" charset="0"/>
+              <a:buChar char="•"/>
+            </a:pPr>
+            <a:r>
+              <a:rPr lang="en-US" baseline="0" dirty="0"/>
+              <a:t>The outcome should be clean clothes</a:t>
+            </a:r>
+          </a:p>
+          <a:p>
+            <a:pPr marL="171450" indent="-171450">
+              <a:buFont typeface="Arial" panose="020B0604020202020204" pitchFamily="34" charset="0"/>
+              <a:buChar char="•"/>
+            </a:pPr>
+            <a:r>
+              <a:rPr lang="en-US" baseline="0" dirty="0"/>
+              <a:t>I can late start the machine with a timer, or the machine can decide to run a health check before the process starts</a:t>
+            </a:r>
+          </a:p>
+          <a:p>
+            <a:pPr marL="171450" indent="-171450">
+              <a:buFont typeface="Arial" panose="020B0604020202020204" pitchFamily="34" charset="0"/>
+              <a:buChar char="•"/>
+            </a:pPr>
+            <a:r>
+              <a:rPr lang="en-US" baseline="0" dirty="0"/>
+              <a:t>It is also possible that because of failures the machine never starts</a:t>
+            </a:r>
+          </a:p>
+          <a:p>
+            <a:pPr marL="171450" indent="-171450">
+              <a:buFont typeface="Arial" panose="020B0604020202020204" pitchFamily="34" charset="0"/>
+              <a:buChar char="•"/>
+            </a:pPr>
+            <a:r>
+              <a:rPr lang="en-US" baseline="0" dirty="0"/>
+              <a:t>Or even more likely my wife cancels the process because yet again I’ve chosen the wrong temperature</a:t>
+            </a:r>
+          </a:p>
+          <a:p>
+            <a:endParaRPr lang="en-US" baseline="0" dirty="0"/>
+          </a:p>
+          <a:p>
+            <a:r>
+              <a:rPr lang="en-US" baseline="0" dirty="0"/>
+              <a:t>The CPU-bound task</a:t>
+            </a:r>
           </a:p>
         </p:txBody>
       </p:sp>
@@ -13943,7 +13992,7 @@
     </p:spTree>
     <p:extLst>
       <p:ext uri="{BB962C8B-B14F-4D97-AF65-F5344CB8AC3E}">
-        <p14:creationId xmlns:p14="http://schemas.microsoft.com/office/powerpoint/2010/main" val="818499544"/>
+        <p14:creationId xmlns:p14="http://schemas.microsoft.com/office/powerpoint/2010/main" val="4092544412"/>
       </p:ext>
     </p:extLst>
   </p:cSld>
@@ -13997,72 +14046,245 @@
           <a:bodyPr/>
           <a:lstStyle/>
           <a:p>
-            <a:r>
-              <a:rPr lang="en-US" baseline="0" dirty="0"/>
-              <a:t>The laundry machine</a:t>
-            </a:r>
-          </a:p>
-          <a:p>
-            <a:endParaRPr lang="en-US" baseline="0" dirty="0"/>
-          </a:p>
-          <a:p>
-            <a:pPr marL="171450" indent="-171450">
+            <a:pPr marL="0" marR="0" indent="0" algn="l" defTabSz="914400" rtl="0" eaLnBrk="1" fontAlgn="auto" latinLnBrk="0" hangingPunct="1">
+              <a:lnSpc>
+                <a:spcPct val="100000"/>
+              </a:lnSpc>
+              <a:spcBef>
+                <a:spcPts val="0"/>
+              </a:spcBef>
+              <a:spcAft>
+                <a:spcPts val="0"/>
+              </a:spcAft>
+              <a:buClrTx/>
+              <a:buSzTx/>
+              <a:buFontTx/>
+              <a:buNone/>
+              <a:tabLst/>
+              <a:defRPr/>
+            </a:pPr>
+            <a:r>
+              <a:rPr lang="en-US" sz="1200" dirty="0">
+                <a:solidFill>
+                  <a:schemeClr val="tx2"/>
+                </a:solidFill>
+                <a:latin typeface="Yanone Kaffeesatz Regular" panose="02000000000000000000" pitchFamily="2" charset="0"/>
+              </a:rPr>
+              <a:t>Can be compared to me doing the laundry manually</a:t>
+            </a:r>
+          </a:p>
+          <a:p>
+            <a:pPr marL="0" marR="0" indent="0" algn="l" defTabSz="914400" rtl="0" eaLnBrk="1" fontAlgn="auto" latinLnBrk="0" hangingPunct="1">
+              <a:lnSpc>
+                <a:spcPct val="100000"/>
+              </a:lnSpc>
+              <a:spcBef>
+                <a:spcPts val="0"/>
+              </a:spcBef>
+              <a:spcAft>
+                <a:spcPts val="0"/>
+              </a:spcAft>
+              <a:buClrTx/>
+              <a:buSzTx/>
+              <a:buFontTx/>
+              <a:buNone/>
+              <a:tabLst/>
+              <a:defRPr/>
+            </a:pPr>
+            <a:endParaRPr lang="en-US" sz="1200" dirty="0">
+              <a:solidFill>
+                <a:schemeClr val="tx2"/>
+              </a:solidFill>
+              <a:latin typeface="Yanone Kaffeesatz Regular" panose="02000000000000000000" pitchFamily="2" charset="0"/>
+            </a:endParaRPr>
+          </a:p>
+          <a:p>
+            <a:pPr marL="171450" marR="0" indent="-171450" algn="l" defTabSz="914400" rtl="0" eaLnBrk="1" fontAlgn="auto" latinLnBrk="0" hangingPunct="1">
+              <a:lnSpc>
+                <a:spcPct val="100000"/>
+              </a:lnSpc>
+              <a:spcBef>
+                <a:spcPts val="0"/>
+              </a:spcBef>
+              <a:spcAft>
+                <a:spcPts val="0"/>
+              </a:spcAft>
+              <a:buClrTx/>
+              <a:buSzTx/>
               <a:buFont typeface="Arial" panose="020B0604020202020204" pitchFamily="34" charset="0"/>
               <a:buChar char="•"/>
+              <a:tabLst/>
+              <a:defRPr/>
             </a:pPr>
             <a:r>
-              <a:rPr lang="en-US" baseline="0" dirty="0"/>
-              <a:t>So the state of the task representing the laundry machine would be running, not running, completed</a:t>
-            </a:r>
-          </a:p>
-          <a:p>
-            <a:pPr marL="171450" indent="-171450">
+              <a:rPr lang="en-US" sz="1200" dirty="0">
+                <a:solidFill>
+                  <a:schemeClr val="tx2"/>
+                </a:solidFill>
+                <a:latin typeface="Yanone Kaffeesatz Regular" panose="02000000000000000000" pitchFamily="2" charset="0"/>
+              </a:rPr>
+              <a:t>No matter whether the task is IO or CPU bound,</a:t>
+            </a:r>
+            <a:r>
+              <a:rPr lang="en-US" sz="1200" baseline="0" dirty="0">
+                <a:solidFill>
+                  <a:schemeClr val="tx2"/>
+                </a:solidFill>
+                <a:latin typeface="Yanone Kaffeesatz Regular" panose="02000000000000000000" pitchFamily="2" charset="0"/>
+              </a:rPr>
+              <a:t> T</a:t>
+            </a:r>
+            <a:r>
+              <a:rPr lang="en-US" sz="1200" dirty="0">
+                <a:solidFill>
+                  <a:schemeClr val="tx2"/>
+                </a:solidFill>
+                <a:latin typeface="Yanone Kaffeesatz Regular" panose="02000000000000000000" pitchFamily="2" charset="0"/>
+              </a:rPr>
+              <a:t>hreads are the w</a:t>
+            </a:r>
+            <a:r>
+              <a:rPr lang="en-US" sz="1200" dirty="0">
+                <a:solidFill>
+                  <a:schemeClr val="accent4"/>
+                </a:solidFill>
+                <a:latin typeface="Yanone Kaffeesatz Regular" panose="02000000000000000000" pitchFamily="2" charset="0"/>
+              </a:rPr>
+              <a:t>orkers</a:t>
+            </a:r>
+            <a:r>
+              <a:rPr lang="en-US" sz="1200" dirty="0">
+                <a:solidFill>
+                  <a:schemeClr val="tx2"/>
+                </a:solidFill>
+                <a:latin typeface="Yanone Kaffeesatz Regular" panose="02000000000000000000" pitchFamily="2" charset="0"/>
+              </a:rPr>
+              <a:t> responsible for getting </a:t>
+            </a:r>
+            <a:r>
+              <a:rPr lang="en-US" sz="1200" dirty="0">
+                <a:solidFill>
+                  <a:schemeClr val="accent4"/>
+                </a:solidFill>
+                <a:latin typeface="Yanone Kaffeesatz Regular" panose="02000000000000000000" pitchFamily="2" charset="0"/>
+              </a:rPr>
+              <a:t>Task</a:t>
+            </a:r>
+            <a:r>
+              <a:rPr lang="en-US" sz="1200" dirty="0">
+                <a:solidFill>
+                  <a:schemeClr val="tx2"/>
+                </a:solidFill>
+                <a:latin typeface="Yanone Kaffeesatz Regular" panose="02000000000000000000" pitchFamily="2" charset="0"/>
+              </a:rPr>
+              <a:t>s done that are scheduled</a:t>
+            </a:r>
+          </a:p>
+          <a:p>
+            <a:pPr marL="171450" marR="0" indent="-171450" algn="l" defTabSz="914400" rtl="0" eaLnBrk="1" fontAlgn="auto" latinLnBrk="0" hangingPunct="1">
+              <a:lnSpc>
+                <a:spcPct val="100000"/>
+              </a:lnSpc>
+              <a:spcBef>
+                <a:spcPts val="0"/>
+              </a:spcBef>
+              <a:spcAft>
+                <a:spcPts val="0"/>
+              </a:spcAft>
+              <a:buClrTx/>
+              <a:buSzTx/>
               <a:buFont typeface="Arial" panose="020B0604020202020204" pitchFamily="34" charset="0"/>
               <a:buChar char="•"/>
+              <a:tabLst/>
+              <a:defRPr/>
             </a:pPr>
             <a:r>
-              <a:rPr lang="en-US" baseline="0" dirty="0"/>
-              <a:t>The outcome should be clean clothes</a:t>
-            </a:r>
-          </a:p>
-          <a:p>
-            <a:pPr marL="171450" indent="-171450">
+              <a:rPr lang="en-US" sz="1200" dirty="0">
+                <a:solidFill>
+                  <a:schemeClr val="tx2"/>
+                </a:solidFill>
+                <a:latin typeface="Yanone Kaffeesatz Regular" panose="02000000000000000000" pitchFamily="2" charset="0"/>
+              </a:rPr>
+              <a:t>But with CPU bound tasks the worker thread</a:t>
+            </a:r>
+            <a:r>
+              <a:rPr lang="en-US" sz="1200" baseline="0" dirty="0">
+                <a:solidFill>
+                  <a:schemeClr val="tx2"/>
+                </a:solidFill>
+                <a:latin typeface="Yanone Kaffeesatz Regular" panose="02000000000000000000" pitchFamily="2" charset="0"/>
+              </a:rPr>
+              <a:t> is blocked</a:t>
+            </a:r>
+          </a:p>
+          <a:p>
+            <a:pPr marL="171450" marR="0" indent="-171450" algn="l" defTabSz="914400" rtl="0" eaLnBrk="1" fontAlgn="auto" latinLnBrk="0" hangingPunct="1">
+              <a:lnSpc>
+                <a:spcPct val="100000"/>
+              </a:lnSpc>
+              <a:spcBef>
+                <a:spcPts val="0"/>
+              </a:spcBef>
+              <a:spcAft>
+                <a:spcPts val="0"/>
+              </a:spcAft>
+              <a:buClrTx/>
+              <a:buSzTx/>
               <a:buFont typeface="Arial" panose="020B0604020202020204" pitchFamily="34" charset="0"/>
               <a:buChar char="•"/>
+              <a:tabLst/>
+              <a:defRPr/>
             </a:pPr>
             <a:r>
+              <a:rPr lang="en-US" dirty="0"/>
+              <a:t>So that means a thread can only handle one CPU-bound task at a time</a:t>
+            </a:r>
+            <a:endParaRPr lang="de-CH" dirty="0"/>
+          </a:p>
+          <a:p>
+            <a:pPr marL="0" marR="0" indent="0" algn="l" defTabSz="914400" rtl="0" eaLnBrk="1" fontAlgn="auto" latinLnBrk="0" hangingPunct="1">
+              <a:lnSpc>
+                <a:spcPct val="100000"/>
+              </a:lnSpc>
+              <a:spcBef>
+                <a:spcPts val="0"/>
+              </a:spcBef>
+              <a:spcAft>
+                <a:spcPts val="0"/>
+              </a:spcAft>
+              <a:buClrTx/>
+              <a:buSzTx/>
+              <a:buFontTx/>
+              <a:buNone/>
+              <a:tabLst/>
+              <a:defRPr/>
+            </a:pPr>
+            <a:endParaRPr lang="en-US" sz="1200" dirty="0">
+              <a:solidFill>
+                <a:schemeClr val="tx2"/>
+              </a:solidFill>
+              <a:latin typeface="Yanone Kaffeesatz Regular" panose="02000000000000000000" pitchFamily="2" charset="0"/>
+            </a:endParaRPr>
+          </a:p>
+          <a:p>
+            <a:r>
+              <a:rPr lang="en-US" dirty="0"/>
+              <a:t>In contrast</a:t>
+            </a:r>
+            <a:r>
               <a:rPr lang="en-US" baseline="0" dirty="0"/>
-              <a:t>I can late start the machine with a timer, or the machine can decide to run a health check before the process starts</a:t>
-            </a:r>
-          </a:p>
-          <a:p>
-            <a:pPr marL="171450" indent="-171450">
-              <a:buFont typeface="Arial" panose="020B0604020202020204" pitchFamily="34" charset="0"/>
-              <a:buChar char="•"/>
-            </a:pPr>
-            <a:r>
-              <a:rPr lang="en-US" baseline="0" dirty="0"/>
-              <a:t>It is also possible that because of failures the machine never starts</a:t>
-            </a:r>
-          </a:p>
-          <a:p>
-            <a:pPr marL="171450" indent="-171450">
-              <a:buFont typeface="Arial" panose="020B0604020202020204" pitchFamily="34" charset="0"/>
-              <a:buChar char="•"/>
-            </a:pPr>
-            <a:r>
-              <a:rPr lang="en-US" baseline="0" dirty="0"/>
-              <a:t>Or even more likely my wife cancels the process because yet again I’ve chosen the wrong temperature</a:t>
-            </a:r>
-          </a:p>
-          <a:p>
-            <a:endParaRPr lang="en-US" baseline="0" dirty="0"/>
-          </a:p>
-          <a:p>
-            <a:r>
-              <a:rPr lang="en-US" baseline="0" dirty="0"/>
-              <a:t>The CPU-bound task</a:t>
-            </a:r>
+              <a:t> </a:t>
+            </a:r>
+            <a:endParaRPr lang="en-US" dirty="0"/>
+          </a:p>
+          <a:p>
+            <a:r>
+              <a:rPr lang="en-US" dirty="0"/>
+              <a:t>A thread can handle multiple IO-bound tasks concurrently</a:t>
+            </a:r>
+          </a:p>
+          <a:p>
+            <a:endParaRPr lang="de-CH" dirty="0"/>
           </a:p>
         </p:txBody>
       </p:sp>
@@ -14092,7 +14314,7 @@
     </p:spTree>
     <p:extLst>
       <p:ext uri="{BB962C8B-B14F-4D97-AF65-F5344CB8AC3E}">
-        <p14:creationId xmlns:p14="http://schemas.microsoft.com/office/powerpoint/2010/main" val="4092544412"/>
+        <p14:creationId xmlns:p14="http://schemas.microsoft.com/office/powerpoint/2010/main" val="1532953702"/>
       </p:ext>
     </p:extLst>
   </p:cSld>
@@ -14146,244 +14368,6 @@
           <a:bodyPr/>
           <a:lstStyle/>
           <a:p>
-            <a:pPr marL="0" marR="0" indent="0" algn="l" defTabSz="914400" rtl="0" eaLnBrk="1" fontAlgn="auto" latinLnBrk="0" hangingPunct="1">
-              <a:lnSpc>
-                <a:spcPct val="100000"/>
-              </a:lnSpc>
-              <a:spcBef>
-                <a:spcPts val="0"/>
-              </a:spcBef>
-              <a:spcAft>
-                <a:spcPts val="0"/>
-              </a:spcAft>
-              <a:buClrTx/>
-              <a:buSzTx/>
-              <a:buFontTx/>
-              <a:buNone/>
-              <a:tabLst/>
-              <a:defRPr/>
-            </a:pPr>
-            <a:r>
-              <a:rPr lang="en-US" sz="1200" dirty="0">
-                <a:solidFill>
-                  <a:schemeClr val="tx2"/>
-                </a:solidFill>
-                <a:latin typeface="Yanone Kaffeesatz Regular" panose="02000000000000000000" pitchFamily="2" charset="0"/>
-              </a:rPr>
-              <a:t>Can be compared to me doing the laundry manually</a:t>
-            </a:r>
-          </a:p>
-          <a:p>
-            <a:pPr marL="0" marR="0" indent="0" algn="l" defTabSz="914400" rtl="0" eaLnBrk="1" fontAlgn="auto" latinLnBrk="0" hangingPunct="1">
-              <a:lnSpc>
-                <a:spcPct val="100000"/>
-              </a:lnSpc>
-              <a:spcBef>
-                <a:spcPts val="0"/>
-              </a:spcBef>
-              <a:spcAft>
-                <a:spcPts val="0"/>
-              </a:spcAft>
-              <a:buClrTx/>
-              <a:buSzTx/>
-              <a:buFontTx/>
-              <a:buNone/>
-              <a:tabLst/>
-              <a:defRPr/>
-            </a:pPr>
-            <a:endParaRPr lang="en-US" sz="1200" dirty="0">
-              <a:solidFill>
-                <a:schemeClr val="tx2"/>
-              </a:solidFill>
-              <a:latin typeface="Yanone Kaffeesatz Regular" panose="02000000000000000000" pitchFamily="2" charset="0"/>
-            </a:endParaRPr>
-          </a:p>
-          <a:p>
-            <a:pPr marL="171450" marR="0" indent="-171450" algn="l" defTabSz="914400" rtl="0" eaLnBrk="1" fontAlgn="auto" latinLnBrk="0" hangingPunct="1">
-              <a:lnSpc>
-                <a:spcPct val="100000"/>
-              </a:lnSpc>
-              <a:spcBef>
-                <a:spcPts val="0"/>
-              </a:spcBef>
-              <a:spcAft>
-                <a:spcPts val="0"/>
-              </a:spcAft>
-              <a:buClrTx/>
-              <a:buSzTx/>
-              <a:buFont typeface="Arial" panose="020B0604020202020204" pitchFamily="34" charset="0"/>
-              <a:buChar char="•"/>
-              <a:tabLst/>
-              <a:defRPr/>
-            </a:pPr>
-            <a:r>
-              <a:rPr lang="en-US" sz="1200" dirty="0">
-                <a:solidFill>
-                  <a:schemeClr val="tx2"/>
-                </a:solidFill>
-                <a:latin typeface="Yanone Kaffeesatz Regular" panose="02000000000000000000" pitchFamily="2" charset="0"/>
-              </a:rPr>
-              <a:t>No matter whether the task is IO or CPU bound,</a:t>
-            </a:r>
-            <a:r>
-              <a:rPr lang="en-US" sz="1200" baseline="0" dirty="0">
-                <a:solidFill>
-                  <a:schemeClr val="tx2"/>
-                </a:solidFill>
-                <a:latin typeface="Yanone Kaffeesatz Regular" panose="02000000000000000000" pitchFamily="2" charset="0"/>
-              </a:rPr>
-              <a:t> T</a:t>
-            </a:r>
-            <a:r>
-              <a:rPr lang="en-US" sz="1200" dirty="0">
-                <a:solidFill>
-                  <a:schemeClr val="tx2"/>
-                </a:solidFill>
-                <a:latin typeface="Yanone Kaffeesatz Regular" panose="02000000000000000000" pitchFamily="2" charset="0"/>
-              </a:rPr>
-              <a:t>hreads are the w</a:t>
-            </a:r>
-            <a:r>
-              <a:rPr lang="en-US" sz="1200" dirty="0">
-                <a:solidFill>
-                  <a:schemeClr val="accent4"/>
-                </a:solidFill>
-                <a:latin typeface="Yanone Kaffeesatz Regular" panose="02000000000000000000" pitchFamily="2" charset="0"/>
-              </a:rPr>
-              <a:t>orkers</a:t>
-            </a:r>
-            <a:r>
-              <a:rPr lang="en-US" sz="1200" dirty="0">
-                <a:solidFill>
-                  <a:schemeClr val="tx2"/>
-                </a:solidFill>
-                <a:latin typeface="Yanone Kaffeesatz Regular" panose="02000000000000000000" pitchFamily="2" charset="0"/>
-              </a:rPr>
-              <a:t> responsible for getting </a:t>
-            </a:r>
-            <a:r>
-              <a:rPr lang="en-US" sz="1200" dirty="0">
-                <a:solidFill>
-                  <a:schemeClr val="accent4"/>
-                </a:solidFill>
-                <a:latin typeface="Yanone Kaffeesatz Regular" panose="02000000000000000000" pitchFamily="2" charset="0"/>
-              </a:rPr>
-              <a:t>Task</a:t>
-            </a:r>
-            <a:r>
-              <a:rPr lang="en-US" sz="1200" dirty="0">
-                <a:solidFill>
-                  <a:schemeClr val="tx2"/>
-                </a:solidFill>
-                <a:latin typeface="Yanone Kaffeesatz Regular" panose="02000000000000000000" pitchFamily="2" charset="0"/>
-              </a:rPr>
-              <a:t>s done that are scheduled</a:t>
-            </a:r>
-          </a:p>
-          <a:p>
-            <a:pPr marL="171450" marR="0" indent="-171450" algn="l" defTabSz="914400" rtl="0" eaLnBrk="1" fontAlgn="auto" latinLnBrk="0" hangingPunct="1">
-              <a:lnSpc>
-                <a:spcPct val="100000"/>
-              </a:lnSpc>
-              <a:spcBef>
-                <a:spcPts val="0"/>
-              </a:spcBef>
-              <a:spcAft>
-                <a:spcPts val="0"/>
-              </a:spcAft>
-              <a:buClrTx/>
-              <a:buSzTx/>
-              <a:buFont typeface="Arial" panose="020B0604020202020204" pitchFamily="34" charset="0"/>
-              <a:buChar char="•"/>
-              <a:tabLst/>
-              <a:defRPr/>
-            </a:pPr>
-            <a:r>
-              <a:rPr lang="en-US" sz="1200" dirty="0">
-                <a:solidFill>
-                  <a:schemeClr val="tx2"/>
-                </a:solidFill>
-                <a:latin typeface="Yanone Kaffeesatz Regular" panose="02000000000000000000" pitchFamily="2" charset="0"/>
-              </a:rPr>
-              <a:t>But with CPU bound tasks the worker thread</a:t>
-            </a:r>
-            <a:r>
-              <a:rPr lang="en-US" sz="1200" baseline="0" dirty="0">
-                <a:solidFill>
-                  <a:schemeClr val="tx2"/>
-                </a:solidFill>
-                <a:latin typeface="Yanone Kaffeesatz Regular" panose="02000000000000000000" pitchFamily="2" charset="0"/>
-              </a:rPr>
-              <a:t> is blocked</a:t>
-            </a:r>
-          </a:p>
-          <a:p>
-            <a:pPr marL="171450" marR="0" indent="-171450" algn="l" defTabSz="914400" rtl="0" eaLnBrk="1" fontAlgn="auto" latinLnBrk="0" hangingPunct="1">
-              <a:lnSpc>
-                <a:spcPct val="100000"/>
-              </a:lnSpc>
-              <a:spcBef>
-                <a:spcPts val="0"/>
-              </a:spcBef>
-              <a:spcAft>
-                <a:spcPts val="0"/>
-              </a:spcAft>
-              <a:buClrTx/>
-              <a:buSzTx/>
-              <a:buFont typeface="Arial" panose="020B0604020202020204" pitchFamily="34" charset="0"/>
-              <a:buChar char="•"/>
-              <a:tabLst/>
-              <a:defRPr/>
-            </a:pPr>
-            <a:r>
-              <a:rPr lang="en-US" dirty="0"/>
-              <a:t>So that means a thread can only handle one CPU-bound task at a time</a:t>
-            </a:r>
-            <a:endParaRPr lang="de-CH" dirty="0"/>
-          </a:p>
-          <a:p>
-            <a:pPr marL="0" marR="0" indent="0" algn="l" defTabSz="914400" rtl="0" eaLnBrk="1" fontAlgn="auto" latinLnBrk="0" hangingPunct="1">
-              <a:lnSpc>
-                <a:spcPct val="100000"/>
-              </a:lnSpc>
-              <a:spcBef>
-                <a:spcPts val="0"/>
-              </a:spcBef>
-              <a:spcAft>
-                <a:spcPts val="0"/>
-              </a:spcAft>
-              <a:buClrTx/>
-              <a:buSzTx/>
-              <a:buFontTx/>
-              <a:buNone/>
-              <a:tabLst/>
-              <a:defRPr/>
-            </a:pPr>
-            <a:endParaRPr lang="en-US" sz="1200" dirty="0">
-              <a:solidFill>
-                <a:schemeClr val="tx2"/>
-              </a:solidFill>
-              <a:latin typeface="Yanone Kaffeesatz Regular" panose="02000000000000000000" pitchFamily="2" charset="0"/>
-            </a:endParaRPr>
-          </a:p>
-          <a:p>
-            <a:r>
-              <a:rPr lang="en-US" dirty="0"/>
-              <a:t>In contrast</a:t>
-            </a:r>
-            <a:r>
-              <a:rPr lang="en-US" baseline="0" dirty="0"/>
-              <a:t> </a:t>
-            </a:r>
-            <a:endParaRPr lang="en-US" dirty="0"/>
-          </a:p>
-          <a:p>
-            <a:r>
-              <a:rPr lang="en-US" dirty="0"/>
-              <a:t>A thread can handle multiple IO-bound tasks concurrently</a:t>
-            </a:r>
-          </a:p>
-          <a:p>
             <a:endParaRPr lang="de-CH" dirty="0"/>
           </a:p>
         </p:txBody>
@@ -14405,7 +14389,7 @@
           <a:p>
             <a:fld id="{9BCA07FD-5BD5-4529-84B0-48DD2C561176}" type="slidenum">
               <a:rPr lang="de-CH" smtClean="0"/>
-              <a:t>20</a:t>
+              <a:t>22</a:t>
             </a:fld>
             <a:endParaRPr lang="de-CH"/>
           </a:p>
@@ -14414,7 +14398,7 @@
     </p:spTree>
     <p:extLst>
       <p:ext uri="{BB962C8B-B14F-4D97-AF65-F5344CB8AC3E}">
-        <p14:creationId xmlns:p14="http://schemas.microsoft.com/office/powerpoint/2010/main" val="1532953702"/>
+        <p14:creationId xmlns:p14="http://schemas.microsoft.com/office/powerpoint/2010/main" val="1659113100"/>
       </p:ext>
     </p:extLst>
   </p:cSld>
@@ -14615,7 +14599,7 @@
     </p:spTree>
     <p:extLst>
       <p:ext uri="{BB962C8B-B14F-4D97-AF65-F5344CB8AC3E}">
-        <p14:creationId xmlns:p14="http://schemas.microsoft.com/office/powerpoint/2010/main" val="1659113100"/>
+        <p14:creationId xmlns:p14="http://schemas.microsoft.com/office/powerpoint/2010/main" val="3968714557"/>
       </p:ext>
     </p:extLst>
   </p:cSld>
@@ -14669,6 +14653,169 @@
           <a:bodyPr/>
           <a:lstStyle/>
           <a:p>
+            <a:r>
+              <a:rPr lang="en-US" sz="1200" b="0" i="0" kern="1200" dirty="0">
+                <a:solidFill>
+                  <a:schemeClr val="tx1"/>
+                </a:solidFill>
+                <a:effectLst/>
+                <a:latin typeface="+mn-lt"/>
+                <a:ea typeface="+mn-ea"/>
+                <a:cs typeface="+mn-cs"/>
+              </a:rPr>
+              <a:t>With the analogy of my family and me emptying the dishwasher, we saw how to conceptualize the chain of responsibility and its links as a simple chain of function calls wrapped in each other in a nested fashion. We have also seen that a message handling pipeline is, in itself, a chain of responsibility.</a:t>
+            </a:r>
+          </a:p>
+          <a:p>
+            <a:r>
+              <a:rPr lang="en-US" sz="1200" b="0" i="0" kern="1200" dirty="0">
+                <a:solidFill>
+                  <a:schemeClr val="tx1"/>
+                </a:solidFill>
+                <a:effectLst/>
+                <a:latin typeface="+mn-lt"/>
+                <a:ea typeface="+mn-ea"/>
+                <a:cs typeface="+mn-cs"/>
+              </a:rPr>
+              <a:t>But while these chains are flexible, they are also very linear. As I showed in my previous presentation, </a:t>
+            </a:r>
+            <a:r>
+              <a:rPr lang="en-US" sz="1200" b="0" i="0" kern="1200" dirty="0" err="1">
+                <a:solidFill>
+                  <a:schemeClr val="tx1"/>
+                </a:solidFill>
+                <a:effectLst/>
+                <a:latin typeface="+mn-lt"/>
+                <a:ea typeface="+mn-ea"/>
+                <a:cs typeface="+mn-cs"/>
+              </a:rPr>
+              <a:t>Async</a:t>
+            </a:r>
+            <a:r>
+              <a:rPr lang="en-US" sz="1200" b="0" i="0" kern="1200" dirty="0">
+                <a:solidFill>
+                  <a:schemeClr val="tx1"/>
+                </a:solidFill>
+                <a:effectLst/>
+                <a:latin typeface="+mn-lt"/>
+                <a:ea typeface="+mn-ea"/>
+                <a:cs typeface="+mn-cs"/>
+              </a:rPr>
+              <a:t>/Await:</a:t>
+            </a:r>
+            <a:r>
+              <a:rPr lang="en-US" sz="1200" b="0" i="0" kern="1200" baseline="0" dirty="0">
+                <a:solidFill>
+                  <a:schemeClr val="tx1"/>
+                </a:solidFill>
+                <a:effectLst/>
+                <a:latin typeface="+mn-lt"/>
+                <a:ea typeface="+mn-ea"/>
+                <a:cs typeface="+mn-cs"/>
+              </a:rPr>
+              <a:t> The die is cast</a:t>
+            </a:r>
+            <a:r>
+              <a:rPr lang="en-US" sz="1200" b="0" i="0" kern="1200" dirty="0">
+                <a:solidFill>
+                  <a:schemeClr val="tx1"/>
+                </a:solidFill>
+                <a:effectLst/>
+                <a:latin typeface="+mn-lt"/>
+                <a:ea typeface="+mn-ea"/>
+                <a:cs typeface="+mn-cs"/>
+              </a:rPr>
+              <a:t>, the domain of message handling is primarily focused on IO-intensive work, and the answer to IO-heavy workloads is a task-based API combined with the </a:t>
+            </a:r>
+            <a:r>
+              <a:rPr lang="en-US" sz="1200" b="0" i="0" kern="1200" dirty="0" err="1">
+                <a:solidFill>
+                  <a:schemeClr val="tx1"/>
+                </a:solidFill>
+                <a:effectLst/>
+                <a:latin typeface="+mn-lt"/>
+                <a:ea typeface="+mn-ea"/>
+                <a:cs typeface="+mn-cs"/>
+              </a:rPr>
+              <a:t>async</a:t>
+            </a:r>
+            <a:r>
+              <a:rPr lang="en-US" sz="1200" b="0" i="0" kern="1200" dirty="0">
+                <a:solidFill>
+                  <a:schemeClr val="tx1"/>
+                </a:solidFill>
+                <a:effectLst/>
+                <a:latin typeface="+mn-lt"/>
+                <a:ea typeface="+mn-ea"/>
+                <a:cs typeface="+mn-cs"/>
+              </a:rPr>
+              <a:t>/await keywords.</a:t>
+            </a:r>
+          </a:p>
+          <a:p>
+            <a:r>
+              <a:rPr lang="en-US" sz="1200" b="0" i="0" kern="1200" dirty="0">
+                <a:solidFill>
+                  <a:schemeClr val="tx1"/>
+                </a:solidFill>
+                <a:effectLst/>
+                <a:latin typeface="+mn-lt"/>
+                <a:ea typeface="+mn-ea"/>
+                <a:cs typeface="+mn-cs"/>
+              </a:rPr>
+              <a:t>So, what would happen if we used </a:t>
+            </a:r>
+            <a:r>
+              <a:rPr lang="en-US" sz="1200" b="0" i="0" kern="1200" dirty="0" err="1">
+                <a:solidFill>
+                  <a:schemeClr val="tx1"/>
+                </a:solidFill>
+                <a:effectLst/>
+                <a:latin typeface="+mn-lt"/>
+                <a:ea typeface="+mn-ea"/>
+                <a:cs typeface="+mn-cs"/>
+              </a:rPr>
+              <a:t>async</a:t>
+            </a:r>
+            <a:r>
+              <a:rPr lang="en-US" sz="1200" b="0" i="0" kern="1200" dirty="0">
+                <a:solidFill>
+                  <a:schemeClr val="tx1"/>
+                </a:solidFill>
+                <a:effectLst/>
+                <a:latin typeface="+mn-lt"/>
+                <a:ea typeface="+mn-ea"/>
+                <a:cs typeface="+mn-cs"/>
+              </a:rPr>
+              <a:t>/await on each of the links in the chain of responsibility? </a:t>
+            </a:r>
+          </a:p>
+          <a:p>
+            <a:endParaRPr lang="en-US" sz="1200" b="0" i="0" kern="1200" dirty="0">
+              <a:solidFill>
+                <a:schemeClr val="tx1"/>
+              </a:solidFill>
+              <a:effectLst/>
+              <a:latin typeface="+mn-lt"/>
+              <a:ea typeface="+mn-ea"/>
+              <a:cs typeface="+mn-cs"/>
+            </a:endParaRPr>
+          </a:p>
+          <a:p>
+            <a:r>
+              <a:rPr lang="en-US" sz="1200" b="0" i="0" kern="1200" dirty="0">
+                <a:solidFill>
+                  <a:schemeClr val="tx1"/>
+                </a:solidFill>
+                <a:effectLst/>
+                <a:latin typeface="+mn-lt"/>
+                <a:ea typeface="+mn-ea"/>
+                <a:cs typeface="+mn-cs"/>
+              </a:rPr>
+              <a:t>Let’s build this thing!</a:t>
+            </a:r>
+          </a:p>
+          <a:p>
             <a:endParaRPr lang="de-CH" dirty="0"/>
           </a:p>
         </p:txBody>
@@ -14699,7 +14846,7 @@
     </p:spTree>
     <p:extLst>
       <p:ext uri="{BB962C8B-B14F-4D97-AF65-F5344CB8AC3E}">
-        <p14:creationId xmlns:p14="http://schemas.microsoft.com/office/powerpoint/2010/main" val="3968714557"/>
+        <p14:creationId xmlns:p14="http://schemas.microsoft.com/office/powerpoint/2010/main" val="608938883"/>
       </p:ext>
     </p:extLst>
   </p:cSld>
@@ -14763,159 +14910,23 @@
                 <a:ea typeface="+mn-ea"/>
                 <a:cs typeface="+mn-cs"/>
               </a:rPr>
-              <a:t>With the analogy of my family and me emptying the dishwasher, we saw how to conceptualize the chain of responsibility and its links as a simple chain of function calls wrapped in each other in a nested fashion. We have also seen that a message handling pipeline is, in itself, a chain of responsibility.</a:t>
-            </a:r>
-          </a:p>
-          <a:p>
-            <a:r>
-              <a:rPr lang="en-US" sz="1200" b="0" i="0" kern="1200" dirty="0">
-                <a:solidFill>
-                  <a:schemeClr val="tx1"/>
-                </a:solidFill>
-                <a:effectLst/>
-                <a:latin typeface="+mn-lt"/>
-                <a:ea typeface="+mn-ea"/>
-                <a:cs typeface="+mn-cs"/>
-              </a:rPr>
-              <a:t>But while these chains are flexible, they are also very linear. As I showed in my previous presentation, </a:t>
-            </a:r>
-            <a:r>
-              <a:rPr lang="en-US" sz="1200" b="0" i="0" kern="1200" dirty="0" err="1">
-                <a:solidFill>
-                  <a:schemeClr val="tx1"/>
-                </a:solidFill>
-                <a:effectLst/>
-                <a:latin typeface="+mn-lt"/>
-                <a:ea typeface="+mn-ea"/>
-                <a:cs typeface="+mn-cs"/>
-              </a:rPr>
-              <a:t>Async</a:t>
-            </a:r>
-            <a:r>
-              <a:rPr lang="en-US" sz="1200" b="0" i="0" kern="1200" dirty="0">
-                <a:solidFill>
-                  <a:schemeClr val="tx1"/>
-                </a:solidFill>
-                <a:effectLst/>
-                <a:latin typeface="+mn-lt"/>
-                <a:ea typeface="+mn-ea"/>
-                <a:cs typeface="+mn-cs"/>
-              </a:rPr>
-              <a:t>/Await:</a:t>
-            </a:r>
-            <a:r>
-              <a:rPr lang="en-US" sz="1200" b="0" i="0" kern="1200" baseline="0" dirty="0">
-                <a:solidFill>
-                  <a:schemeClr val="tx1"/>
-                </a:solidFill>
-                <a:effectLst/>
-                <a:latin typeface="+mn-lt"/>
-                <a:ea typeface="+mn-ea"/>
-                <a:cs typeface="+mn-cs"/>
-              </a:rPr>
-              <a:t> The die is cast</a:t>
-            </a:r>
-            <a:r>
-              <a:rPr lang="en-US" sz="1200" b="0" i="0" kern="1200" dirty="0">
-                <a:solidFill>
-                  <a:schemeClr val="tx1"/>
-                </a:solidFill>
-                <a:effectLst/>
-                <a:latin typeface="+mn-lt"/>
-                <a:ea typeface="+mn-ea"/>
-                <a:cs typeface="+mn-cs"/>
-              </a:rPr>
-              <a:t>, the domain of message handling is primarily focused on IO-intensive work, and the answer to IO-heavy workloads is a task-based API combined with the </a:t>
-            </a:r>
-            <a:r>
-              <a:rPr lang="en-US" sz="1200" b="0" i="0" kern="1200" dirty="0" err="1">
-                <a:solidFill>
-                  <a:schemeClr val="tx1"/>
-                </a:solidFill>
-                <a:effectLst/>
-                <a:latin typeface="+mn-lt"/>
-                <a:ea typeface="+mn-ea"/>
-                <a:cs typeface="+mn-cs"/>
-              </a:rPr>
-              <a:t>async</a:t>
-            </a:r>
-            <a:r>
-              <a:rPr lang="en-US" sz="1200" b="0" i="0" kern="1200" dirty="0">
-                <a:solidFill>
-                  <a:schemeClr val="tx1"/>
-                </a:solidFill>
-                <a:effectLst/>
-                <a:latin typeface="+mn-lt"/>
-                <a:ea typeface="+mn-ea"/>
-                <a:cs typeface="+mn-cs"/>
-              </a:rPr>
-              <a:t>/await keywords.</a:t>
-            </a:r>
-          </a:p>
-          <a:p>
-            <a:r>
-              <a:rPr lang="en-US" sz="1200" b="0" i="0" kern="1200" dirty="0">
-                <a:solidFill>
-                  <a:schemeClr val="tx1"/>
-                </a:solidFill>
-                <a:effectLst/>
-                <a:latin typeface="+mn-lt"/>
-                <a:ea typeface="+mn-ea"/>
-                <a:cs typeface="+mn-cs"/>
-              </a:rPr>
-              <a:t>So, what would happen if we used </a:t>
-            </a:r>
-            <a:r>
-              <a:rPr lang="en-US" sz="1200" b="0" i="0" kern="1200" dirty="0" err="1">
-                <a:solidFill>
-                  <a:schemeClr val="tx1"/>
-                </a:solidFill>
-                <a:effectLst/>
-                <a:latin typeface="+mn-lt"/>
-                <a:ea typeface="+mn-ea"/>
-                <a:cs typeface="+mn-cs"/>
-              </a:rPr>
-              <a:t>async</a:t>
-            </a:r>
-            <a:r>
-              <a:rPr lang="en-US" sz="1200" b="0" i="0" kern="1200" dirty="0">
-                <a:solidFill>
-                  <a:schemeClr val="tx1"/>
-                </a:solidFill>
-                <a:effectLst/>
-                <a:latin typeface="+mn-lt"/>
-                <a:ea typeface="+mn-ea"/>
-                <a:cs typeface="+mn-cs"/>
-              </a:rPr>
-              <a:t>/await on each of the links in the chain of responsibility? </a:t>
-            </a:r>
-          </a:p>
-          <a:p>
-            <a:endParaRPr lang="en-US" sz="1200" b="0" i="0" kern="1200" dirty="0">
-              <a:solidFill>
-                <a:schemeClr val="tx1"/>
-              </a:solidFill>
-              <a:effectLst/>
-              <a:latin typeface="+mn-lt"/>
-              <a:ea typeface="+mn-ea"/>
-              <a:cs typeface="+mn-cs"/>
-            </a:endParaRPr>
-          </a:p>
-          <a:p>
-            <a:r>
-              <a:rPr lang="en-US" sz="1200" b="0" i="0" kern="1200" dirty="0">
-                <a:solidFill>
-                  <a:schemeClr val="tx1"/>
-                </a:solidFill>
-                <a:effectLst/>
-                <a:latin typeface="+mn-lt"/>
-                <a:ea typeface="+mn-ea"/>
-                <a:cs typeface="+mn-cs"/>
-              </a:rPr>
-              <a:t>Let’s build this thing!</a:t>
-            </a:r>
-          </a:p>
-          <a:p>
+              <a:t>Handling a message from a queue can also be implemented as a chain of responsibility.</a:t>
+            </a:r>
+          </a:p>
+          <a:p>
+            <a:r>
+              <a:rPr lang="en-US" dirty="0"/>
+              <a:t>Each operation, such as picking up the message from the transport of choice, can be thought of as a link in the message-handling chain. Because the chain is stored in a List, links can be added, removed, or reordered. You can make those changes at design time, or at runtime. There is a lot of flexibility in this chain of responsibility.</a:t>
+            </a:r>
+          </a:p>
+          <a:p>
+            <a:endParaRPr lang="en-US" dirty="0"/>
+          </a:p>
+          <a:p>
+            <a:r>
+              <a:rPr lang="en-US" dirty="0"/>
+              <a:t>Retries</a:t>
+            </a:r>
             <a:endParaRPr lang="de-CH" dirty="0"/>
           </a:p>
         </p:txBody>
@@ -14946,7 +14957,7 @@
     </p:spTree>
     <p:extLst>
       <p:ext uri="{BB962C8B-B14F-4D97-AF65-F5344CB8AC3E}">
-        <p14:creationId xmlns:p14="http://schemas.microsoft.com/office/powerpoint/2010/main" val="608938883"/>
+        <p14:creationId xmlns:p14="http://schemas.microsoft.com/office/powerpoint/2010/main" val="3889413089"/>
       </p:ext>
     </p:extLst>
   </p:cSld>
@@ -15000,24 +15011,6 @@
           <a:bodyPr/>
           <a:lstStyle/>
           <a:p>
-            <a:r>
-              <a:rPr lang="en-US" sz="1200" b="0" i="0" kern="1200" dirty="0">
-                <a:solidFill>
-                  <a:schemeClr val="tx1"/>
-                </a:solidFill>
-                <a:effectLst/>
-                <a:latin typeface="+mn-lt"/>
-                <a:ea typeface="+mn-ea"/>
-                <a:cs typeface="+mn-cs"/>
-              </a:rPr>
-              <a:t>Handling a message from a queue can also be implemented as a chain of responsibility.</a:t>
-            </a:r>
-          </a:p>
-          <a:p>
-            <a:r>
-              <a:rPr lang="en-US" dirty="0"/>
-              <a:t>Each operation, such as picking up the message from the transport of choice, can be thought of as a link in the message-handling chain. Because the chain is stored in a List, links can be added, removed, or reordered. You can make those changes at design time, or at runtime. There is a lot of flexibility in this chain of responsibility.</a:t>
-            </a:r>
             <a:endParaRPr lang="de-CH" dirty="0"/>
           </a:p>
         </p:txBody>
@@ -15048,7 +15041,7 @@
     </p:spTree>
     <p:extLst>
       <p:ext uri="{BB962C8B-B14F-4D97-AF65-F5344CB8AC3E}">
-        <p14:creationId xmlns:p14="http://schemas.microsoft.com/office/powerpoint/2010/main" val="3889413089"/>
+        <p14:creationId xmlns:p14="http://schemas.microsoft.com/office/powerpoint/2010/main" val="3391823875"/>
       </p:ext>
     </p:extLst>
   </p:cSld>
@@ -15252,7 +15245,7 @@
     </p:spTree>
     <p:extLst>
       <p:ext uri="{BB962C8B-B14F-4D97-AF65-F5344CB8AC3E}">
-        <p14:creationId xmlns:p14="http://schemas.microsoft.com/office/powerpoint/2010/main" val="454690830"/>
+        <p14:creationId xmlns:p14="http://schemas.microsoft.com/office/powerpoint/2010/main" val="973439351"/>
       </p:ext>
     </p:extLst>
   </p:cSld>
@@ -15316,7 +15309,7 @@
                 <a:ea typeface="+mn-ea"/>
                 <a:cs typeface="+mn-cs"/>
               </a:rPr>
-              <a:t>How do</a:t>
+              <a:t>We previously did a functional version by using delegates</a:t>
             </a:r>
             <a:r>
               <a:rPr lang="en-US" sz="1200" b="0" i="0" kern="1200" baseline="0" dirty="0">
@@ -15328,7 +15321,103 @@
                 <a:ea typeface="+mn-ea"/>
                 <a:cs typeface="+mn-cs"/>
               </a:rPr>
-              <a:t> we bring state into it</a:t>
+              <a:t> and a </a:t>
+            </a:r>
+            <a:r>
+              <a:rPr lang="en-US" sz="1200" b="0" i="0" kern="1200" baseline="0" dirty="0" err="1">
+                <a:solidFill>
+                  <a:schemeClr val="tx1"/>
+                </a:solidFill>
+                <a:effectLst/>
+                <a:latin typeface="+mn-lt"/>
+                <a:ea typeface="+mn-ea"/>
+                <a:cs typeface="+mn-cs"/>
+              </a:rPr>
+              <a:t>heapload</a:t>
+            </a:r>
+            <a:r>
+              <a:rPr lang="en-US" sz="1200" b="0" i="0" kern="1200" baseline="0" dirty="0">
+                <a:solidFill>
+                  <a:schemeClr val="tx1"/>
+                </a:solidFill>
+                <a:effectLst/>
+                <a:latin typeface="+mn-lt"/>
+                <a:ea typeface="+mn-ea"/>
+                <a:cs typeface="+mn-cs"/>
+              </a:rPr>
+              <a:t> of </a:t>
+            </a:r>
+            <a:r>
+              <a:rPr lang="en-US" sz="1200" b="0" i="0" kern="1200" baseline="0" dirty="0" err="1">
+                <a:solidFill>
+                  <a:schemeClr val="tx1"/>
+                </a:solidFill>
+                <a:effectLst/>
+                <a:latin typeface="+mn-lt"/>
+                <a:ea typeface="+mn-ea"/>
+                <a:cs typeface="+mn-cs"/>
+              </a:rPr>
+              <a:t>Func</a:t>
+            </a:r>
+            <a:r>
+              <a:rPr lang="en-US" sz="1200" b="0" i="0" kern="1200" baseline="0" dirty="0">
+                <a:solidFill>
+                  <a:schemeClr val="tx1"/>
+                </a:solidFill>
+                <a:effectLst/>
+                <a:latin typeface="+mn-lt"/>
+                <a:ea typeface="+mn-ea"/>
+                <a:cs typeface="+mn-cs"/>
+              </a:rPr>
+              <a:t>&lt;</a:t>
+            </a:r>
+            <a:r>
+              <a:rPr lang="en-US" sz="1200" b="0" i="0" kern="1200" baseline="0" dirty="0" err="1">
+                <a:solidFill>
+                  <a:schemeClr val="tx1"/>
+                </a:solidFill>
+                <a:effectLst/>
+                <a:latin typeface="+mn-lt"/>
+                <a:ea typeface="+mn-ea"/>
+                <a:cs typeface="+mn-cs"/>
+              </a:rPr>
+              <a:t>Func</a:t>
+            </a:r>
+            <a:r>
+              <a:rPr lang="en-US" sz="1200" b="0" i="0" kern="1200" baseline="0" dirty="0">
+                <a:solidFill>
+                  <a:schemeClr val="tx1"/>
+                </a:solidFill>
+                <a:effectLst/>
+                <a:latin typeface="+mn-lt"/>
+                <a:ea typeface="+mn-ea"/>
+                <a:cs typeface="+mn-cs"/>
+              </a:rPr>
+              <a:t>&lt;</a:t>
+            </a:r>
+            <a:r>
+              <a:rPr lang="en-US" sz="1200" b="0" i="0" kern="1200" baseline="0" dirty="0" err="1">
+                <a:solidFill>
+                  <a:schemeClr val="tx1"/>
+                </a:solidFill>
+                <a:effectLst/>
+                <a:latin typeface="+mn-lt"/>
+                <a:ea typeface="+mn-ea"/>
+                <a:cs typeface="+mn-cs"/>
+              </a:rPr>
+              <a:t>Func</a:t>
+            </a:r>
+            <a:r>
+              <a:rPr lang="en-US" sz="1200" b="0" i="0" kern="1200" baseline="0" dirty="0">
+                <a:solidFill>
+                  <a:schemeClr val="tx1"/>
+                </a:solidFill>
+                <a:effectLst/>
+                <a:latin typeface="+mn-lt"/>
+                <a:ea typeface="+mn-ea"/>
+                <a:cs typeface="+mn-cs"/>
+              </a:rPr>
+              <a:t>&gt;&gt;&gt; let’s lift this thing up into the OO world</a:t>
             </a:r>
             <a:endParaRPr lang="de-CH" dirty="0"/>
           </a:p>
@@ -15360,7 +15449,7 @@
     </p:spTree>
     <p:extLst>
       <p:ext uri="{BB962C8B-B14F-4D97-AF65-F5344CB8AC3E}">
-        <p14:creationId xmlns:p14="http://schemas.microsoft.com/office/powerpoint/2010/main" val="2264770070"/>
+        <p14:creationId xmlns:p14="http://schemas.microsoft.com/office/powerpoint/2010/main" val="454690830"/>
       </p:ext>
     </p:extLst>
   </p:cSld>
@@ -15424,7 +15513,19 @@
                 <a:ea typeface="+mn-ea"/>
                 <a:cs typeface="+mn-cs"/>
               </a:rPr>
-              <a:t>Let’s float state into it</a:t>
+              <a:t>How do</a:t>
+            </a:r>
+            <a:r>
+              <a:rPr lang="en-US" sz="1200" b="0" i="0" kern="1200" baseline="0" dirty="0">
+                <a:solidFill>
+                  <a:schemeClr val="tx1"/>
+                </a:solidFill>
+                <a:effectLst/>
+                <a:latin typeface="+mn-lt"/>
+                <a:ea typeface="+mn-ea"/>
+                <a:cs typeface="+mn-cs"/>
+              </a:rPr>
+              <a:t> we bring state into it</a:t>
             </a:r>
             <a:endParaRPr lang="de-CH" dirty="0"/>
           </a:p>
@@ -15456,7 +15557,7 @@
     </p:spTree>
     <p:extLst>
       <p:ext uri="{BB962C8B-B14F-4D97-AF65-F5344CB8AC3E}">
-        <p14:creationId xmlns:p14="http://schemas.microsoft.com/office/powerpoint/2010/main" val="2019408716"/>
+        <p14:creationId xmlns:p14="http://schemas.microsoft.com/office/powerpoint/2010/main" val="2264770070"/>
       </p:ext>
     </p:extLst>
   </p:cSld>
@@ -15510,6 +15611,18 @@
           <a:bodyPr/>
           <a:lstStyle/>
           <a:p>
+            <a:r>
+              <a:rPr lang="en-US" sz="1200" b="0" i="0" kern="1200" dirty="0">
+                <a:solidFill>
+                  <a:schemeClr val="tx1"/>
+                </a:solidFill>
+                <a:effectLst/>
+                <a:latin typeface="+mn-lt"/>
+                <a:ea typeface="+mn-ea"/>
+                <a:cs typeface="+mn-cs"/>
+              </a:rPr>
+              <a:t>Let’s float state into it</a:t>
+            </a:r>
             <a:endParaRPr lang="de-CH" dirty="0"/>
           </a:p>
         </p:txBody>
@@ -15540,7 +15653,7 @@
     </p:spTree>
     <p:extLst>
       <p:ext uri="{BB962C8B-B14F-4D97-AF65-F5344CB8AC3E}">
-        <p14:creationId xmlns:p14="http://schemas.microsoft.com/office/powerpoint/2010/main" val="346071665"/>
+        <p14:creationId xmlns:p14="http://schemas.microsoft.com/office/powerpoint/2010/main" val="2019408716"/>
       </p:ext>
     </p:extLst>
   </p:cSld>
@@ -15624,7 +15737,7 @@
     </p:spTree>
     <p:extLst>
       <p:ext uri="{BB962C8B-B14F-4D97-AF65-F5344CB8AC3E}">
-        <p14:creationId xmlns:p14="http://schemas.microsoft.com/office/powerpoint/2010/main" val="2578245397"/>
+        <p14:creationId xmlns:p14="http://schemas.microsoft.com/office/powerpoint/2010/main" val="346071665"/>
       </p:ext>
     </p:extLst>
   </p:cSld>
@@ -15678,20 +15791,6 @@
           <a:bodyPr/>
           <a:lstStyle/>
           <a:p>
-            <a:r>
-              <a:rPr lang="en-US" sz="1200" b="0" i="0" kern="1200" dirty="0">
-                <a:solidFill>
-                  <a:schemeClr val="tx1"/>
-                </a:solidFill>
-                <a:effectLst/>
-                <a:latin typeface="+mn-lt"/>
-                <a:ea typeface="+mn-ea"/>
-                <a:cs typeface="+mn-cs"/>
-              </a:rPr>
-              <a:t>Let’s dig this thing!</a:t>
-            </a:r>
-          </a:p>
-          <a:p>
             <a:endParaRPr lang="de-CH" dirty="0"/>
           </a:p>
         </p:txBody>
@@ -15713,7 +15812,7 @@
           <a:p>
             <a:fld id="{9BCA07FD-5BD5-4529-84B0-48DD2C561176}" type="slidenum">
               <a:rPr lang="de-CH" smtClean="0"/>
-              <a:t>33</a:t>
+              <a:t>32</a:t>
             </a:fld>
             <a:endParaRPr lang="de-CH"/>
           </a:p>
@@ -15722,7 +15821,7 @@
     </p:spTree>
     <p:extLst>
       <p:ext uri="{BB962C8B-B14F-4D97-AF65-F5344CB8AC3E}">
-        <p14:creationId xmlns:p14="http://schemas.microsoft.com/office/powerpoint/2010/main" val="4132208829"/>
+        <p14:creationId xmlns:p14="http://schemas.microsoft.com/office/powerpoint/2010/main" val="2578245397"/>
       </p:ext>
     </p:extLst>
   </p:cSld>
@@ -16364,7 +16463,7 @@
           <a:p>
             <a:fld id="{9BCA07FD-5BD5-4529-84B0-48DD2C561176}" type="slidenum">
               <a:rPr lang="de-CH" smtClean="0"/>
-              <a:t>41</a:t>
+              <a:t>42</a:t>
             </a:fld>
             <a:endParaRPr lang="de-CH"/>
           </a:p>
@@ -16448,7 +16547,7 @@
           <a:p>
             <a:fld id="{9BCA07FD-5BD5-4529-84B0-48DD2C561176}" type="slidenum">
               <a:rPr lang="de-CH" smtClean="0"/>
-              <a:t>42</a:t>
+              <a:t>43</a:t>
             </a:fld>
             <a:endParaRPr lang="de-CH"/>
           </a:p>
@@ -16540,7 +16639,7 @@
           <a:p>
             <a:fld id="{9BCA07FD-5BD5-4529-84B0-48DD2C561176}" type="slidenum">
               <a:rPr lang="de-CH" smtClean="0"/>
-              <a:t>43</a:t>
+              <a:t>44</a:t>
             </a:fld>
             <a:endParaRPr lang="de-CH"/>
           </a:p>
@@ -17423,7 +17522,7 @@
           <a:p>
             <a:fld id="{A2EAEABE-1D59-4413-813E-803E21872067}" type="datetimeFigureOut">
               <a:rPr lang="de-CH" smtClean="0"/>
-              <a:t>17.06.2016</a:t>
+              <a:t>21.06.2016</a:t>
             </a:fld>
             <a:endParaRPr lang="de-CH"/>
           </a:p>
@@ -17593,7 +17692,7 @@
           <a:p>
             <a:fld id="{A2EAEABE-1D59-4413-813E-803E21872067}" type="datetimeFigureOut">
               <a:rPr lang="de-CH" smtClean="0"/>
-              <a:t>17.06.2016</a:t>
+              <a:t>21.06.2016</a:t>
             </a:fld>
             <a:endParaRPr lang="de-CH"/>
           </a:p>
@@ -17773,7 +17872,7 @@
           <a:p>
             <a:fld id="{A2EAEABE-1D59-4413-813E-803E21872067}" type="datetimeFigureOut">
               <a:rPr lang="de-CH" smtClean="0"/>
-              <a:t>17.06.2016</a:t>
+              <a:t>21.06.2016</a:t>
             </a:fld>
             <a:endParaRPr lang="de-CH"/>
           </a:p>
@@ -17942,7 +18041,7 @@
           <a:p>
             <a:fld id="{A2EAEABE-1D59-4413-813E-803E21872067}" type="datetimeFigureOut">
               <a:rPr lang="de-CH" smtClean="0"/>
-              <a:t>17.06.2016</a:t>
+              <a:t>21.06.2016</a:t>
             </a:fld>
             <a:endParaRPr lang="de-CH"/>
           </a:p>
@@ -18188,7 +18287,7 @@
           <a:p>
             <a:fld id="{A2EAEABE-1D59-4413-813E-803E21872067}" type="datetimeFigureOut">
               <a:rPr lang="de-CH" smtClean="0"/>
-              <a:t>17.06.2016</a:t>
+              <a:t>21.06.2016</a:t>
             </a:fld>
             <a:endParaRPr lang="de-CH"/>
           </a:p>
@@ -18420,7 +18519,7 @@
           <a:p>
             <a:fld id="{A2EAEABE-1D59-4413-813E-803E21872067}" type="datetimeFigureOut">
               <a:rPr lang="de-CH" smtClean="0"/>
-              <a:t>17.06.2016</a:t>
+              <a:t>21.06.2016</a:t>
             </a:fld>
             <a:endParaRPr lang="de-CH"/>
           </a:p>
@@ -18787,7 +18886,7 @@
           <a:p>
             <a:fld id="{A2EAEABE-1D59-4413-813E-803E21872067}" type="datetimeFigureOut">
               <a:rPr lang="de-CH" smtClean="0"/>
-              <a:t>17.06.2016</a:t>
+              <a:t>21.06.2016</a:t>
             </a:fld>
             <a:endParaRPr lang="de-CH"/>
           </a:p>
@@ -18905,7 +19004,7 @@
           <a:p>
             <a:fld id="{A2EAEABE-1D59-4413-813E-803E21872067}" type="datetimeFigureOut">
               <a:rPr lang="de-CH" smtClean="0"/>
-              <a:t>17.06.2016</a:t>
+              <a:t>21.06.2016</a:t>
             </a:fld>
             <a:endParaRPr lang="de-CH"/>
           </a:p>
@@ -19000,7 +19099,7 @@
           <a:p>
             <a:fld id="{A2EAEABE-1D59-4413-813E-803E21872067}" type="datetimeFigureOut">
               <a:rPr lang="de-CH" smtClean="0"/>
-              <a:t>17.06.2016</a:t>
+              <a:t>21.06.2016</a:t>
             </a:fld>
             <a:endParaRPr lang="de-CH"/>
           </a:p>
@@ -19277,7 +19376,7 @@
           <a:p>
             <a:fld id="{A2EAEABE-1D59-4413-813E-803E21872067}" type="datetimeFigureOut">
               <a:rPr lang="de-CH" smtClean="0"/>
-              <a:t>17.06.2016</a:t>
+              <a:t>21.06.2016</a:t>
             </a:fld>
             <a:endParaRPr lang="de-CH"/>
           </a:p>
@@ -19534,7 +19633,7 @@
           <a:p>
             <a:fld id="{A2EAEABE-1D59-4413-813E-803E21872067}" type="datetimeFigureOut">
               <a:rPr lang="de-CH" smtClean="0"/>
-              <a:t>17.06.2016</a:t>
+              <a:t>21.06.2016</a:t>
             </a:fld>
             <a:endParaRPr lang="de-CH"/>
           </a:p>
@@ -19745,7 +19844,7 @@
           <a:p>
             <a:fld id="{A2EAEABE-1D59-4413-813E-803E21872067}" type="datetimeFigureOut">
               <a:rPr lang="de-CH" smtClean="0"/>
-              <a:t>17.06.2016</a:t>
+              <a:t>21.06.2016</a:t>
             </a:fld>
             <a:endParaRPr lang="de-CH"/>
           </a:p>
@@ -20755,6 +20854,40 @@
           </a:p>
         </p:txBody>
       </p:sp>
+      <p:sp>
+        <p:nvSpPr>
+          <p:cNvPr id="3" name="Rectangle 2"/>
+          <p:cNvSpPr/>
+          <p:nvPr/>
+        </p:nvSpPr>
+        <p:spPr>
+          <a:xfrm>
+            <a:off x="8184553" y="4498523"/>
+            <a:ext cx="2585964" cy="1015663"/>
+          </a:xfrm>
+          <a:prstGeom prst="rect">
+            <a:avLst/>
+          </a:prstGeom>
+        </p:spPr>
+        <p:txBody>
+          <a:bodyPr wrap="none">
+            <a:spAutoFit/>
+          </a:bodyPr>
+          <a:lstStyle/>
+          <a:p>
+            <a:r>
+              <a:rPr lang="en-US" sz="6000" dirty="0">
+                <a:solidFill>
+                  <a:schemeClr val="tx2"/>
+                </a:solidFill>
+                <a:latin typeface="Yanone Kaffeesatz Regular" panose="02000000000000000000" pitchFamily="2" charset="0"/>
+              </a:rPr>
+              <a:t>Exercise 1</a:t>
+            </a:r>
+            <a:endParaRPr lang="de-CH" sz="6000" dirty="0"/>
+          </a:p>
+        </p:txBody>
+      </p:sp>
     </p:spTree>
     <p:extLst>
       <p:ext uri="{BB962C8B-B14F-4D97-AF65-F5344CB8AC3E}">
@@ -21360,6 +21493,40 @@
           </a:p>
         </p:txBody>
       </p:sp>
+      <p:sp>
+        <p:nvSpPr>
+          <p:cNvPr id="3" name="Rectangle 2"/>
+          <p:cNvSpPr/>
+          <p:nvPr/>
+        </p:nvSpPr>
+        <p:spPr>
+          <a:xfrm>
+            <a:off x="8184553" y="4498523"/>
+            <a:ext cx="2585964" cy="1015663"/>
+          </a:xfrm>
+          <a:prstGeom prst="rect">
+            <a:avLst/>
+          </a:prstGeom>
+        </p:spPr>
+        <p:txBody>
+          <a:bodyPr wrap="none">
+            <a:spAutoFit/>
+          </a:bodyPr>
+          <a:lstStyle/>
+          <a:p>
+            <a:r>
+              <a:rPr lang="en-US" sz="6000" dirty="0">
+                <a:solidFill>
+                  <a:schemeClr val="tx2"/>
+                </a:solidFill>
+                <a:latin typeface="Yanone Kaffeesatz Regular" panose="02000000000000000000" pitchFamily="2" charset="0"/>
+              </a:rPr>
+              <a:t>Exercise 2</a:t>
+            </a:r>
+            <a:endParaRPr lang="de-CH" sz="6000" dirty="0"/>
+          </a:p>
+        </p:txBody>
+      </p:sp>
     </p:spTree>
     <p:extLst>
       <p:ext uri="{BB962C8B-B14F-4D97-AF65-F5344CB8AC3E}">
@@ -21589,6 +21756,40 @@
           </a:p>
         </p:txBody>
       </p:sp>
+      <p:sp>
+        <p:nvSpPr>
+          <p:cNvPr id="3" name="Rectangle 2"/>
+          <p:cNvSpPr/>
+          <p:nvPr/>
+        </p:nvSpPr>
+        <p:spPr>
+          <a:xfrm>
+            <a:off x="8184553" y="4498523"/>
+            <a:ext cx="2585964" cy="1015663"/>
+          </a:xfrm>
+          <a:prstGeom prst="rect">
+            <a:avLst/>
+          </a:prstGeom>
+        </p:spPr>
+        <p:txBody>
+          <a:bodyPr wrap="none">
+            <a:spAutoFit/>
+          </a:bodyPr>
+          <a:lstStyle/>
+          <a:p>
+            <a:r>
+              <a:rPr lang="en-US" sz="6000" dirty="0">
+                <a:solidFill>
+                  <a:schemeClr val="tx2"/>
+                </a:solidFill>
+                <a:latin typeface="Yanone Kaffeesatz Regular" panose="02000000000000000000" pitchFamily="2" charset="0"/>
+              </a:rPr>
+              <a:t>Exercise 3</a:t>
+            </a:r>
+            <a:endParaRPr lang="de-CH" sz="6000" dirty="0"/>
+          </a:p>
+        </p:txBody>
+      </p:sp>
     </p:spTree>
     <p:extLst>
       <p:ext uri="{BB962C8B-B14F-4D97-AF65-F5344CB8AC3E}">
@@ -21619,16 +21820,1660 @@
           <a:chExt cx="0" cy="0"/>
         </a:xfrm>
       </p:grpSpPr>
+      <p:sp>
+        <p:nvSpPr>
+          <p:cNvPr id="5" name="Rectangle 4"/>
+          <p:cNvSpPr/>
+          <p:nvPr/>
+        </p:nvSpPr>
+        <p:spPr>
+          <a:xfrm>
+            <a:off x="0" y="1952437"/>
+            <a:ext cx="4999912" cy="2646878"/>
+          </a:xfrm>
+          <a:prstGeom prst="rect">
+            <a:avLst/>
+          </a:prstGeom>
+        </p:spPr>
+        <p:txBody>
+          <a:bodyPr wrap="square">
+            <a:spAutoFit/>
+          </a:bodyPr>
+          <a:lstStyle/>
+          <a:p>
+            <a:pPr algn="ctr"/>
+            <a:r>
+              <a:rPr lang="en-US" sz="16600" dirty="0">
+                <a:solidFill>
+                  <a:schemeClr val="accent2"/>
+                </a:solidFill>
+                <a:latin typeface="Yanone Kaffeesatz Regular" panose="02000000000000000000" pitchFamily="2" charset="0"/>
+              </a:rPr>
+              <a:t>Task</a:t>
+            </a:r>
+            <a:endParaRPr lang="de-CH" dirty="0"/>
+          </a:p>
+        </p:txBody>
+      </p:sp>
+      <p:sp>
+        <p:nvSpPr>
+          <p:cNvPr id="9" name="Rectangle 8"/>
+          <p:cNvSpPr/>
+          <p:nvPr/>
+        </p:nvSpPr>
+        <p:spPr>
+          <a:xfrm>
+            <a:off x="1" y="4399885"/>
+            <a:ext cx="6494332" cy="1200329"/>
+          </a:xfrm>
+          <a:prstGeom prst="rect">
+            <a:avLst/>
+          </a:prstGeom>
+        </p:spPr>
+        <p:txBody>
+          <a:bodyPr wrap="square">
+            <a:spAutoFit/>
+          </a:bodyPr>
+          <a:lstStyle/>
+          <a:p>
+            <a:pPr algn="ctr"/>
+            <a:r>
+              <a:rPr lang="en-US" sz="7200" dirty="0">
+                <a:solidFill>
+                  <a:schemeClr val="accent3"/>
+                </a:solidFill>
+                <a:latin typeface="Yanone Kaffeesatz Regular" panose="02000000000000000000" pitchFamily="2" charset="0"/>
+              </a:rPr>
+              <a:t>IO-bound</a:t>
+            </a:r>
+          </a:p>
+        </p:txBody>
+      </p:sp>
+      <p:sp>
+        <p:nvSpPr>
+          <p:cNvPr id="12" name="Rectangle 11"/>
+          <p:cNvSpPr/>
+          <p:nvPr/>
+        </p:nvSpPr>
+        <p:spPr>
+          <a:xfrm>
+            <a:off x="5449363" y="2306380"/>
+            <a:ext cx="6926034" cy="3416320"/>
+          </a:xfrm>
+          <a:prstGeom prst="rect">
+            <a:avLst/>
+          </a:prstGeom>
+        </p:spPr>
+        <p:txBody>
+          <a:bodyPr wrap="square">
+            <a:spAutoFit/>
+          </a:bodyPr>
+          <a:lstStyle/>
+          <a:p>
+            <a:r>
+              <a:rPr lang="de-CH" sz="2400" dirty="0">
+                <a:solidFill>
+                  <a:schemeClr val="tx2"/>
+                </a:solidFill>
+                <a:latin typeface="Yanone Kaffeesatz Regular" panose="02000000000000000000" pitchFamily="2" charset="0"/>
+              </a:rPr>
+              <a:t>await IoBoundMethod();</a:t>
+            </a:r>
+            <a:br>
+              <a:rPr lang="de-CH" sz="2400" dirty="0">
+                <a:solidFill>
+                  <a:schemeClr val="tx2"/>
+                </a:solidFill>
+                <a:latin typeface="Yanone Kaffeesatz Regular" panose="02000000000000000000" pitchFamily="2" charset="0"/>
+              </a:rPr>
+            </a:br>
+            <a:br>
+              <a:rPr lang="de-CH" sz="2400" dirty="0">
+                <a:solidFill>
+                  <a:schemeClr val="tx2"/>
+                </a:solidFill>
+                <a:latin typeface="Yanone Kaffeesatz Regular" panose="02000000000000000000" pitchFamily="2" charset="0"/>
+              </a:rPr>
+            </a:br>
+            <a:r>
+              <a:rPr lang="de-CH" sz="2400" dirty="0">
+                <a:solidFill>
+                  <a:schemeClr val="accent3"/>
+                </a:solidFill>
+                <a:latin typeface="Yanone Kaffeesatz Regular" panose="02000000000000000000" pitchFamily="2" charset="0"/>
+              </a:rPr>
+              <a:t> static async Task IoBoundMethod() {</a:t>
+            </a:r>
+          </a:p>
+          <a:p>
+            <a:r>
+              <a:rPr lang="de-CH" sz="2400" dirty="0">
+                <a:solidFill>
+                  <a:schemeClr val="accent3"/>
+                </a:solidFill>
+                <a:latin typeface="Yanone Kaffeesatz Regular" panose="02000000000000000000" pitchFamily="2" charset="0"/>
+              </a:rPr>
+              <a:t>   using (var stream = new FileStream(...))</a:t>
+            </a:r>
+          </a:p>
+          <a:p>
+            <a:r>
+              <a:rPr lang="de-CH" sz="2400" dirty="0">
+                <a:solidFill>
+                  <a:schemeClr val="accent3"/>
+                </a:solidFill>
+                <a:latin typeface="Yanone Kaffeesatz Regular" panose="02000000000000000000" pitchFamily="2" charset="0"/>
+              </a:rPr>
+              <a:t>   using (var writer = new StreamWriter(stream)) {</a:t>
+            </a:r>
+          </a:p>
+          <a:p>
+            <a:r>
+              <a:rPr lang="de-CH" sz="2400" dirty="0">
+                <a:solidFill>
+                  <a:schemeClr val="accent3"/>
+                </a:solidFill>
+                <a:latin typeface="Yanone Kaffeesatz Regular" panose="02000000000000000000" pitchFamily="2" charset="0"/>
+              </a:rPr>
+              <a:t>      await writer.WriteLineAsync("42");</a:t>
+            </a:r>
+          </a:p>
+          <a:p>
+            <a:r>
+              <a:rPr lang="de-CH" sz="2400" dirty="0">
+                <a:solidFill>
+                  <a:schemeClr val="accent3"/>
+                </a:solidFill>
+                <a:latin typeface="Yanone Kaffeesatz Regular" panose="02000000000000000000" pitchFamily="2" charset="0"/>
+              </a:rPr>
+              <a:t>      ...</a:t>
+            </a:r>
+          </a:p>
+          <a:p>
+            <a:r>
+              <a:rPr lang="de-CH" sz="2400" dirty="0">
+                <a:solidFill>
+                  <a:schemeClr val="accent3"/>
+                </a:solidFill>
+                <a:latin typeface="Yanone Kaffeesatz Regular" panose="02000000000000000000" pitchFamily="2" charset="0"/>
+              </a:rPr>
+              <a:t>   }</a:t>
+            </a:r>
+          </a:p>
+          <a:p>
+            <a:r>
+              <a:rPr lang="de-CH" sz="2400" dirty="0">
+                <a:solidFill>
+                  <a:schemeClr val="accent3"/>
+                </a:solidFill>
+                <a:latin typeface="Yanone Kaffeesatz Regular" panose="02000000000000000000" pitchFamily="2" charset="0"/>
+              </a:rPr>
+              <a:t>}</a:t>
+            </a:r>
+          </a:p>
+        </p:txBody>
+      </p:sp>
+    </p:spTree>
+    <p:extLst>
+      <p:ext uri="{BB962C8B-B14F-4D97-AF65-F5344CB8AC3E}">
+        <p14:creationId xmlns:p14="http://schemas.microsoft.com/office/powerpoint/2010/main" val="296036620"/>
+      </p:ext>
+    </p:extLst>
+  </p:cSld>
+  <p:clrMapOvr>
+    <a:masterClrMapping/>
+  </p:clrMapOvr>
+</p:sld>
+</file>
+
+<file path=ppt/slides/slide19.xml><?xml version="1.0" encoding="utf-8"?>
+<p:sld xmlns:a="http://schemas.openxmlformats.org/drawingml/2006/main" xmlns:r="http://schemas.openxmlformats.org/officeDocument/2006/relationships" xmlns:p="http://schemas.openxmlformats.org/presentationml/2006/main">
+  <p:cSld>
+    <p:spTree>
+      <p:nvGrpSpPr>
+        <p:cNvPr id="1" name=""/>
+        <p:cNvGrpSpPr/>
+        <p:nvPr/>
+      </p:nvGrpSpPr>
+      <p:grpSpPr>
+        <a:xfrm>
+          <a:off x="0" y="0"/>
+          <a:ext cx="0" cy="0"/>
+          <a:chOff x="0" y="0"/>
+          <a:chExt cx="0" cy="0"/>
+        </a:xfrm>
+      </p:grpSpPr>
+      <p:sp>
+        <p:nvSpPr>
+          <p:cNvPr id="3" name="Rectangle 2"/>
+          <p:cNvSpPr/>
+          <p:nvPr/>
+        </p:nvSpPr>
+        <p:spPr>
+          <a:xfrm>
+            <a:off x="5449363" y="2306380"/>
+            <a:ext cx="6926034" cy="1938992"/>
+          </a:xfrm>
+          <a:prstGeom prst="rect">
+            <a:avLst/>
+          </a:prstGeom>
+        </p:spPr>
+        <p:txBody>
+          <a:bodyPr wrap="square">
+            <a:spAutoFit/>
+          </a:bodyPr>
+          <a:lstStyle/>
+          <a:p>
+            <a:r>
+              <a:rPr lang="de-CH" sz="2400" dirty="0">
+                <a:solidFill>
+                  <a:schemeClr val="tx2"/>
+                </a:solidFill>
+                <a:latin typeface="Yanone Kaffeesatz Regular" panose="02000000000000000000" pitchFamily="2" charset="0"/>
+              </a:rPr>
+              <a:t>Parallel.For(0, 1000, CpuBoundMethod);</a:t>
+            </a:r>
+          </a:p>
+          <a:p>
+            <a:r>
+              <a:rPr lang="de-CH" sz="2400" dirty="0">
+                <a:solidFill>
+                  <a:schemeClr val="tx2"/>
+                </a:solidFill>
+                <a:latin typeface="Yanone Kaffeesatz Regular" panose="02000000000000000000" pitchFamily="2" charset="0"/>
+              </a:rPr>
+              <a:t>Parallel.ForEach(Enumerable.Range(1000, 2000), CpuBoundMethod);</a:t>
+            </a:r>
+          </a:p>
+          <a:p>
+            <a:endParaRPr lang="de-CH" sz="2400" dirty="0">
+              <a:solidFill>
+                <a:schemeClr val="tx2"/>
+              </a:solidFill>
+              <a:latin typeface="Yanone Kaffeesatz Regular" panose="02000000000000000000" pitchFamily="2" charset="0"/>
+            </a:endParaRPr>
+          </a:p>
+          <a:p>
+            <a:r>
+              <a:rPr lang="de-CH" sz="2400" dirty="0">
+                <a:solidFill>
+                  <a:schemeClr val="tx2"/>
+                </a:solidFill>
+                <a:latin typeface="Yanone Kaffeesatz Regular" panose="02000000000000000000" pitchFamily="2" charset="0"/>
+              </a:rPr>
+              <a:t>await Task.Run(() =&gt; CpuBoundMethod(2001));</a:t>
+            </a:r>
+          </a:p>
+          <a:p>
+            <a:r>
+              <a:rPr lang="de-CH" sz="2400" dirty="0">
+                <a:solidFill>
+                  <a:schemeClr val="tx2"/>
+                </a:solidFill>
+                <a:latin typeface="Yanone Kaffeesatz Regular" panose="02000000000000000000" pitchFamily="2" charset="0"/>
+              </a:rPr>
+              <a:t>await Task.Factory.StartNew(() =&gt; CpuBoundMethod(2002));</a:t>
+            </a:r>
+          </a:p>
+        </p:txBody>
+      </p:sp>
+      <p:sp>
+        <p:nvSpPr>
+          <p:cNvPr id="4" name="Rectangle 3"/>
+          <p:cNvSpPr/>
+          <p:nvPr/>
+        </p:nvSpPr>
+        <p:spPr>
+          <a:xfrm>
+            <a:off x="0" y="1952437"/>
+            <a:ext cx="4999912" cy="2646878"/>
+          </a:xfrm>
+          <a:prstGeom prst="rect">
+            <a:avLst/>
+          </a:prstGeom>
+        </p:spPr>
+        <p:txBody>
+          <a:bodyPr wrap="square">
+            <a:spAutoFit/>
+          </a:bodyPr>
+          <a:lstStyle/>
+          <a:p>
+            <a:pPr algn="ctr"/>
+            <a:r>
+              <a:rPr lang="en-US" sz="16600" dirty="0">
+                <a:solidFill>
+                  <a:schemeClr val="accent2"/>
+                </a:solidFill>
+                <a:latin typeface="Yanone Kaffeesatz Regular" panose="02000000000000000000" pitchFamily="2" charset="0"/>
+              </a:rPr>
+              <a:t>Task</a:t>
+            </a:r>
+            <a:endParaRPr lang="de-CH" dirty="0"/>
+          </a:p>
+        </p:txBody>
+      </p:sp>
+      <p:sp>
+        <p:nvSpPr>
+          <p:cNvPr id="5" name="Rectangle 4"/>
+          <p:cNvSpPr/>
+          <p:nvPr/>
+        </p:nvSpPr>
+        <p:spPr>
+          <a:xfrm>
+            <a:off x="1" y="4399885"/>
+            <a:ext cx="6494332" cy="1200329"/>
+          </a:xfrm>
+          <a:prstGeom prst="rect">
+            <a:avLst/>
+          </a:prstGeom>
+        </p:spPr>
+        <p:txBody>
+          <a:bodyPr wrap="square">
+            <a:spAutoFit/>
+          </a:bodyPr>
+          <a:lstStyle/>
+          <a:p>
+            <a:pPr algn="ctr"/>
+            <a:r>
+              <a:rPr lang="en-US" sz="7200" dirty="0">
+                <a:solidFill>
+                  <a:schemeClr val="accent3"/>
+                </a:solidFill>
+                <a:latin typeface="Yanone Kaffeesatz Regular" panose="02000000000000000000" pitchFamily="2" charset="0"/>
+              </a:rPr>
+              <a:t>CPU-bound</a:t>
+            </a:r>
+          </a:p>
+        </p:txBody>
+      </p:sp>
+    </p:spTree>
+    <p:extLst>
+      <p:ext uri="{BB962C8B-B14F-4D97-AF65-F5344CB8AC3E}">
+        <p14:creationId xmlns:p14="http://schemas.microsoft.com/office/powerpoint/2010/main" val="3861135424"/>
+      </p:ext>
+    </p:extLst>
+  </p:cSld>
+  <p:clrMapOvr>
+    <a:masterClrMapping/>
+  </p:clrMapOvr>
+</p:sld>
+</file>
+
+<file path=ppt/slides/slide2.xml><?xml version="1.0" encoding="utf-8"?>
+<p:sld xmlns:a="http://schemas.openxmlformats.org/drawingml/2006/main" xmlns:r="http://schemas.openxmlformats.org/officeDocument/2006/relationships" xmlns:p="http://schemas.openxmlformats.org/presentationml/2006/main">
+  <p:cSld>
+    <p:spTree>
+      <p:nvGrpSpPr>
+        <p:cNvPr id="1" name=""/>
+        <p:cNvGrpSpPr/>
+        <p:nvPr/>
+      </p:nvGrpSpPr>
+      <p:grpSpPr>
+        <a:xfrm>
+          <a:off x="0" y="0"/>
+          <a:ext cx="0" cy="0"/>
+          <a:chOff x="0" y="0"/>
+          <a:chExt cx="0" cy="0"/>
+        </a:xfrm>
+      </p:grpSpPr>
+      <p:pic>
+        <p:nvPicPr>
+          <p:cNvPr id="4" name="Picture 3"/>
+          <p:cNvPicPr>
+            <a:picLocks noChangeAspect="1"/>
+          </p:cNvPicPr>
+          <p:nvPr/>
+        </p:nvPicPr>
+        <p:blipFill>
+          <a:blip r:embed="rId3" cstate="print">
+            <a:extLst>
+              <a:ext uri="{28A0092B-C50C-407E-A947-70E740481C1C}">
+                <a14:useLocalDpi xmlns:a14="http://schemas.microsoft.com/office/drawing/2010/main" val="0"/>
+              </a:ext>
+            </a:extLst>
+          </a:blip>
+          <a:stretch>
+            <a:fillRect/>
+          </a:stretch>
+        </p:blipFill>
+        <p:spPr>
+          <a:xfrm>
+            <a:off x="694750" y="1742883"/>
+            <a:ext cx="5151939" cy="3434626"/>
+          </a:xfrm>
+          <a:prstGeom prst="rect">
+            <a:avLst/>
+          </a:prstGeom>
+        </p:spPr>
+      </p:pic>
+      <p:pic>
+        <p:nvPicPr>
+          <p:cNvPr id="3" name="Picture 2"/>
+          <p:cNvPicPr>
+            <a:picLocks noChangeAspect="1"/>
+          </p:cNvPicPr>
+          <p:nvPr/>
+        </p:nvPicPr>
+        <p:blipFill>
+          <a:blip r:embed="rId4" cstate="print">
+            <a:extLst>
+              <a:ext uri="{28A0092B-C50C-407E-A947-70E740481C1C}">
+                <a14:useLocalDpi xmlns:a14="http://schemas.microsoft.com/office/drawing/2010/main" val="0"/>
+              </a:ext>
+            </a:extLst>
+          </a:blip>
+          <a:stretch>
+            <a:fillRect/>
+          </a:stretch>
+        </p:blipFill>
+        <p:spPr>
+          <a:xfrm>
+            <a:off x="8052306" y="612519"/>
+            <a:ext cx="2880000" cy="690817"/>
+          </a:xfrm>
+          <a:prstGeom prst="rect">
+            <a:avLst/>
+          </a:prstGeom>
+        </p:spPr>
+      </p:pic>
+      <p:sp>
+        <p:nvSpPr>
+          <p:cNvPr id="2" name="Rectangle 1"/>
+          <p:cNvSpPr/>
+          <p:nvPr/>
+        </p:nvSpPr>
+        <p:spPr>
+          <a:xfrm>
+            <a:off x="5723694" y="2132715"/>
+            <a:ext cx="6096000" cy="3108543"/>
+          </a:xfrm>
+          <a:prstGeom prst="rect">
+            <a:avLst/>
+          </a:prstGeom>
+        </p:spPr>
+        <p:txBody>
+          <a:bodyPr>
+            <a:spAutoFit/>
+          </a:bodyPr>
+          <a:lstStyle/>
+          <a:p>
+            <a:r>
+              <a:rPr lang="en-US" sz="2800" dirty="0">
+                <a:solidFill>
+                  <a:schemeClr val="tx2"/>
+                </a:solidFill>
+                <a:latin typeface="Yanone Kaffeesatz Regular" panose="02000000000000000000" pitchFamily="2" charset="0"/>
+              </a:rPr>
+              <a:t>Solution Architect</a:t>
+            </a:r>
+          </a:p>
+          <a:p>
+            <a:r>
+              <a:rPr lang="en-US" sz="2800" dirty="0">
+                <a:solidFill>
+                  <a:schemeClr val="tx2"/>
+                </a:solidFill>
+                <a:latin typeface="Yanone Kaffeesatz Regular" panose="02000000000000000000" pitchFamily="2" charset="0"/>
+              </a:rPr>
+              <a:t>Enthusiastic Software Engineer</a:t>
+            </a:r>
+          </a:p>
+          <a:p>
+            <a:r>
+              <a:rPr lang="en-US" sz="2800" dirty="0">
+                <a:solidFill>
+                  <a:schemeClr val="tx2"/>
+                </a:solidFill>
+                <a:latin typeface="Yanone Kaffeesatz Regular" panose="02000000000000000000" pitchFamily="2" charset="0"/>
+              </a:rPr>
+              <a:t>Microsoft </a:t>
+            </a:r>
+            <a:r>
+              <a:rPr lang="en-US" sz="2800">
+                <a:solidFill>
+                  <a:schemeClr val="tx2"/>
+                </a:solidFill>
+                <a:latin typeface="Yanone Kaffeesatz Regular" panose="02000000000000000000" pitchFamily="2" charset="0"/>
+              </a:rPr>
+              <a:t>Azure MVP</a:t>
+            </a:r>
+            <a:endParaRPr lang="en-US" sz="2800" dirty="0">
+              <a:solidFill>
+                <a:schemeClr val="tx2"/>
+              </a:solidFill>
+              <a:latin typeface="Yanone Kaffeesatz Regular" panose="02000000000000000000" pitchFamily="2" charset="0"/>
+            </a:endParaRPr>
+          </a:p>
+          <a:p>
+            <a:endParaRPr lang="en-US" sz="2800" dirty="0">
+              <a:solidFill>
+                <a:schemeClr val="tx2"/>
+              </a:solidFill>
+              <a:latin typeface="Yanone Kaffeesatz Regular" panose="02000000000000000000" pitchFamily="2" charset="0"/>
+            </a:endParaRPr>
+          </a:p>
+          <a:p>
+            <a:r>
+              <a:rPr lang="en-US" sz="2800" dirty="0">
+                <a:solidFill>
+                  <a:schemeClr val="accent4"/>
+                </a:solidFill>
+                <a:latin typeface="Yanone Kaffeesatz Regular" panose="02000000000000000000" pitchFamily="2" charset="0"/>
+              </a:rPr>
+              <a:t>@danielmarbach</a:t>
+            </a:r>
+          </a:p>
+          <a:p>
+            <a:r>
+              <a:rPr lang="en-US" sz="2800" dirty="0">
+                <a:solidFill>
+                  <a:schemeClr val="accent4"/>
+                </a:solidFill>
+                <a:latin typeface="Yanone Kaffeesatz Regular" panose="02000000000000000000" pitchFamily="2" charset="0"/>
+              </a:rPr>
+              <a:t>particular.net/blog</a:t>
+            </a:r>
+          </a:p>
+          <a:p>
+            <a:r>
+              <a:rPr lang="en-US" sz="2800" dirty="0">
+                <a:solidFill>
+                  <a:schemeClr val="accent4"/>
+                </a:solidFill>
+                <a:latin typeface="Yanone Kaffeesatz Regular" panose="02000000000000000000" pitchFamily="2" charset="0"/>
+              </a:rPr>
+              <a:t>planetgeek.ch</a:t>
+            </a:r>
+          </a:p>
+        </p:txBody>
+      </p:sp>
+    </p:spTree>
+    <p:extLst>
+      <p:ext uri="{BB962C8B-B14F-4D97-AF65-F5344CB8AC3E}">
+        <p14:creationId xmlns:p14="http://schemas.microsoft.com/office/powerpoint/2010/main" val="3601279917"/>
+      </p:ext>
+    </p:extLst>
+  </p:cSld>
+  <p:clrMapOvr>
+    <a:masterClrMapping/>
+  </p:clrMapOvr>
+</p:sld>
+</file>
+
+<file path=ppt/slides/slide20.xml><?xml version="1.0" encoding="utf-8"?>
+<p:sld xmlns:a="http://schemas.openxmlformats.org/drawingml/2006/main" xmlns:r="http://schemas.openxmlformats.org/officeDocument/2006/relationships" xmlns:p="http://schemas.openxmlformats.org/presentationml/2006/main">
+  <p:cSld>
+    <p:spTree>
+      <p:nvGrpSpPr>
+        <p:cNvPr id="1" name=""/>
+        <p:cNvGrpSpPr/>
+        <p:nvPr/>
+      </p:nvGrpSpPr>
+      <p:grpSpPr>
+        <a:xfrm>
+          <a:off x="0" y="0"/>
+          <a:ext cx="0" cy="0"/>
+          <a:chOff x="0" y="0"/>
+          <a:chExt cx="0" cy="0"/>
+        </a:xfrm>
+      </p:grpSpPr>
+      <p:sp>
+        <p:nvSpPr>
+          <p:cNvPr id="2" name="Rectangle 1"/>
+          <p:cNvSpPr/>
+          <p:nvPr/>
+        </p:nvSpPr>
+        <p:spPr>
+          <a:xfrm>
+            <a:off x="0" y="1952437"/>
+            <a:ext cx="4999912" cy="2646878"/>
+          </a:xfrm>
+          <a:prstGeom prst="rect">
+            <a:avLst/>
+          </a:prstGeom>
+        </p:spPr>
+        <p:txBody>
+          <a:bodyPr wrap="square">
+            <a:spAutoFit/>
+          </a:bodyPr>
+          <a:lstStyle/>
+          <a:p>
+            <a:pPr algn="ctr"/>
+            <a:r>
+              <a:rPr lang="en-US" sz="16600" dirty="0">
+                <a:solidFill>
+                  <a:schemeClr val="accent2"/>
+                </a:solidFill>
+                <a:latin typeface="Yanone Kaffeesatz Regular" panose="02000000000000000000" pitchFamily="2" charset="0"/>
+              </a:rPr>
+              <a:t>Avoid</a:t>
+            </a:r>
+            <a:endParaRPr lang="de-CH" dirty="0"/>
+          </a:p>
+        </p:txBody>
+      </p:sp>
+      <p:sp>
+        <p:nvSpPr>
+          <p:cNvPr id="3" name="Rectangle 2"/>
+          <p:cNvSpPr/>
+          <p:nvPr/>
+        </p:nvSpPr>
+        <p:spPr>
+          <a:xfrm>
+            <a:off x="1" y="4399885"/>
+            <a:ext cx="6494332" cy="1200329"/>
+          </a:xfrm>
+          <a:prstGeom prst="rect">
+            <a:avLst/>
+          </a:prstGeom>
+        </p:spPr>
+        <p:txBody>
+          <a:bodyPr wrap="square">
+            <a:spAutoFit/>
+          </a:bodyPr>
+          <a:lstStyle/>
+          <a:p>
+            <a:pPr algn="ctr"/>
+            <a:r>
+              <a:rPr lang="en-US" sz="7200" dirty="0" err="1">
+                <a:solidFill>
+                  <a:schemeClr val="accent3"/>
+                </a:solidFill>
+                <a:latin typeface="Yanone Kaffeesatz Regular" panose="02000000000000000000" pitchFamily="2" charset="0"/>
+              </a:rPr>
+              <a:t>async</a:t>
+            </a:r>
+            <a:r>
+              <a:rPr lang="en-US" sz="7200" dirty="0">
+                <a:solidFill>
+                  <a:schemeClr val="accent3"/>
+                </a:solidFill>
+                <a:latin typeface="Yanone Kaffeesatz Regular" panose="02000000000000000000" pitchFamily="2" charset="0"/>
+              </a:rPr>
+              <a:t> void</a:t>
+            </a:r>
+          </a:p>
+        </p:txBody>
+      </p:sp>
+      <p:sp>
+        <p:nvSpPr>
+          <p:cNvPr id="5" name="Rectangle 4"/>
+          <p:cNvSpPr/>
+          <p:nvPr/>
+        </p:nvSpPr>
+        <p:spPr>
+          <a:xfrm>
+            <a:off x="5426990" y="1012954"/>
+            <a:ext cx="6096000" cy="4832092"/>
+          </a:xfrm>
+          <a:prstGeom prst="rect">
+            <a:avLst/>
+          </a:prstGeom>
+        </p:spPr>
+        <p:txBody>
+          <a:bodyPr>
+            <a:spAutoFit/>
+          </a:bodyPr>
+          <a:lstStyle/>
+          <a:p>
+            <a:r>
+              <a:rPr lang="de-CH" sz="2800" dirty="0">
+                <a:solidFill>
+                  <a:schemeClr val="tx2"/>
+                </a:solidFill>
+                <a:latin typeface="Yanone Kaffeesatz Regular" panose="02000000000000000000" pitchFamily="2" charset="0"/>
+              </a:rPr>
+              <a:t>try { </a:t>
+            </a:r>
+          </a:p>
+          <a:p>
+            <a:r>
+              <a:rPr lang="de-CH" sz="2800" dirty="0">
+                <a:solidFill>
+                  <a:schemeClr val="tx2"/>
+                </a:solidFill>
+                <a:latin typeface="Yanone Kaffeesatz Regular" panose="02000000000000000000" pitchFamily="2" charset="0"/>
+              </a:rPr>
+              <a:t>   AvoidAsyncVoid(); </a:t>
+            </a:r>
+          </a:p>
+          <a:p>
+            <a:r>
+              <a:rPr lang="de-CH" sz="2800" dirty="0">
+                <a:solidFill>
+                  <a:schemeClr val="tx2"/>
+                </a:solidFill>
+                <a:latin typeface="Yanone Kaffeesatz Regular" panose="02000000000000000000" pitchFamily="2" charset="0"/>
+              </a:rPr>
+              <a:t>}</a:t>
+            </a:r>
+          </a:p>
+          <a:p>
+            <a:r>
+              <a:rPr lang="de-CH" sz="2800" dirty="0">
+                <a:solidFill>
+                  <a:schemeClr val="tx2"/>
+                </a:solidFill>
+                <a:latin typeface="Yanone Kaffeesatz Regular" panose="02000000000000000000" pitchFamily="2" charset="0"/>
+              </a:rPr>
+              <a:t>catch (InvalidOperationException e) { }</a:t>
+            </a:r>
+          </a:p>
+          <a:p>
+            <a:endParaRPr lang="de-CH" sz="2800" dirty="0">
+              <a:solidFill>
+                <a:schemeClr val="tx2"/>
+              </a:solidFill>
+              <a:latin typeface="Yanone Kaffeesatz Regular" panose="02000000000000000000" pitchFamily="2" charset="0"/>
+            </a:endParaRPr>
+          </a:p>
+          <a:p>
+            <a:r>
+              <a:rPr lang="de-CH" sz="2800" dirty="0">
+                <a:solidFill>
+                  <a:schemeClr val="tx2"/>
+                </a:solidFill>
+                <a:latin typeface="Yanone Kaffeesatz Regular" panose="02000000000000000000" pitchFamily="2" charset="0"/>
+              </a:rPr>
+              <a:t>await Task.Delay(100);</a:t>
+            </a:r>
+          </a:p>
+          <a:p>
+            <a:endParaRPr lang="de-CH" sz="2800" dirty="0">
+              <a:solidFill>
+                <a:schemeClr val="tx2"/>
+              </a:solidFill>
+              <a:latin typeface="Yanone Kaffeesatz Regular" panose="02000000000000000000" pitchFamily="2" charset="0"/>
+            </a:endParaRPr>
+          </a:p>
+          <a:p>
+            <a:r>
+              <a:rPr lang="de-CH" sz="2800" dirty="0">
+                <a:solidFill>
+                  <a:schemeClr val="tx2"/>
+                </a:solidFill>
+                <a:latin typeface="Yanone Kaffeesatz Regular" panose="02000000000000000000" pitchFamily="2" charset="0"/>
+              </a:rPr>
+              <a:t>static async void AvoidAsyncVoid() {</a:t>
+            </a:r>
+          </a:p>
+          <a:p>
+            <a:r>
+              <a:rPr lang="de-CH" sz="2800" dirty="0">
+                <a:solidFill>
+                  <a:schemeClr val="tx2"/>
+                </a:solidFill>
+                <a:latin typeface="Yanone Kaffeesatz Regular" panose="02000000000000000000" pitchFamily="2" charset="0"/>
+              </a:rPr>
+              <a:t>   await Task.Delay(10);</a:t>
+            </a:r>
+          </a:p>
+          <a:p>
+            <a:r>
+              <a:rPr lang="de-CH" sz="2800" dirty="0">
+                <a:solidFill>
+                  <a:schemeClr val="tx2"/>
+                </a:solidFill>
+                <a:latin typeface="Yanone Kaffeesatz Regular" panose="02000000000000000000" pitchFamily="2" charset="0"/>
+              </a:rPr>
+              <a:t>   throw new InvalidOperationException("Gotcha!");</a:t>
+            </a:r>
+            <a:br>
+              <a:rPr lang="de-CH" sz="2800" dirty="0">
+                <a:solidFill>
+                  <a:schemeClr val="tx2"/>
+                </a:solidFill>
+                <a:latin typeface="Yanone Kaffeesatz Regular" panose="02000000000000000000" pitchFamily="2" charset="0"/>
+              </a:rPr>
+            </a:br>
+            <a:r>
+              <a:rPr lang="de-CH" sz="2800" dirty="0">
+                <a:solidFill>
+                  <a:schemeClr val="tx2"/>
+                </a:solidFill>
+                <a:latin typeface="Yanone Kaffeesatz Regular" panose="02000000000000000000" pitchFamily="2" charset="0"/>
+              </a:rPr>
+              <a:t>}</a:t>
+            </a:r>
+          </a:p>
+        </p:txBody>
+      </p:sp>
+    </p:spTree>
+    <p:extLst>
+      <p:ext uri="{BB962C8B-B14F-4D97-AF65-F5344CB8AC3E}">
+        <p14:creationId xmlns:p14="http://schemas.microsoft.com/office/powerpoint/2010/main" val="3186245804"/>
+      </p:ext>
+    </p:extLst>
+  </p:cSld>
+  <p:clrMapOvr>
+    <a:masterClrMapping/>
+  </p:clrMapOvr>
+</p:sld>
+</file>
+
+<file path=ppt/slides/slide21.xml><?xml version="1.0" encoding="utf-8"?>
+<p:sld xmlns:a="http://schemas.openxmlformats.org/drawingml/2006/main" xmlns:r="http://schemas.openxmlformats.org/officeDocument/2006/relationships" xmlns:p="http://schemas.openxmlformats.org/presentationml/2006/main">
+  <p:cSld>
+    <p:spTree>
+      <p:nvGrpSpPr>
+        <p:cNvPr id="1" name=""/>
+        <p:cNvGrpSpPr/>
+        <p:nvPr/>
+      </p:nvGrpSpPr>
+      <p:grpSpPr>
+        <a:xfrm>
+          <a:off x="0" y="0"/>
+          <a:ext cx="0" cy="0"/>
+          <a:chOff x="0" y="0"/>
+          <a:chExt cx="0" cy="0"/>
+        </a:xfrm>
+      </p:grpSpPr>
+      <p:sp>
+        <p:nvSpPr>
+          <p:cNvPr id="2" name="Rectangle 1"/>
+          <p:cNvSpPr/>
+          <p:nvPr/>
+        </p:nvSpPr>
+        <p:spPr>
+          <a:xfrm>
+            <a:off x="1" y="2595616"/>
+            <a:ext cx="4999912" cy="1862048"/>
+          </a:xfrm>
+          <a:prstGeom prst="rect">
+            <a:avLst/>
+          </a:prstGeom>
+        </p:spPr>
+        <p:txBody>
+          <a:bodyPr wrap="square">
+            <a:spAutoFit/>
+          </a:bodyPr>
+          <a:lstStyle/>
+          <a:p>
+            <a:pPr algn="ctr"/>
+            <a:r>
+              <a:rPr lang="en-US" sz="11500" dirty="0">
+                <a:solidFill>
+                  <a:schemeClr val="accent2"/>
+                </a:solidFill>
+                <a:latin typeface="Yanone Kaffeesatz Regular" panose="02000000000000000000" pitchFamily="2" charset="0"/>
+              </a:rPr>
+              <a:t>Don’t mix</a:t>
+            </a:r>
+            <a:endParaRPr lang="de-CH" sz="1400" dirty="0"/>
+          </a:p>
+        </p:txBody>
+      </p:sp>
+      <p:sp>
+        <p:nvSpPr>
+          <p:cNvPr id="3" name="Rectangle 2"/>
+          <p:cNvSpPr/>
+          <p:nvPr/>
+        </p:nvSpPr>
+        <p:spPr>
+          <a:xfrm>
+            <a:off x="1" y="4399885"/>
+            <a:ext cx="6494332" cy="1200329"/>
+          </a:xfrm>
+          <a:prstGeom prst="rect">
+            <a:avLst/>
+          </a:prstGeom>
+        </p:spPr>
+        <p:txBody>
+          <a:bodyPr wrap="square">
+            <a:spAutoFit/>
+          </a:bodyPr>
+          <a:lstStyle/>
+          <a:p>
+            <a:pPr algn="ctr"/>
+            <a:r>
+              <a:rPr lang="en-US" sz="7200" dirty="0">
+                <a:solidFill>
+                  <a:schemeClr val="accent3"/>
+                </a:solidFill>
+                <a:latin typeface="Yanone Kaffeesatz Regular" panose="02000000000000000000" pitchFamily="2" charset="0"/>
+              </a:rPr>
+              <a:t>blocking &amp; </a:t>
+            </a:r>
+            <a:r>
+              <a:rPr lang="en-US" sz="7200" dirty="0" err="1">
+                <a:solidFill>
+                  <a:schemeClr val="accent3"/>
+                </a:solidFill>
+                <a:latin typeface="Yanone Kaffeesatz Regular" panose="02000000000000000000" pitchFamily="2" charset="0"/>
+              </a:rPr>
+              <a:t>async</a:t>
+            </a:r>
+            <a:endParaRPr lang="en-US" sz="7200" dirty="0">
+              <a:solidFill>
+                <a:schemeClr val="accent3"/>
+              </a:solidFill>
+              <a:latin typeface="Yanone Kaffeesatz Regular" panose="02000000000000000000" pitchFamily="2" charset="0"/>
+            </a:endParaRPr>
+          </a:p>
+        </p:txBody>
+      </p:sp>
+      <p:sp>
+        <p:nvSpPr>
+          <p:cNvPr id="5" name="Rectangle 4"/>
+          <p:cNvSpPr/>
+          <p:nvPr/>
+        </p:nvSpPr>
+        <p:spPr>
+          <a:xfrm>
+            <a:off x="5961682" y="1443841"/>
+            <a:ext cx="6096000" cy="3970318"/>
+          </a:xfrm>
+          <a:prstGeom prst="rect">
+            <a:avLst/>
+          </a:prstGeom>
+        </p:spPr>
+        <p:txBody>
+          <a:bodyPr>
+            <a:spAutoFit/>
+          </a:bodyPr>
+          <a:lstStyle/>
+          <a:p>
+            <a:r>
+              <a:rPr lang="de-CH" sz="2800" dirty="0">
+                <a:solidFill>
+                  <a:schemeClr val="tx2"/>
+                </a:solidFill>
+                <a:latin typeface="Yanone Kaffeesatz Regular" panose="02000000000000000000" pitchFamily="2" charset="0"/>
+              </a:rPr>
+              <a:t> Delay(15);</a:t>
+            </a:r>
+          </a:p>
+          <a:p>
+            <a:endParaRPr lang="de-CH" sz="2800" dirty="0">
+              <a:solidFill>
+                <a:schemeClr val="tx2"/>
+              </a:solidFill>
+              <a:latin typeface="Yanone Kaffeesatz Regular" panose="02000000000000000000" pitchFamily="2" charset="0"/>
+            </a:endParaRPr>
+          </a:p>
+          <a:p>
+            <a:r>
+              <a:rPr lang="de-CH" sz="2800" dirty="0">
+                <a:solidFill>
+                  <a:schemeClr val="tx2"/>
+                </a:solidFill>
+                <a:latin typeface="Yanone Kaffeesatz Regular" panose="02000000000000000000" pitchFamily="2" charset="0"/>
+              </a:rPr>
+              <a:t>static void Delay(int milliseconds) {</a:t>
+            </a:r>
+          </a:p>
+          <a:p>
+            <a:r>
+              <a:rPr lang="de-CH" sz="2800" dirty="0">
+                <a:solidFill>
+                  <a:schemeClr val="tx2"/>
+                </a:solidFill>
+                <a:latin typeface="Yanone Kaffeesatz Regular" panose="02000000000000000000" pitchFamily="2" charset="0"/>
+              </a:rPr>
+              <a:t>   DelayAsync(milliseconds).Wait();</a:t>
+            </a:r>
+          </a:p>
+          <a:p>
+            <a:r>
+              <a:rPr lang="de-CH" sz="2800" dirty="0">
+                <a:solidFill>
+                  <a:schemeClr val="tx2"/>
+                </a:solidFill>
+                <a:latin typeface="Yanone Kaffeesatz Regular" panose="02000000000000000000" pitchFamily="2" charset="0"/>
+              </a:rPr>
+              <a:t>}</a:t>
+            </a:r>
+          </a:p>
+          <a:p>
+            <a:endParaRPr lang="de-CH" sz="2800" dirty="0">
+              <a:solidFill>
+                <a:schemeClr val="tx2"/>
+              </a:solidFill>
+              <a:latin typeface="Yanone Kaffeesatz Regular" panose="02000000000000000000" pitchFamily="2" charset="0"/>
+            </a:endParaRPr>
+          </a:p>
+          <a:p>
+            <a:r>
+              <a:rPr lang="de-CH" sz="2800" dirty="0">
+                <a:solidFill>
+                  <a:schemeClr val="tx2"/>
+                </a:solidFill>
+                <a:latin typeface="Yanone Kaffeesatz Regular" panose="02000000000000000000" pitchFamily="2" charset="0"/>
+              </a:rPr>
+              <a:t>static async Task DelayAsync(int milliseconds) {</a:t>
+            </a:r>
+          </a:p>
+          <a:p>
+            <a:r>
+              <a:rPr lang="de-CH" sz="2800" dirty="0">
+                <a:solidFill>
+                  <a:schemeClr val="tx2"/>
+                </a:solidFill>
+                <a:latin typeface="Yanone Kaffeesatz Regular" panose="02000000000000000000" pitchFamily="2" charset="0"/>
+              </a:rPr>
+              <a:t>   await Task.Delay(milliseconds);</a:t>
+            </a:r>
+          </a:p>
+          <a:p>
+            <a:r>
+              <a:rPr lang="de-CH" sz="2800" dirty="0">
+                <a:solidFill>
+                  <a:schemeClr val="tx2"/>
+                </a:solidFill>
+                <a:latin typeface="Yanone Kaffeesatz Regular" panose="02000000000000000000" pitchFamily="2" charset="0"/>
+              </a:rPr>
+              <a:t>}</a:t>
+            </a:r>
+          </a:p>
+        </p:txBody>
+      </p:sp>
+    </p:spTree>
+    <p:extLst>
+      <p:ext uri="{BB962C8B-B14F-4D97-AF65-F5344CB8AC3E}">
+        <p14:creationId xmlns:p14="http://schemas.microsoft.com/office/powerpoint/2010/main" val="2314800350"/>
+      </p:ext>
+    </p:extLst>
+  </p:cSld>
+  <p:clrMapOvr>
+    <a:masterClrMapping/>
+  </p:clrMapOvr>
+</p:sld>
+</file>
+
+<file path=ppt/slides/slide22.xml><?xml version="1.0" encoding="utf-8"?>
+<p:sld xmlns:a="http://schemas.openxmlformats.org/drawingml/2006/main" xmlns:r="http://schemas.openxmlformats.org/officeDocument/2006/relationships" xmlns:p="http://schemas.openxmlformats.org/presentationml/2006/main">
+  <p:cSld>
+    <p:spTree>
+      <p:nvGrpSpPr>
+        <p:cNvPr id="1" name=""/>
+        <p:cNvGrpSpPr/>
+        <p:nvPr/>
+      </p:nvGrpSpPr>
+      <p:grpSpPr>
+        <a:xfrm>
+          <a:off x="0" y="0"/>
+          <a:ext cx="0" cy="0"/>
+          <a:chOff x="0" y="0"/>
+          <a:chExt cx="0" cy="0"/>
+        </a:xfrm>
+      </p:grpSpPr>
+      <p:sp>
+        <p:nvSpPr>
+          <p:cNvPr id="5" name="Rectangle 4"/>
+          <p:cNvSpPr/>
+          <p:nvPr/>
+        </p:nvSpPr>
+        <p:spPr>
+          <a:xfrm>
+            <a:off x="0" y="1952437"/>
+            <a:ext cx="4999912" cy="2646878"/>
+          </a:xfrm>
+          <a:prstGeom prst="rect">
+            <a:avLst/>
+          </a:prstGeom>
+        </p:spPr>
+        <p:txBody>
+          <a:bodyPr wrap="square">
+            <a:spAutoFit/>
+          </a:bodyPr>
+          <a:lstStyle/>
+          <a:p>
+            <a:pPr algn="ctr"/>
+            <a:r>
+              <a:rPr lang="en-US" sz="16600" dirty="0">
+                <a:solidFill>
+                  <a:schemeClr val="accent2"/>
+                </a:solidFill>
+                <a:latin typeface="Yanone Kaffeesatz Regular" panose="02000000000000000000" pitchFamily="2" charset="0"/>
+              </a:rPr>
+              <a:t>Recap</a:t>
+            </a:r>
+            <a:endParaRPr lang="de-CH" dirty="0"/>
+          </a:p>
+        </p:txBody>
+      </p:sp>
+      <p:sp>
+        <p:nvSpPr>
+          <p:cNvPr id="6" name="Rectangle 5"/>
+          <p:cNvSpPr/>
+          <p:nvPr/>
+        </p:nvSpPr>
+        <p:spPr>
+          <a:xfrm>
+            <a:off x="6485270" y="1671407"/>
+            <a:ext cx="5706729" cy="3416320"/>
+          </a:xfrm>
+          <a:prstGeom prst="rect">
+            <a:avLst/>
+          </a:prstGeom>
+        </p:spPr>
+        <p:txBody>
+          <a:bodyPr wrap="square">
+            <a:spAutoFit/>
+          </a:bodyPr>
+          <a:lstStyle/>
+          <a:p>
+            <a:r>
+              <a:rPr lang="en-US" sz="3600" dirty="0">
+                <a:solidFill>
+                  <a:schemeClr val="tx2"/>
+                </a:solidFill>
+                <a:latin typeface="Yanone Kaffeesatz Regular" panose="02000000000000000000" pitchFamily="2" charset="0"/>
+              </a:rPr>
+              <a:t>Use </a:t>
+            </a:r>
+            <a:r>
+              <a:rPr lang="en-US" sz="3600" dirty="0" err="1">
+                <a:solidFill>
+                  <a:schemeClr val="accent4"/>
+                </a:solidFill>
+                <a:latin typeface="Yanone Kaffeesatz Regular" panose="02000000000000000000" pitchFamily="2" charset="0"/>
+              </a:rPr>
+              <a:t>Task.Run</a:t>
+            </a:r>
+            <a:r>
+              <a:rPr lang="en-US" sz="3600" dirty="0">
+                <a:solidFill>
+                  <a:schemeClr val="tx2"/>
+                </a:solidFill>
+                <a:latin typeface="Yanone Kaffeesatz Regular" panose="02000000000000000000" pitchFamily="2" charset="0"/>
+              </a:rPr>
+              <a:t>, </a:t>
+            </a:r>
+            <a:r>
+              <a:rPr lang="en-US" sz="3600" dirty="0" err="1">
+                <a:solidFill>
+                  <a:schemeClr val="accent4"/>
+                </a:solidFill>
+                <a:latin typeface="Yanone Kaffeesatz Regular" panose="02000000000000000000" pitchFamily="2" charset="0"/>
+              </a:rPr>
+              <a:t>Factory.StartNew</a:t>
+            </a:r>
+            <a:r>
+              <a:rPr lang="en-US" sz="3600" dirty="0">
+                <a:solidFill>
+                  <a:schemeClr val="tx2"/>
+                </a:solidFill>
+                <a:latin typeface="Yanone Kaffeesatz Regular" panose="02000000000000000000" pitchFamily="2" charset="0"/>
+              </a:rPr>
+              <a:t> for CPU-bound work</a:t>
+            </a:r>
+            <a:br>
+              <a:rPr lang="en-US" sz="3600" dirty="0">
+                <a:solidFill>
+                  <a:schemeClr val="tx2"/>
+                </a:solidFill>
+                <a:latin typeface="Yanone Kaffeesatz Regular" panose="02000000000000000000" pitchFamily="2" charset="0"/>
+              </a:rPr>
+            </a:br>
+            <a:br>
+              <a:rPr lang="en-US" sz="3600" dirty="0">
+                <a:solidFill>
+                  <a:schemeClr val="tx2"/>
+                </a:solidFill>
+                <a:latin typeface="Yanone Kaffeesatz Regular" panose="02000000000000000000" pitchFamily="2" charset="0"/>
+              </a:rPr>
+            </a:br>
+            <a:r>
+              <a:rPr lang="en-US" sz="3600" dirty="0">
+                <a:solidFill>
+                  <a:schemeClr val="tx2"/>
+                </a:solidFill>
+                <a:latin typeface="Yanone Kaffeesatz Regular" panose="02000000000000000000" pitchFamily="2" charset="0"/>
+              </a:rPr>
+              <a:t>Use </a:t>
+            </a:r>
+            <a:r>
+              <a:rPr lang="en-US" sz="3600" dirty="0">
+                <a:solidFill>
+                  <a:schemeClr val="accent4"/>
+                </a:solidFill>
+                <a:latin typeface="Yanone Kaffeesatz Regular" panose="02000000000000000000" pitchFamily="2" charset="0"/>
+              </a:rPr>
+              <a:t>Task</a:t>
+            </a:r>
+            <a:r>
+              <a:rPr lang="en-US" sz="3600" dirty="0">
+                <a:solidFill>
+                  <a:schemeClr val="tx2"/>
+                </a:solidFill>
+                <a:latin typeface="Yanone Kaffeesatz Regular" panose="02000000000000000000" pitchFamily="2" charset="0"/>
+              </a:rPr>
+              <a:t> directly for IO-bound work</a:t>
+            </a:r>
+            <a:br>
+              <a:rPr lang="en-US" sz="3600" dirty="0">
+                <a:solidFill>
+                  <a:schemeClr val="tx2"/>
+                </a:solidFill>
+                <a:latin typeface="Yanone Kaffeesatz Regular" panose="02000000000000000000" pitchFamily="2" charset="0"/>
+              </a:rPr>
+            </a:br>
+            <a:endParaRPr lang="en-US" sz="3600" dirty="0">
+              <a:solidFill>
+                <a:schemeClr val="tx2"/>
+              </a:solidFill>
+              <a:latin typeface="Yanone Kaffeesatz Regular" panose="02000000000000000000" pitchFamily="2" charset="0"/>
+            </a:endParaRPr>
+          </a:p>
+          <a:p>
+            <a:r>
+              <a:rPr lang="en-US" sz="3600" dirty="0">
+                <a:solidFill>
+                  <a:schemeClr val="tx2"/>
+                </a:solidFill>
+                <a:latin typeface="Yanone Kaffeesatz Regular" panose="02000000000000000000" pitchFamily="2" charset="0"/>
+              </a:rPr>
+              <a:t>Use </a:t>
+            </a:r>
+            <a:r>
+              <a:rPr lang="en-US" sz="3600" dirty="0" err="1">
+                <a:solidFill>
+                  <a:schemeClr val="accent4"/>
+                </a:solidFill>
+                <a:latin typeface="Yanone Kaffeesatz Regular" panose="02000000000000000000" pitchFamily="2" charset="0"/>
+              </a:rPr>
+              <a:t>async</a:t>
+            </a:r>
+            <a:r>
+              <a:rPr lang="en-US" sz="3600" dirty="0">
+                <a:solidFill>
+                  <a:schemeClr val="accent4"/>
+                </a:solidFill>
+                <a:latin typeface="Yanone Kaffeesatz Regular" panose="02000000000000000000" pitchFamily="2" charset="0"/>
+              </a:rPr>
+              <a:t> Task</a:t>
+            </a:r>
+            <a:r>
+              <a:rPr lang="en-US" sz="3600" dirty="0">
+                <a:solidFill>
+                  <a:schemeClr val="tx2"/>
+                </a:solidFill>
+                <a:latin typeface="Yanone Kaffeesatz Regular" panose="02000000000000000000" pitchFamily="2" charset="0"/>
+              </a:rPr>
+              <a:t> instead of </a:t>
+            </a:r>
+            <a:r>
+              <a:rPr lang="en-US" sz="3600" dirty="0" err="1">
+                <a:solidFill>
+                  <a:schemeClr val="accent4"/>
+                </a:solidFill>
+                <a:latin typeface="Yanone Kaffeesatz Regular" panose="02000000000000000000" pitchFamily="2" charset="0"/>
+              </a:rPr>
+              <a:t>async</a:t>
+            </a:r>
+            <a:r>
+              <a:rPr lang="en-US" sz="3600" dirty="0">
+                <a:solidFill>
+                  <a:schemeClr val="accent4"/>
+                </a:solidFill>
+                <a:latin typeface="Yanone Kaffeesatz Regular" panose="02000000000000000000" pitchFamily="2" charset="0"/>
+              </a:rPr>
+              <a:t> void</a:t>
+            </a:r>
+          </a:p>
+        </p:txBody>
+      </p:sp>
+      <p:sp>
+        <p:nvSpPr>
+          <p:cNvPr id="7" name="Rectangle 6"/>
+          <p:cNvSpPr/>
+          <p:nvPr/>
+        </p:nvSpPr>
+        <p:spPr>
+          <a:xfrm>
+            <a:off x="1" y="4399885"/>
+            <a:ext cx="6494332" cy="1200329"/>
+          </a:xfrm>
+          <a:prstGeom prst="rect">
+            <a:avLst/>
+          </a:prstGeom>
+        </p:spPr>
+        <p:txBody>
+          <a:bodyPr wrap="square">
+            <a:spAutoFit/>
+          </a:bodyPr>
+          <a:lstStyle/>
+          <a:p>
+            <a:pPr algn="ctr"/>
+            <a:r>
+              <a:rPr lang="en-US" sz="7200" dirty="0">
+                <a:solidFill>
+                  <a:schemeClr val="accent3"/>
+                </a:solidFill>
+                <a:latin typeface="Yanone Kaffeesatz Regular" panose="02000000000000000000" pitchFamily="2" charset="0"/>
+              </a:rPr>
+              <a:t>reminder</a:t>
+            </a:r>
+          </a:p>
+        </p:txBody>
+      </p:sp>
+    </p:spTree>
+    <p:extLst>
+      <p:ext uri="{BB962C8B-B14F-4D97-AF65-F5344CB8AC3E}">
+        <p14:creationId xmlns:p14="http://schemas.microsoft.com/office/powerpoint/2010/main" val="1016240576"/>
+      </p:ext>
+    </p:extLst>
+  </p:cSld>
+  <p:clrMapOvr>
+    <a:masterClrMapping/>
+  </p:clrMapOvr>
+</p:sld>
+</file>
+
+<file path=ppt/slides/slide23.xml><?xml version="1.0" encoding="utf-8"?>
+<p:sld xmlns:a="http://schemas.openxmlformats.org/drawingml/2006/main" xmlns:r="http://schemas.openxmlformats.org/officeDocument/2006/relationships" xmlns:p="http://schemas.openxmlformats.org/presentationml/2006/main">
+  <p:cSld>
+    <p:spTree>
+      <p:nvGrpSpPr>
+        <p:cNvPr id="1" name=""/>
+        <p:cNvGrpSpPr/>
+        <p:nvPr/>
+      </p:nvGrpSpPr>
+      <p:grpSpPr>
+        <a:xfrm>
+          <a:off x="0" y="0"/>
+          <a:ext cx="0" cy="0"/>
+          <a:chOff x="0" y="0"/>
+          <a:chExt cx="0" cy="0"/>
+        </a:xfrm>
+      </p:grpSpPr>
+      <p:sp>
+        <p:nvSpPr>
+          <p:cNvPr id="5" name="Rectangle 4"/>
+          <p:cNvSpPr/>
+          <p:nvPr/>
+        </p:nvSpPr>
+        <p:spPr>
+          <a:xfrm>
+            <a:off x="0" y="1952437"/>
+            <a:ext cx="4999912" cy="2646878"/>
+          </a:xfrm>
+          <a:prstGeom prst="rect">
+            <a:avLst/>
+          </a:prstGeom>
+        </p:spPr>
+        <p:txBody>
+          <a:bodyPr wrap="square">
+            <a:spAutoFit/>
+          </a:bodyPr>
+          <a:lstStyle/>
+          <a:p>
+            <a:pPr algn="ctr"/>
+            <a:r>
+              <a:rPr lang="en-US" sz="16600" dirty="0">
+                <a:solidFill>
+                  <a:schemeClr val="accent2"/>
+                </a:solidFill>
+                <a:latin typeface="Yanone Kaffeesatz Regular" panose="02000000000000000000" pitchFamily="2" charset="0"/>
+              </a:rPr>
+              <a:t>Recap</a:t>
+            </a:r>
+            <a:endParaRPr lang="de-CH" dirty="0"/>
+          </a:p>
+        </p:txBody>
+      </p:sp>
+      <p:sp>
+        <p:nvSpPr>
+          <p:cNvPr id="6" name="Rectangle 5"/>
+          <p:cNvSpPr/>
+          <p:nvPr/>
+        </p:nvSpPr>
+        <p:spPr>
+          <a:xfrm>
+            <a:off x="6485271" y="1997839"/>
+            <a:ext cx="5706729" cy="2862322"/>
+          </a:xfrm>
+          <a:prstGeom prst="rect">
+            <a:avLst/>
+          </a:prstGeom>
+        </p:spPr>
+        <p:txBody>
+          <a:bodyPr wrap="square">
+            <a:spAutoFit/>
+          </a:bodyPr>
+          <a:lstStyle/>
+          <a:p>
+            <a:r>
+              <a:rPr lang="en-US" sz="3600" dirty="0">
+                <a:solidFill>
+                  <a:schemeClr val="tx2"/>
+                </a:solidFill>
+                <a:latin typeface="Yanone Kaffeesatz Regular" panose="02000000000000000000" pitchFamily="2" charset="0"/>
+              </a:rPr>
+              <a:t>Libraries and frameworks should use </a:t>
+            </a:r>
+            <a:r>
+              <a:rPr lang="en-US" sz="3600" dirty="0" err="1">
+                <a:solidFill>
+                  <a:schemeClr val="accent4"/>
+                </a:solidFill>
+                <a:latin typeface="Yanone Kaffeesatz Regular" panose="02000000000000000000" pitchFamily="2" charset="0"/>
+              </a:rPr>
+              <a:t>ConfigureAwait</a:t>
+            </a:r>
+            <a:r>
+              <a:rPr lang="en-US" sz="3600" dirty="0">
+                <a:solidFill>
+                  <a:schemeClr val="accent4"/>
+                </a:solidFill>
+                <a:latin typeface="Yanone Kaffeesatz Regular" panose="02000000000000000000" pitchFamily="2" charset="0"/>
+              </a:rPr>
+              <a:t>(false)</a:t>
+            </a:r>
+          </a:p>
+          <a:p>
+            <a:endParaRPr lang="en-US" sz="3600" dirty="0">
+              <a:solidFill>
+                <a:schemeClr val="accent4"/>
+              </a:solidFill>
+              <a:latin typeface="Yanone Kaffeesatz Regular" panose="02000000000000000000" pitchFamily="2" charset="0"/>
+            </a:endParaRPr>
+          </a:p>
+          <a:p>
+            <a:r>
+              <a:rPr lang="en-US" sz="3600" dirty="0" err="1">
+                <a:solidFill>
+                  <a:schemeClr val="accent4"/>
+                </a:solidFill>
+                <a:latin typeface="Yanone Kaffeesatz Regular" panose="02000000000000000000" pitchFamily="2" charset="0"/>
+              </a:rPr>
+              <a:t>Async</a:t>
+            </a:r>
+            <a:r>
+              <a:rPr lang="en-US" sz="3600" dirty="0">
+                <a:solidFill>
+                  <a:schemeClr val="accent4"/>
+                </a:solidFill>
+                <a:latin typeface="Yanone Kaffeesatz Regular" panose="02000000000000000000" pitchFamily="2" charset="0"/>
+              </a:rPr>
+              <a:t> all the way</a:t>
+            </a:r>
+            <a:r>
+              <a:rPr lang="en-US" sz="3600" dirty="0">
+                <a:solidFill>
+                  <a:schemeClr val="tx2"/>
+                </a:solidFill>
+                <a:latin typeface="Yanone Kaffeesatz Regular" panose="02000000000000000000" pitchFamily="2" charset="0"/>
+              </a:rPr>
+              <a:t>, don’t mix blocking and asynchronous code</a:t>
+            </a:r>
+            <a:endParaRPr lang="de-CH" sz="3600" dirty="0">
+              <a:solidFill>
+                <a:schemeClr val="tx2"/>
+              </a:solidFill>
+            </a:endParaRPr>
+          </a:p>
+        </p:txBody>
+      </p:sp>
+      <p:sp>
+        <p:nvSpPr>
+          <p:cNvPr id="7" name="Rectangle 6"/>
+          <p:cNvSpPr/>
+          <p:nvPr/>
+        </p:nvSpPr>
+        <p:spPr>
+          <a:xfrm>
+            <a:off x="1" y="4399885"/>
+            <a:ext cx="6494332" cy="1200329"/>
+          </a:xfrm>
+          <a:prstGeom prst="rect">
+            <a:avLst/>
+          </a:prstGeom>
+        </p:spPr>
+        <p:txBody>
+          <a:bodyPr wrap="square">
+            <a:spAutoFit/>
+          </a:bodyPr>
+          <a:lstStyle/>
+          <a:p>
+            <a:pPr algn="ctr"/>
+            <a:r>
+              <a:rPr lang="en-US" sz="7200" dirty="0">
+                <a:solidFill>
+                  <a:schemeClr val="accent3"/>
+                </a:solidFill>
+                <a:latin typeface="Yanone Kaffeesatz Regular" panose="02000000000000000000" pitchFamily="2" charset="0"/>
+              </a:rPr>
+              <a:t>reminder</a:t>
+            </a:r>
+          </a:p>
+        </p:txBody>
+      </p:sp>
+    </p:spTree>
+    <p:extLst>
+      <p:ext uri="{BB962C8B-B14F-4D97-AF65-F5344CB8AC3E}">
+        <p14:creationId xmlns:p14="http://schemas.microsoft.com/office/powerpoint/2010/main" val="1351185329"/>
+      </p:ext>
+    </p:extLst>
+  </p:cSld>
+  <p:clrMapOvr>
+    <a:masterClrMapping/>
+  </p:clrMapOvr>
+</p:sld>
+</file>
+
+<file path=ppt/slides/slide24.xml><?xml version="1.0" encoding="utf-8"?>
+<p:sld xmlns:a="http://schemas.openxmlformats.org/drawingml/2006/main" xmlns:r="http://schemas.openxmlformats.org/officeDocument/2006/relationships" xmlns:p="http://schemas.openxmlformats.org/presentationml/2006/main">
+  <p:cSld>
+    <p:spTree>
+      <p:nvGrpSpPr>
+        <p:cNvPr id="1" name=""/>
+        <p:cNvGrpSpPr/>
+        <p:nvPr/>
+      </p:nvGrpSpPr>
+      <p:grpSpPr>
+        <a:xfrm>
+          <a:off x="0" y="0"/>
+          <a:ext cx="0" cy="0"/>
+          <a:chOff x="0" y="0"/>
+          <a:chExt cx="0" cy="0"/>
+        </a:xfrm>
+      </p:grpSpPr>
+      <p:sp>
+        <p:nvSpPr>
+          <p:cNvPr id="4" name="Rectangle 3"/>
+          <p:cNvSpPr/>
+          <p:nvPr/>
+        </p:nvSpPr>
+        <p:spPr>
+          <a:xfrm>
+            <a:off x="1421483" y="1851645"/>
+            <a:ext cx="9349034" cy="3154710"/>
+          </a:xfrm>
+          <a:prstGeom prst="rect">
+            <a:avLst/>
+          </a:prstGeom>
+        </p:spPr>
+        <p:txBody>
+          <a:bodyPr wrap="none">
+            <a:spAutoFit/>
+          </a:bodyPr>
+          <a:lstStyle/>
+          <a:p>
+            <a:r>
+              <a:rPr lang="en-US" sz="19900" dirty="0">
+                <a:solidFill>
+                  <a:schemeClr val="accent2"/>
+                </a:solidFill>
+                <a:latin typeface="Yanone Kaffeesatz Regular" panose="02000000000000000000" pitchFamily="2" charset="0"/>
+              </a:rPr>
+              <a:t>Coding time</a:t>
+            </a:r>
+            <a:endParaRPr lang="de-CH" sz="2000" dirty="0"/>
+          </a:p>
+        </p:txBody>
+      </p:sp>
+      <p:sp>
+        <p:nvSpPr>
+          <p:cNvPr id="3" name="Rectangle 2"/>
+          <p:cNvSpPr/>
+          <p:nvPr/>
+        </p:nvSpPr>
+        <p:spPr>
+          <a:xfrm>
+            <a:off x="7650752" y="4498523"/>
+            <a:ext cx="3119765" cy="1015663"/>
+          </a:xfrm>
+          <a:prstGeom prst="rect">
+            <a:avLst/>
+          </a:prstGeom>
+        </p:spPr>
+        <p:txBody>
+          <a:bodyPr wrap="none">
+            <a:spAutoFit/>
+          </a:bodyPr>
+          <a:lstStyle/>
+          <a:p>
+            <a:r>
+              <a:rPr lang="en-US" sz="6000" dirty="0">
+                <a:solidFill>
+                  <a:schemeClr val="tx2"/>
+                </a:solidFill>
+                <a:latin typeface="Yanone Kaffeesatz Regular" panose="02000000000000000000" pitchFamily="2" charset="0"/>
+              </a:rPr>
+              <a:t>Exercise 4-6</a:t>
+            </a:r>
+            <a:endParaRPr lang="de-CH" sz="6000" dirty="0"/>
+          </a:p>
+        </p:txBody>
+      </p:sp>
+    </p:spTree>
+    <p:extLst>
+      <p:ext uri="{BB962C8B-B14F-4D97-AF65-F5344CB8AC3E}">
+        <p14:creationId xmlns:p14="http://schemas.microsoft.com/office/powerpoint/2010/main" val="113843977"/>
+      </p:ext>
+    </p:extLst>
+  </p:cSld>
+  <p:clrMapOvr>
+    <a:masterClrMapping/>
+  </p:clrMapOvr>
+</p:sld>
+</file>
+
+<file path=ppt/slides/slide25.xml><?xml version="1.0" encoding="utf-8"?>
+<p:sld xmlns:a="http://schemas.openxmlformats.org/drawingml/2006/main" xmlns:r="http://schemas.openxmlformats.org/officeDocument/2006/relationships" xmlns:p="http://schemas.openxmlformats.org/presentationml/2006/main">
+  <p:cSld>
+    <p:spTree>
+      <p:nvGrpSpPr>
+        <p:cNvPr id="1" name=""/>
+        <p:cNvGrpSpPr/>
+        <p:nvPr/>
+      </p:nvGrpSpPr>
+      <p:grpSpPr>
+        <a:xfrm>
+          <a:off x="0" y="0"/>
+          <a:ext cx="0" cy="0"/>
+          <a:chOff x="0" y="0"/>
+          <a:chExt cx="0" cy="0"/>
+        </a:xfrm>
+      </p:grpSpPr>
       <p:graphicFrame>
         <p:nvGraphicFramePr>
           <p:cNvPr id="4" name="Diagram 3"/>
           <p:cNvGraphicFramePr/>
           <p:nvPr>
-            <p:extLst>
-              <p:ext uri="{D42A27DB-BD31-4B8C-83A1-F6EECF244321}">
-                <p14:modId xmlns:p14="http://schemas.microsoft.com/office/powerpoint/2010/main" val="2651072613"/>
-              </p:ext>
-            </p:extLst>
+            <p:extLst/>
           </p:nvPr>
         </p:nvGraphicFramePr>
         <p:xfrm>
@@ -22368,10 +24213,44 @@
           </p:txBody>
         </p:sp>
       </p:grpSp>
+      <p:sp>
+        <p:nvSpPr>
+          <p:cNvPr id="26" name="Rectangle 25"/>
+          <p:cNvSpPr/>
+          <p:nvPr/>
+        </p:nvSpPr>
+        <p:spPr>
+          <a:xfrm>
+            <a:off x="6509029" y="959919"/>
+            <a:ext cx="2852063" cy="1569660"/>
+          </a:xfrm>
+          <a:prstGeom prst="rect">
+            <a:avLst/>
+          </a:prstGeom>
+        </p:spPr>
+        <p:txBody>
+          <a:bodyPr wrap="none">
+            <a:spAutoFit/>
+          </a:bodyPr>
+          <a:lstStyle/>
+          <a:p>
+            <a:r>
+              <a:rPr lang="en-US" sz="9600" dirty="0">
+                <a:solidFill>
+                  <a:schemeClr val="accent2"/>
+                </a:solidFill>
+                <a:latin typeface="Yanone Kaffeesatz Regular" panose="02000000000000000000" pitchFamily="2" charset="0"/>
+              </a:rPr>
+              <a:t>Retries</a:t>
+            </a:r>
+            <a:endParaRPr lang="de-CH" sz="1200" dirty="0"/>
+          </a:p>
+        </p:txBody>
+      </p:sp>
     </p:spTree>
     <p:extLst>
       <p:ext uri="{BB962C8B-B14F-4D97-AF65-F5344CB8AC3E}">
-        <p14:creationId xmlns:p14="http://schemas.microsoft.com/office/powerpoint/2010/main" val="533046759"/>
+        <p14:creationId xmlns:p14="http://schemas.microsoft.com/office/powerpoint/2010/main" val="960879928"/>
       </p:ext>
     </p:extLst>
   </p:cSld>
@@ -22381,1557 +24260,7 @@
 </p:sld>
 </file>
 
-<file path=ppt/slides/slide19.xml><?xml version="1.0" encoding="utf-8"?>
-<p:sld xmlns:a="http://schemas.openxmlformats.org/drawingml/2006/main" xmlns:r="http://schemas.openxmlformats.org/officeDocument/2006/relationships" xmlns:p="http://schemas.openxmlformats.org/presentationml/2006/main">
-  <p:cSld>
-    <p:spTree>
-      <p:nvGrpSpPr>
-        <p:cNvPr id="1" name=""/>
-        <p:cNvGrpSpPr/>
-        <p:nvPr/>
-      </p:nvGrpSpPr>
-      <p:grpSpPr>
-        <a:xfrm>
-          <a:off x="0" y="0"/>
-          <a:ext cx="0" cy="0"/>
-          <a:chOff x="0" y="0"/>
-          <a:chExt cx="0" cy="0"/>
-        </a:xfrm>
-      </p:grpSpPr>
-      <p:sp>
-        <p:nvSpPr>
-          <p:cNvPr id="5" name="Rectangle 4"/>
-          <p:cNvSpPr/>
-          <p:nvPr/>
-        </p:nvSpPr>
-        <p:spPr>
-          <a:xfrm>
-            <a:off x="0" y="1952437"/>
-            <a:ext cx="4999912" cy="2646878"/>
-          </a:xfrm>
-          <a:prstGeom prst="rect">
-            <a:avLst/>
-          </a:prstGeom>
-        </p:spPr>
-        <p:txBody>
-          <a:bodyPr wrap="square">
-            <a:spAutoFit/>
-          </a:bodyPr>
-          <a:lstStyle/>
-          <a:p>
-            <a:pPr algn="ctr"/>
-            <a:r>
-              <a:rPr lang="en-US" sz="16600" dirty="0">
-                <a:solidFill>
-                  <a:schemeClr val="accent2"/>
-                </a:solidFill>
-                <a:latin typeface="Yanone Kaffeesatz Regular" panose="02000000000000000000" pitchFamily="2" charset="0"/>
-              </a:rPr>
-              <a:t>Task</a:t>
-            </a:r>
-            <a:endParaRPr lang="de-CH" dirty="0"/>
-          </a:p>
-        </p:txBody>
-      </p:sp>
-      <p:sp>
-        <p:nvSpPr>
-          <p:cNvPr id="9" name="Rectangle 8"/>
-          <p:cNvSpPr/>
-          <p:nvPr/>
-        </p:nvSpPr>
-        <p:spPr>
-          <a:xfrm>
-            <a:off x="1" y="4399885"/>
-            <a:ext cx="6494332" cy="1200329"/>
-          </a:xfrm>
-          <a:prstGeom prst="rect">
-            <a:avLst/>
-          </a:prstGeom>
-        </p:spPr>
-        <p:txBody>
-          <a:bodyPr wrap="square">
-            <a:spAutoFit/>
-          </a:bodyPr>
-          <a:lstStyle/>
-          <a:p>
-            <a:pPr algn="ctr"/>
-            <a:r>
-              <a:rPr lang="en-US" sz="7200" dirty="0">
-                <a:solidFill>
-                  <a:schemeClr val="accent3"/>
-                </a:solidFill>
-                <a:latin typeface="Yanone Kaffeesatz Regular" panose="02000000000000000000" pitchFamily="2" charset="0"/>
-              </a:rPr>
-              <a:t>IO-bound</a:t>
-            </a:r>
-          </a:p>
-        </p:txBody>
-      </p:sp>
-      <p:sp>
-        <p:nvSpPr>
-          <p:cNvPr id="12" name="Rectangle 11"/>
-          <p:cNvSpPr/>
-          <p:nvPr/>
-        </p:nvSpPr>
-        <p:spPr>
-          <a:xfrm>
-            <a:off x="5449363" y="2306380"/>
-            <a:ext cx="6926034" cy="3416320"/>
-          </a:xfrm>
-          <a:prstGeom prst="rect">
-            <a:avLst/>
-          </a:prstGeom>
-        </p:spPr>
-        <p:txBody>
-          <a:bodyPr wrap="square">
-            <a:spAutoFit/>
-          </a:bodyPr>
-          <a:lstStyle/>
-          <a:p>
-            <a:r>
-              <a:rPr lang="de-CH" sz="2400" dirty="0">
-                <a:solidFill>
-                  <a:schemeClr val="tx2"/>
-                </a:solidFill>
-                <a:latin typeface="Yanone Kaffeesatz Regular" panose="02000000000000000000" pitchFamily="2" charset="0"/>
-              </a:rPr>
-              <a:t>await IoBoundMethod();</a:t>
-            </a:r>
-            <a:br>
-              <a:rPr lang="de-CH" sz="2400" dirty="0">
-                <a:solidFill>
-                  <a:schemeClr val="tx2"/>
-                </a:solidFill>
-                <a:latin typeface="Yanone Kaffeesatz Regular" panose="02000000000000000000" pitchFamily="2" charset="0"/>
-              </a:rPr>
-            </a:br>
-            <a:br>
-              <a:rPr lang="de-CH" sz="2400" dirty="0">
-                <a:solidFill>
-                  <a:schemeClr val="tx2"/>
-                </a:solidFill>
-                <a:latin typeface="Yanone Kaffeesatz Regular" panose="02000000000000000000" pitchFamily="2" charset="0"/>
-              </a:rPr>
-            </a:br>
-            <a:r>
-              <a:rPr lang="de-CH" sz="2400" dirty="0">
-                <a:solidFill>
-                  <a:schemeClr val="accent3"/>
-                </a:solidFill>
-                <a:latin typeface="Yanone Kaffeesatz Regular" panose="02000000000000000000" pitchFamily="2" charset="0"/>
-              </a:rPr>
-              <a:t> static async Task IoBoundMethod() {</a:t>
-            </a:r>
-          </a:p>
-          <a:p>
-            <a:r>
-              <a:rPr lang="de-CH" sz="2400" dirty="0">
-                <a:solidFill>
-                  <a:schemeClr val="accent3"/>
-                </a:solidFill>
-                <a:latin typeface="Yanone Kaffeesatz Regular" panose="02000000000000000000" pitchFamily="2" charset="0"/>
-              </a:rPr>
-              <a:t>   using (var stream = new FileStream(...))</a:t>
-            </a:r>
-          </a:p>
-          <a:p>
-            <a:r>
-              <a:rPr lang="de-CH" sz="2400" dirty="0">
-                <a:solidFill>
-                  <a:schemeClr val="accent3"/>
-                </a:solidFill>
-                <a:latin typeface="Yanone Kaffeesatz Regular" panose="02000000000000000000" pitchFamily="2" charset="0"/>
-              </a:rPr>
-              <a:t>   using (var writer = new StreamWriter(stream)) {</a:t>
-            </a:r>
-          </a:p>
-          <a:p>
-            <a:r>
-              <a:rPr lang="de-CH" sz="2400" dirty="0">
-                <a:solidFill>
-                  <a:schemeClr val="accent3"/>
-                </a:solidFill>
-                <a:latin typeface="Yanone Kaffeesatz Regular" panose="02000000000000000000" pitchFamily="2" charset="0"/>
-              </a:rPr>
-              <a:t>      await writer.WriteLineAsync("42");</a:t>
-            </a:r>
-          </a:p>
-          <a:p>
-            <a:r>
-              <a:rPr lang="de-CH" sz="2400" dirty="0">
-                <a:solidFill>
-                  <a:schemeClr val="accent3"/>
-                </a:solidFill>
-                <a:latin typeface="Yanone Kaffeesatz Regular" panose="02000000000000000000" pitchFamily="2" charset="0"/>
-              </a:rPr>
-              <a:t>      ...</a:t>
-            </a:r>
-          </a:p>
-          <a:p>
-            <a:r>
-              <a:rPr lang="de-CH" sz="2400" dirty="0">
-                <a:solidFill>
-                  <a:schemeClr val="accent3"/>
-                </a:solidFill>
-                <a:latin typeface="Yanone Kaffeesatz Regular" panose="02000000000000000000" pitchFamily="2" charset="0"/>
-              </a:rPr>
-              <a:t>   }</a:t>
-            </a:r>
-          </a:p>
-          <a:p>
-            <a:r>
-              <a:rPr lang="de-CH" sz="2400" dirty="0">
-                <a:solidFill>
-                  <a:schemeClr val="accent3"/>
-                </a:solidFill>
-                <a:latin typeface="Yanone Kaffeesatz Regular" panose="02000000000000000000" pitchFamily="2" charset="0"/>
-              </a:rPr>
-              <a:t>}</a:t>
-            </a:r>
-          </a:p>
-        </p:txBody>
-      </p:sp>
-    </p:spTree>
-    <p:extLst>
-      <p:ext uri="{BB962C8B-B14F-4D97-AF65-F5344CB8AC3E}">
-        <p14:creationId xmlns:p14="http://schemas.microsoft.com/office/powerpoint/2010/main" val="296036620"/>
-      </p:ext>
-    </p:extLst>
-  </p:cSld>
-  <p:clrMapOvr>
-    <a:masterClrMapping/>
-  </p:clrMapOvr>
-</p:sld>
-</file>
-
-<file path=ppt/slides/slide2.xml><?xml version="1.0" encoding="utf-8"?>
-<p:sld xmlns:a="http://schemas.openxmlformats.org/drawingml/2006/main" xmlns:r="http://schemas.openxmlformats.org/officeDocument/2006/relationships" xmlns:p="http://schemas.openxmlformats.org/presentationml/2006/main">
-  <p:cSld>
-    <p:spTree>
-      <p:nvGrpSpPr>
-        <p:cNvPr id="1" name=""/>
-        <p:cNvGrpSpPr/>
-        <p:nvPr/>
-      </p:nvGrpSpPr>
-      <p:grpSpPr>
-        <a:xfrm>
-          <a:off x="0" y="0"/>
-          <a:ext cx="0" cy="0"/>
-          <a:chOff x="0" y="0"/>
-          <a:chExt cx="0" cy="0"/>
-        </a:xfrm>
-      </p:grpSpPr>
-      <p:pic>
-        <p:nvPicPr>
-          <p:cNvPr id="4" name="Picture 3"/>
-          <p:cNvPicPr>
-            <a:picLocks noChangeAspect="1"/>
-          </p:cNvPicPr>
-          <p:nvPr/>
-        </p:nvPicPr>
-        <p:blipFill>
-          <a:blip r:embed="rId3" cstate="print">
-            <a:extLst>
-              <a:ext uri="{28A0092B-C50C-407E-A947-70E740481C1C}">
-                <a14:useLocalDpi xmlns:a14="http://schemas.microsoft.com/office/drawing/2010/main" val="0"/>
-              </a:ext>
-            </a:extLst>
-          </a:blip>
-          <a:stretch>
-            <a:fillRect/>
-          </a:stretch>
-        </p:blipFill>
-        <p:spPr>
-          <a:xfrm>
-            <a:off x="694750" y="1742883"/>
-            <a:ext cx="5151939" cy="3434626"/>
-          </a:xfrm>
-          <a:prstGeom prst="rect">
-            <a:avLst/>
-          </a:prstGeom>
-        </p:spPr>
-      </p:pic>
-      <p:pic>
-        <p:nvPicPr>
-          <p:cNvPr id="3" name="Picture 2"/>
-          <p:cNvPicPr>
-            <a:picLocks noChangeAspect="1"/>
-          </p:cNvPicPr>
-          <p:nvPr/>
-        </p:nvPicPr>
-        <p:blipFill>
-          <a:blip r:embed="rId4" cstate="print">
-            <a:extLst>
-              <a:ext uri="{28A0092B-C50C-407E-A947-70E740481C1C}">
-                <a14:useLocalDpi xmlns:a14="http://schemas.microsoft.com/office/drawing/2010/main" val="0"/>
-              </a:ext>
-            </a:extLst>
-          </a:blip>
-          <a:stretch>
-            <a:fillRect/>
-          </a:stretch>
-        </p:blipFill>
-        <p:spPr>
-          <a:xfrm>
-            <a:off x="8052306" y="612519"/>
-            <a:ext cx="2880000" cy="690817"/>
-          </a:xfrm>
-          <a:prstGeom prst="rect">
-            <a:avLst/>
-          </a:prstGeom>
-        </p:spPr>
-      </p:pic>
-      <p:sp>
-        <p:nvSpPr>
-          <p:cNvPr id="2" name="Rectangle 1"/>
-          <p:cNvSpPr/>
-          <p:nvPr/>
-        </p:nvSpPr>
-        <p:spPr>
-          <a:xfrm>
-            <a:off x="5723694" y="2132715"/>
-            <a:ext cx="6096000" cy="3108543"/>
-          </a:xfrm>
-          <a:prstGeom prst="rect">
-            <a:avLst/>
-          </a:prstGeom>
-        </p:spPr>
-        <p:txBody>
-          <a:bodyPr>
-            <a:spAutoFit/>
-          </a:bodyPr>
-          <a:lstStyle/>
-          <a:p>
-            <a:r>
-              <a:rPr lang="en-US" sz="2800" dirty="0">
-                <a:solidFill>
-                  <a:schemeClr val="tx2"/>
-                </a:solidFill>
-                <a:latin typeface="Yanone Kaffeesatz Regular" panose="02000000000000000000" pitchFamily="2" charset="0"/>
-              </a:rPr>
-              <a:t>Solution Architect</a:t>
-            </a:r>
-          </a:p>
-          <a:p>
-            <a:r>
-              <a:rPr lang="en-US" sz="2800" dirty="0">
-                <a:solidFill>
-                  <a:schemeClr val="tx2"/>
-                </a:solidFill>
-                <a:latin typeface="Yanone Kaffeesatz Regular" panose="02000000000000000000" pitchFamily="2" charset="0"/>
-              </a:rPr>
-              <a:t>Enthusiastic Software Engineer</a:t>
-            </a:r>
-          </a:p>
-          <a:p>
-            <a:r>
-              <a:rPr lang="en-US" sz="2800" dirty="0">
-                <a:solidFill>
-                  <a:schemeClr val="tx2"/>
-                </a:solidFill>
-                <a:latin typeface="Yanone Kaffeesatz Regular" panose="02000000000000000000" pitchFamily="2" charset="0"/>
-              </a:rPr>
-              <a:t>Microsoft </a:t>
-            </a:r>
-            <a:r>
-              <a:rPr lang="en-US" sz="2800">
-                <a:solidFill>
-                  <a:schemeClr val="tx2"/>
-                </a:solidFill>
-                <a:latin typeface="Yanone Kaffeesatz Regular" panose="02000000000000000000" pitchFamily="2" charset="0"/>
-              </a:rPr>
-              <a:t>Azure MVP</a:t>
-            </a:r>
-            <a:endParaRPr lang="en-US" sz="2800" dirty="0">
-              <a:solidFill>
-                <a:schemeClr val="tx2"/>
-              </a:solidFill>
-              <a:latin typeface="Yanone Kaffeesatz Regular" panose="02000000000000000000" pitchFamily="2" charset="0"/>
-            </a:endParaRPr>
-          </a:p>
-          <a:p>
-            <a:endParaRPr lang="en-US" sz="2800" dirty="0">
-              <a:solidFill>
-                <a:schemeClr val="tx2"/>
-              </a:solidFill>
-              <a:latin typeface="Yanone Kaffeesatz Regular" panose="02000000000000000000" pitchFamily="2" charset="0"/>
-            </a:endParaRPr>
-          </a:p>
-          <a:p>
-            <a:r>
-              <a:rPr lang="en-US" sz="2800" dirty="0">
-                <a:solidFill>
-                  <a:schemeClr val="accent4"/>
-                </a:solidFill>
-                <a:latin typeface="Yanone Kaffeesatz Regular" panose="02000000000000000000" pitchFamily="2" charset="0"/>
-              </a:rPr>
-              <a:t>@danielmarbach</a:t>
-            </a:r>
-          </a:p>
-          <a:p>
-            <a:r>
-              <a:rPr lang="en-US" sz="2800" dirty="0">
-                <a:solidFill>
-                  <a:schemeClr val="accent4"/>
-                </a:solidFill>
-                <a:latin typeface="Yanone Kaffeesatz Regular" panose="02000000000000000000" pitchFamily="2" charset="0"/>
-              </a:rPr>
-              <a:t>particular.net/blog</a:t>
-            </a:r>
-          </a:p>
-          <a:p>
-            <a:r>
-              <a:rPr lang="en-US" sz="2800" dirty="0">
-                <a:solidFill>
-                  <a:schemeClr val="accent4"/>
-                </a:solidFill>
-                <a:latin typeface="Yanone Kaffeesatz Regular" panose="02000000000000000000" pitchFamily="2" charset="0"/>
-              </a:rPr>
-              <a:t>planetgeek.ch</a:t>
-            </a:r>
-          </a:p>
-        </p:txBody>
-      </p:sp>
-    </p:spTree>
-    <p:extLst>
-      <p:ext uri="{BB962C8B-B14F-4D97-AF65-F5344CB8AC3E}">
-        <p14:creationId xmlns:p14="http://schemas.microsoft.com/office/powerpoint/2010/main" val="3601279917"/>
-      </p:ext>
-    </p:extLst>
-  </p:cSld>
-  <p:clrMapOvr>
-    <a:masterClrMapping/>
-  </p:clrMapOvr>
-</p:sld>
-</file>
-
-<file path=ppt/slides/slide20.xml><?xml version="1.0" encoding="utf-8"?>
-<p:sld xmlns:a="http://schemas.openxmlformats.org/drawingml/2006/main" xmlns:r="http://schemas.openxmlformats.org/officeDocument/2006/relationships" xmlns:p="http://schemas.openxmlformats.org/presentationml/2006/main">
-  <p:cSld>
-    <p:spTree>
-      <p:nvGrpSpPr>
-        <p:cNvPr id="1" name=""/>
-        <p:cNvGrpSpPr/>
-        <p:nvPr/>
-      </p:nvGrpSpPr>
-      <p:grpSpPr>
-        <a:xfrm>
-          <a:off x="0" y="0"/>
-          <a:ext cx="0" cy="0"/>
-          <a:chOff x="0" y="0"/>
-          <a:chExt cx="0" cy="0"/>
-        </a:xfrm>
-      </p:grpSpPr>
-      <p:sp>
-        <p:nvSpPr>
-          <p:cNvPr id="3" name="Rectangle 2"/>
-          <p:cNvSpPr/>
-          <p:nvPr/>
-        </p:nvSpPr>
-        <p:spPr>
-          <a:xfrm>
-            <a:off x="5449363" y="2306380"/>
-            <a:ext cx="6926034" cy="1938992"/>
-          </a:xfrm>
-          <a:prstGeom prst="rect">
-            <a:avLst/>
-          </a:prstGeom>
-        </p:spPr>
-        <p:txBody>
-          <a:bodyPr wrap="square">
-            <a:spAutoFit/>
-          </a:bodyPr>
-          <a:lstStyle/>
-          <a:p>
-            <a:r>
-              <a:rPr lang="de-CH" sz="2400" dirty="0">
-                <a:solidFill>
-                  <a:schemeClr val="tx2"/>
-                </a:solidFill>
-                <a:latin typeface="Yanone Kaffeesatz Regular" panose="02000000000000000000" pitchFamily="2" charset="0"/>
-              </a:rPr>
-              <a:t>Parallel.For(0, 1000, CpuBoundMethod);</a:t>
-            </a:r>
-          </a:p>
-          <a:p>
-            <a:r>
-              <a:rPr lang="de-CH" sz="2400" dirty="0">
-                <a:solidFill>
-                  <a:schemeClr val="tx2"/>
-                </a:solidFill>
-                <a:latin typeface="Yanone Kaffeesatz Regular" panose="02000000000000000000" pitchFamily="2" charset="0"/>
-              </a:rPr>
-              <a:t>Parallel.ForEach(Enumerable.Range(1000, 2000), CpuBoundMethod);</a:t>
-            </a:r>
-          </a:p>
-          <a:p>
-            <a:endParaRPr lang="de-CH" sz="2400" dirty="0">
-              <a:solidFill>
-                <a:schemeClr val="tx2"/>
-              </a:solidFill>
-              <a:latin typeface="Yanone Kaffeesatz Regular" panose="02000000000000000000" pitchFamily="2" charset="0"/>
-            </a:endParaRPr>
-          </a:p>
-          <a:p>
-            <a:r>
-              <a:rPr lang="de-CH" sz="2400" dirty="0">
-                <a:solidFill>
-                  <a:schemeClr val="tx2"/>
-                </a:solidFill>
-                <a:latin typeface="Yanone Kaffeesatz Regular" panose="02000000000000000000" pitchFamily="2" charset="0"/>
-              </a:rPr>
-              <a:t>await Task.Run(() =&gt; CpuBoundMethod(2001));</a:t>
-            </a:r>
-          </a:p>
-          <a:p>
-            <a:r>
-              <a:rPr lang="de-CH" sz="2400" dirty="0">
-                <a:solidFill>
-                  <a:schemeClr val="tx2"/>
-                </a:solidFill>
-                <a:latin typeface="Yanone Kaffeesatz Regular" panose="02000000000000000000" pitchFamily="2" charset="0"/>
-              </a:rPr>
-              <a:t>await Task.Factory.StartNew(() =&gt; CpuBoundMethod(2002));</a:t>
-            </a:r>
-          </a:p>
-        </p:txBody>
-      </p:sp>
-      <p:sp>
-        <p:nvSpPr>
-          <p:cNvPr id="4" name="Rectangle 3"/>
-          <p:cNvSpPr/>
-          <p:nvPr/>
-        </p:nvSpPr>
-        <p:spPr>
-          <a:xfrm>
-            <a:off x="0" y="1952437"/>
-            <a:ext cx="4999912" cy="2646878"/>
-          </a:xfrm>
-          <a:prstGeom prst="rect">
-            <a:avLst/>
-          </a:prstGeom>
-        </p:spPr>
-        <p:txBody>
-          <a:bodyPr wrap="square">
-            <a:spAutoFit/>
-          </a:bodyPr>
-          <a:lstStyle/>
-          <a:p>
-            <a:pPr algn="ctr"/>
-            <a:r>
-              <a:rPr lang="en-US" sz="16600" dirty="0">
-                <a:solidFill>
-                  <a:schemeClr val="accent2"/>
-                </a:solidFill>
-                <a:latin typeface="Yanone Kaffeesatz Regular" panose="02000000000000000000" pitchFamily="2" charset="0"/>
-              </a:rPr>
-              <a:t>Task</a:t>
-            </a:r>
-            <a:endParaRPr lang="de-CH" dirty="0"/>
-          </a:p>
-        </p:txBody>
-      </p:sp>
-      <p:sp>
-        <p:nvSpPr>
-          <p:cNvPr id="5" name="Rectangle 4"/>
-          <p:cNvSpPr/>
-          <p:nvPr/>
-        </p:nvSpPr>
-        <p:spPr>
-          <a:xfrm>
-            <a:off x="1" y="4399885"/>
-            <a:ext cx="6494332" cy="1200329"/>
-          </a:xfrm>
-          <a:prstGeom prst="rect">
-            <a:avLst/>
-          </a:prstGeom>
-        </p:spPr>
-        <p:txBody>
-          <a:bodyPr wrap="square">
-            <a:spAutoFit/>
-          </a:bodyPr>
-          <a:lstStyle/>
-          <a:p>
-            <a:pPr algn="ctr"/>
-            <a:r>
-              <a:rPr lang="en-US" sz="7200" dirty="0">
-                <a:solidFill>
-                  <a:schemeClr val="accent3"/>
-                </a:solidFill>
-                <a:latin typeface="Yanone Kaffeesatz Regular" panose="02000000000000000000" pitchFamily="2" charset="0"/>
-              </a:rPr>
-              <a:t>CPU-bound</a:t>
-            </a:r>
-          </a:p>
-        </p:txBody>
-      </p:sp>
-    </p:spTree>
-    <p:extLst>
-      <p:ext uri="{BB962C8B-B14F-4D97-AF65-F5344CB8AC3E}">
-        <p14:creationId xmlns:p14="http://schemas.microsoft.com/office/powerpoint/2010/main" val="3861135424"/>
-      </p:ext>
-    </p:extLst>
-  </p:cSld>
-  <p:clrMapOvr>
-    <a:masterClrMapping/>
-  </p:clrMapOvr>
-</p:sld>
-</file>
-
-<file path=ppt/slides/slide21.xml><?xml version="1.0" encoding="utf-8"?>
-<p:sld xmlns:a="http://schemas.openxmlformats.org/drawingml/2006/main" xmlns:r="http://schemas.openxmlformats.org/officeDocument/2006/relationships" xmlns:p="http://schemas.openxmlformats.org/presentationml/2006/main">
-  <p:cSld>
-    <p:spTree>
-      <p:nvGrpSpPr>
-        <p:cNvPr id="1" name=""/>
-        <p:cNvGrpSpPr/>
-        <p:nvPr/>
-      </p:nvGrpSpPr>
-      <p:grpSpPr>
-        <a:xfrm>
-          <a:off x="0" y="0"/>
-          <a:ext cx="0" cy="0"/>
-          <a:chOff x="0" y="0"/>
-          <a:chExt cx="0" cy="0"/>
-        </a:xfrm>
-      </p:grpSpPr>
-      <p:sp>
-        <p:nvSpPr>
-          <p:cNvPr id="2" name="Rectangle 1"/>
-          <p:cNvSpPr/>
-          <p:nvPr/>
-        </p:nvSpPr>
-        <p:spPr>
-          <a:xfrm>
-            <a:off x="0" y="1952437"/>
-            <a:ext cx="4999912" cy="2646878"/>
-          </a:xfrm>
-          <a:prstGeom prst="rect">
-            <a:avLst/>
-          </a:prstGeom>
-        </p:spPr>
-        <p:txBody>
-          <a:bodyPr wrap="square">
-            <a:spAutoFit/>
-          </a:bodyPr>
-          <a:lstStyle/>
-          <a:p>
-            <a:pPr algn="ctr"/>
-            <a:r>
-              <a:rPr lang="en-US" sz="16600" dirty="0">
-                <a:solidFill>
-                  <a:schemeClr val="accent2"/>
-                </a:solidFill>
-                <a:latin typeface="Yanone Kaffeesatz Regular" panose="02000000000000000000" pitchFamily="2" charset="0"/>
-              </a:rPr>
-              <a:t>Avoid</a:t>
-            </a:r>
-            <a:endParaRPr lang="de-CH" dirty="0"/>
-          </a:p>
-        </p:txBody>
-      </p:sp>
-      <p:sp>
-        <p:nvSpPr>
-          <p:cNvPr id="3" name="Rectangle 2"/>
-          <p:cNvSpPr/>
-          <p:nvPr/>
-        </p:nvSpPr>
-        <p:spPr>
-          <a:xfrm>
-            <a:off x="1" y="4399885"/>
-            <a:ext cx="6494332" cy="1200329"/>
-          </a:xfrm>
-          <a:prstGeom prst="rect">
-            <a:avLst/>
-          </a:prstGeom>
-        </p:spPr>
-        <p:txBody>
-          <a:bodyPr wrap="square">
-            <a:spAutoFit/>
-          </a:bodyPr>
-          <a:lstStyle/>
-          <a:p>
-            <a:pPr algn="ctr"/>
-            <a:r>
-              <a:rPr lang="en-US" sz="7200" dirty="0" err="1">
-                <a:solidFill>
-                  <a:schemeClr val="accent3"/>
-                </a:solidFill>
-                <a:latin typeface="Yanone Kaffeesatz Regular" panose="02000000000000000000" pitchFamily="2" charset="0"/>
-              </a:rPr>
-              <a:t>async</a:t>
-            </a:r>
-            <a:r>
-              <a:rPr lang="en-US" sz="7200" dirty="0">
-                <a:solidFill>
-                  <a:schemeClr val="accent3"/>
-                </a:solidFill>
-                <a:latin typeface="Yanone Kaffeesatz Regular" panose="02000000000000000000" pitchFamily="2" charset="0"/>
-              </a:rPr>
-              <a:t> void</a:t>
-            </a:r>
-          </a:p>
-        </p:txBody>
-      </p:sp>
-      <p:sp>
-        <p:nvSpPr>
-          <p:cNvPr id="5" name="Rectangle 4"/>
-          <p:cNvSpPr/>
-          <p:nvPr/>
-        </p:nvSpPr>
-        <p:spPr>
-          <a:xfrm>
-            <a:off x="5426990" y="1012954"/>
-            <a:ext cx="6096000" cy="4832092"/>
-          </a:xfrm>
-          <a:prstGeom prst="rect">
-            <a:avLst/>
-          </a:prstGeom>
-        </p:spPr>
-        <p:txBody>
-          <a:bodyPr>
-            <a:spAutoFit/>
-          </a:bodyPr>
-          <a:lstStyle/>
-          <a:p>
-            <a:r>
-              <a:rPr lang="de-CH" sz="2800" dirty="0">
-                <a:solidFill>
-                  <a:schemeClr val="tx2"/>
-                </a:solidFill>
-                <a:latin typeface="Yanone Kaffeesatz Regular" panose="02000000000000000000" pitchFamily="2" charset="0"/>
-              </a:rPr>
-              <a:t>try { </a:t>
-            </a:r>
-          </a:p>
-          <a:p>
-            <a:r>
-              <a:rPr lang="de-CH" sz="2800" dirty="0">
-                <a:solidFill>
-                  <a:schemeClr val="tx2"/>
-                </a:solidFill>
-                <a:latin typeface="Yanone Kaffeesatz Regular" panose="02000000000000000000" pitchFamily="2" charset="0"/>
-              </a:rPr>
-              <a:t>   AvoidAsyncVoid(); </a:t>
-            </a:r>
-          </a:p>
-          <a:p>
-            <a:r>
-              <a:rPr lang="de-CH" sz="2800" dirty="0">
-                <a:solidFill>
-                  <a:schemeClr val="tx2"/>
-                </a:solidFill>
-                <a:latin typeface="Yanone Kaffeesatz Regular" panose="02000000000000000000" pitchFamily="2" charset="0"/>
-              </a:rPr>
-              <a:t>}</a:t>
-            </a:r>
-          </a:p>
-          <a:p>
-            <a:r>
-              <a:rPr lang="de-CH" sz="2800" dirty="0">
-                <a:solidFill>
-                  <a:schemeClr val="tx2"/>
-                </a:solidFill>
-                <a:latin typeface="Yanone Kaffeesatz Regular" panose="02000000000000000000" pitchFamily="2" charset="0"/>
-              </a:rPr>
-              <a:t>catch (InvalidOperationException e) { }</a:t>
-            </a:r>
-          </a:p>
-          <a:p>
-            <a:endParaRPr lang="de-CH" sz="2800" dirty="0">
-              <a:solidFill>
-                <a:schemeClr val="tx2"/>
-              </a:solidFill>
-              <a:latin typeface="Yanone Kaffeesatz Regular" panose="02000000000000000000" pitchFamily="2" charset="0"/>
-            </a:endParaRPr>
-          </a:p>
-          <a:p>
-            <a:r>
-              <a:rPr lang="de-CH" sz="2800" dirty="0">
-                <a:solidFill>
-                  <a:schemeClr val="tx2"/>
-                </a:solidFill>
-                <a:latin typeface="Yanone Kaffeesatz Regular" panose="02000000000000000000" pitchFamily="2" charset="0"/>
-              </a:rPr>
-              <a:t>await Task.Delay(100);</a:t>
-            </a:r>
-          </a:p>
-          <a:p>
-            <a:endParaRPr lang="de-CH" sz="2800" dirty="0">
-              <a:solidFill>
-                <a:schemeClr val="tx2"/>
-              </a:solidFill>
-              <a:latin typeface="Yanone Kaffeesatz Regular" panose="02000000000000000000" pitchFamily="2" charset="0"/>
-            </a:endParaRPr>
-          </a:p>
-          <a:p>
-            <a:r>
-              <a:rPr lang="de-CH" sz="2800" dirty="0">
-                <a:solidFill>
-                  <a:schemeClr val="tx2"/>
-                </a:solidFill>
-                <a:latin typeface="Yanone Kaffeesatz Regular" panose="02000000000000000000" pitchFamily="2" charset="0"/>
-              </a:rPr>
-              <a:t>static async void AvoidAsyncVoid() {</a:t>
-            </a:r>
-          </a:p>
-          <a:p>
-            <a:r>
-              <a:rPr lang="de-CH" sz="2800" dirty="0">
-                <a:solidFill>
-                  <a:schemeClr val="tx2"/>
-                </a:solidFill>
-                <a:latin typeface="Yanone Kaffeesatz Regular" panose="02000000000000000000" pitchFamily="2" charset="0"/>
-              </a:rPr>
-              <a:t>   await Task.Delay(10);</a:t>
-            </a:r>
-          </a:p>
-          <a:p>
-            <a:r>
-              <a:rPr lang="de-CH" sz="2800" dirty="0">
-                <a:solidFill>
-                  <a:schemeClr val="tx2"/>
-                </a:solidFill>
-                <a:latin typeface="Yanone Kaffeesatz Regular" panose="02000000000000000000" pitchFamily="2" charset="0"/>
-              </a:rPr>
-              <a:t>   throw new InvalidOperationException("Gotcha!");</a:t>
-            </a:r>
-            <a:br>
-              <a:rPr lang="de-CH" sz="2800" dirty="0">
-                <a:solidFill>
-                  <a:schemeClr val="tx2"/>
-                </a:solidFill>
-                <a:latin typeface="Yanone Kaffeesatz Regular" panose="02000000000000000000" pitchFamily="2" charset="0"/>
-              </a:rPr>
-            </a:br>
-            <a:r>
-              <a:rPr lang="de-CH" sz="2800" dirty="0">
-                <a:solidFill>
-                  <a:schemeClr val="tx2"/>
-                </a:solidFill>
-                <a:latin typeface="Yanone Kaffeesatz Regular" panose="02000000000000000000" pitchFamily="2" charset="0"/>
-              </a:rPr>
-              <a:t>}</a:t>
-            </a:r>
-          </a:p>
-        </p:txBody>
-      </p:sp>
-    </p:spTree>
-    <p:extLst>
-      <p:ext uri="{BB962C8B-B14F-4D97-AF65-F5344CB8AC3E}">
-        <p14:creationId xmlns:p14="http://schemas.microsoft.com/office/powerpoint/2010/main" val="3186245804"/>
-      </p:ext>
-    </p:extLst>
-  </p:cSld>
-  <p:clrMapOvr>
-    <a:masterClrMapping/>
-  </p:clrMapOvr>
-</p:sld>
-</file>
-
-<file path=ppt/slides/slide22.xml><?xml version="1.0" encoding="utf-8"?>
-<p:sld xmlns:a="http://schemas.openxmlformats.org/drawingml/2006/main" xmlns:r="http://schemas.openxmlformats.org/officeDocument/2006/relationships" xmlns:p="http://schemas.openxmlformats.org/presentationml/2006/main">
-  <p:cSld>
-    <p:spTree>
-      <p:nvGrpSpPr>
-        <p:cNvPr id="1" name=""/>
-        <p:cNvGrpSpPr/>
-        <p:nvPr/>
-      </p:nvGrpSpPr>
-      <p:grpSpPr>
-        <a:xfrm>
-          <a:off x="0" y="0"/>
-          <a:ext cx="0" cy="0"/>
-          <a:chOff x="0" y="0"/>
-          <a:chExt cx="0" cy="0"/>
-        </a:xfrm>
-      </p:grpSpPr>
-      <p:sp>
-        <p:nvSpPr>
-          <p:cNvPr id="2" name="Rectangle 1"/>
-          <p:cNvSpPr/>
-          <p:nvPr/>
-        </p:nvSpPr>
-        <p:spPr>
-          <a:xfrm>
-            <a:off x="1" y="2595616"/>
-            <a:ext cx="4999912" cy="1862048"/>
-          </a:xfrm>
-          <a:prstGeom prst="rect">
-            <a:avLst/>
-          </a:prstGeom>
-        </p:spPr>
-        <p:txBody>
-          <a:bodyPr wrap="square">
-            <a:spAutoFit/>
-          </a:bodyPr>
-          <a:lstStyle/>
-          <a:p>
-            <a:pPr algn="ctr"/>
-            <a:r>
-              <a:rPr lang="en-US" sz="11500" dirty="0">
-                <a:solidFill>
-                  <a:schemeClr val="accent2"/>
-                </a:solidFill>
-                <a:latin typeface="Yanone Kaffeesatz Regular" panose="02000000000000000000" pitchFamily="2" charset="0"/>
-              </a:rPr>
-              <a:t>Don’t mix</a:t>
-            </a:r>
-            <a:endParaRPr lang="de-CH" sz="1400" dirty="0"/>
-          </a:p>
-        </p:txBody>
-      </p:sp>
-      <p:sp>
-        <p:nvSpPr>
-          <p:cNvPr id="3" name="Rectangle 2"/>
-          <p:cNvSpPr/>
-          <p:nvPr/>
-        </p:nvSpPr>
-        <p:spPr>
-          <a:xfrm>
-            <a:off x="1" y="4399885"/>
-            <a:ext cx="6494332" cy="1200329"/>
-          </a:xfrm>
-          <a:prstGeom prst="rect">
-            <a:avLst/>
-          </a:prstGeom>
-        </p:spPr>
-        <p:txBody>
-          <a:bodyPr wrap="square">
-            <a:spAutoFit/>
-          </a:bodyPr>
-          <a:lstStyle/>
-          <a:p>
-            <a:pPr algn="ctr"/>
-            <a:r>
-              <a:rPr lang="en-US" sz="7200" dirty="0">
-                <a:solidFill>
-                  <a:schemeClr val="accent3"/>
-                </a:solidFill>
-                <a:latin typeface="Yanone Kaffeesatz Regular" panose="02000000000000000000" pitchFamily="2" charset="0"/>
-              </a:rPr>
-              <a:t>blocking &amp; </a:t>
-            </a:r>
-            <a:r>
-              <a:rPr lang="en-US" sz="7200" dirty="0" err="1">
-                <a:solidFill>
-                  <a:schemeClr val="accent3"/>
-                </a:solidFill>
-                <a:latin typeface="Yanone Kaffeesatz Regular" panose="02000000000000000000" pitchFamily="2" charset="0"/>
-              </a:rPr>
-              <a:t>async</a:t>
-            </a:r>
-            <a:endParaRPr lang="en-US" sz="7200" dirty="0">
-              <a:solidFill>
-                <a:schemeClr val="accent3"/>
-              </a:solidFill>
-              <a:latin typeface="Yanone Kaffeesatz Regular" panose="02000000000000000000" pitchFamily="2" charset="0"/>
-            </a:endParaRPr>
-          </a:p>
-        </p:txBody>
-      </p:sp>
-      <p:sp>
-        <p:nvSpPr>
-          <p:cNvPr id="5" name="Rectangle 4"/>
-          <p:cNvSpPr/>
-          <p:nvPr/>
-        </p:nvSpPr>
-        <p:spPr>
-          <a:xfrm>
-            <a:off x="5961682" y="1443841"/>
-            <a:ext cx="6096000" cy="3970318"/>
-          </a:xfrm>
-          <a:prstGeom prst="rect">
-            <a:avLst/>
-          </a:prstGeom>
-        </p:spPr>
-        <p:txBody>
-          <a:bodyPr>
-            <a:spAutoFit/>
-          </a:bodyPr>
-          <a:lstStyle/>
-          <a:p>
-            <a:r>
-              <a:rPr lang="de-CH" sz="2800" dirty="0">
-                <a:solidFill>
-                  <a:schemeClr val="tx2"/>
-                </a:solidFill>
-                <a:latin typeface="Yanone Kaffeesatz Regular" panose="02000000000000000000" pitchFamily="2" charset="0"/>
-              </a:rPr>
-              <a:t> Delay(15);</a:t>
-            </a:r>
-          </a:p>
-          <a:p>
-            <a:endParaRPr lang="de-CH" sz="2800" dirty="0">
-              <a:solidFill>
-                <a:schemeClr val="tx2"/>
-              </a:solidFill>
-              <a:latin typeface="Yanone Kaffeesatz Regular" panose="02000000000000000000" pitchFamily="2" charset="0"/>
-            </a:endParaRPr>
-          </a:p>
-          <a:p>
-            <a:r>
-              <a:rPr lang="de-CH" sz="2800" dirty="0">
-                <a:solidFill>
-                  <a:schemeClr val="tx2"/>
-                </a:solidFill>
-                <a:latin typeface="Yanone Kaffeesatz Regular" panose="02000000000000000000" pitchFamily="2" charset="0"/>
-              </a:rPr>
-              <a:t>static void Delay(int milliseconds) {</a:t>
-            </a:r>
-          </a:p>
-          <a:p>
-            <a:r>
-              <a:rPr lang="de-CH" sz="2800" dirty="0">
-                <a:solidFill>
-                  <a:schemeClr val="tx2"/>
-                </a:solidFill>
-                <a:latin typeface="Yanone Kaffeesatz Regular" panose="02000000000000000000" pitchFamily="2" charset="0"/>
-              </a:rPr>
-              <a:t>   DelayAsync(milliseconds).Wait();</a:t>
-            </a:r>
-          </a:p>
-          <a:p>
-            <a:r>
-              <a:rPr lang="de-CH" sz="2800" dirty="0">
-                <a:solidFill>
-                  <a:schemeClr val="tx2"/>
-                </a:solidFill>
-                <a:latin typeface="Yanone Kaffeesatz Regular" panose="02000000000000000000" pitchFamily="2" charset="0"/>
-              </a:rPr>
-              <a:t>}</a:t>
-            </a:r>
-          </a:p>
-          <a:p>
-            <a:endParaRPr lang="de-CH" sz="2800" dirty="0">
-              <a:solidFill>
-                <a:schemeClr val="tx2"/>
-              </a:solidFill>
-              <a:latin typeface="Yanone Kaffeesatz Regular" panose="02000000000000000000" pitchFamily="2" charset="0"/>
-            </a:endParaRPr>
-          </a:p>
-          <a:p>
-            <a:r>
-              <a:rPr lang="de-CH" sz="2800" dirty="0">
-                <a:solidFill>
-                  <a:schemeClr val="tx2"/>
-                </a:solidFill>
-                <a:latin typeface="Yanone Kaffeesatz Regular" panose="02000000000000000000" pitchFamily="2" charset="0"/>
-              </a:rPr>
-              <a:t>static async Task DelayAsync(int milliseconds) {</a:t>
-            </a:r>
-          </a:p>
-          <a:p>
-            <a:r>
-              <a:rPr lang="de-CH" sz="2800" dirty="0">
-                <a:solidFill>
-                  <a:schemeClr val="tx2"/>
-                </a:solidFill>
-                <a:latin typeface="Yanone Kaffeesatz Regular" panose="02000000000000000000" pitchFamily="2" charset="0"/>
-              </a:rPr>
-              <a:t>   await Task.Delay(milliseconds);</a:t>
-            </a:r>
-          </a:p>
-          <a:p>
-            <a:r>
-              <a:rPr lang="de-CH" sz="2800" dirty="0">
-                <a:solidFill>
-                  <a:schemeClr val="tx2"/>
-                </a:solidFill>
-                <a:latin typeface="Yanone Kaffeesatz Regular" panose="02000000000000000000" pitchFamily="2" charset="0"/>
-              </a:rPr>
-              <a:t>}</a:t>
-            </a:r>
-          </a:p>
-        </p:txBody>
-      </p:sp>
-    </p:spTree>
-    <p:extLst>
-      <p:ext uri="{BB962C8B-B14F-4D97-AF65-F5344CB8AC3E}">
-        <p14:creationId xmlns:p14="http://schemas.microsoft.com/office/powerpoint/2010/main" val="2314800350"/>
-      </p:ext>
-    </p:extLst>
-  </p:cSld>
-  <p:clrMapOvr>
-    <a:masterClrMapping/>
-  </p:clrMapOvr>
-</p:sld>
-</file>
-
-<file path=ppt/slides/slide23.xml><?xml version="1.0" encoding="utf-8"?>
-<p:sld xmlns:a="http://schemas.openxmlformats.org/drawingml/2006/main" xmlns:r="http://schemas.openxmlformats.org/officeDocument/2006/relationships" xmlns:p="http://schemas.openxmlformats.org/presentationml/2006/main">
-  <p:cSld>
-    <p:spTree>
-      <p:nvGrpSpPr>
-        <p:cNvPr id="1" name=""/>
-        <p:cNvGrpSpPr/>
-        <p:nvPr/>
-      </p:nvGrpSpPr>
-      <p:grpSpPr>
-        <a:xfrm>
-          <a:off x="0" y="0"/>
-          <a:ext cx="0" cy="0"/>
-          <a:chOff x="0" y="0"/>
-          <a:chExt cx="0" cy="0"/>
-        </a:xfrm>
-      </p:grpSpPr>
-      <p:sp>
-        <p:nvSpPr>
-          <p:cNvPr id="5" name="Rectangle 4"/>
-          <p:cNvSpPr/>
-          <p:nvPr/>
-        </p:nvSpPr>
-        <p:spPr>
-          <a:xfrm>
-            <a:off x="0" y="1952437"/>
-            <a:ext cx="4999912" cy="2646878"/>
-          </a:xfrm>
-          <a:prstGeom prst="rect">
-            <a:avLst/>
-          </a:prstGeom>
-        </p:spPr>
-        <p:txBody>
-          <a:bodyPr wrap="square">
-            <a:spAutoFit/>
-          </a:bodyPr>
-          <a:lstStyle/>
-          <a:p>
-            <a:pPr algn="ctr"/>
-            <a:r>
-              <a:rPr lang="en-US" sz="16600" dirty="0">
-                <a:solidFill>
-                  <a:schemeClr val="accent2"/>
-                </a:solidFill>
-                <a:latin typeface="Yanone Kaffeesatz Regular" panose="02000000000000000000" pitchFamily="2" charset="0"/>
-              </a:rPr>
-              <a:t>Recap</a:t>
-            </a:r>
-            <a:endParaRPr lang="de-CH" dirty="0"/>
-          </a:p>
-        </p:txBody>
-      </p:sp>
-      <p:sp>
-        <p:nvSpPr>
-          <p:cNvPr id="6" name="Rectangle 5"/>
-          <p:cNvSpPr/>
-          <p:nvPr/>
-        </p:nvSpPr>
-        <p:spPr>
-          <a:xfrm>
-            <a:off x="6485270" y="1671407"/>
-            <a:ext cx="5706729" cy="3416320"/>
-          </a:xfrm>
-          <a:prstGeom prst="rect">
-            <a:avLst/>
-          </a:prstGeom>
-        </p:spPr>
-        <p:txBody>
-          <a:bodyPr wrap="square">
-            <a:spAutoFit/>
-          </a:bodyPr>
-          <a:lstStyle/>
-          <a:p>
-            <a:r>
-              <a:rPr lang="en-US" sz="3600" dirty="0">
-                <a:solidFill>
-                  <a:schemeClr val="tx2"/>
-                </a:solidFill>
-                <a:latin typeface="Yanone Kaffeesatz Regular" panose="02000000000000000000" pitchFamily="2" charset="0"/>
-              </a:rPr>
-              <a:t>Use </a:t>
-            </a:r>
-            <a:r>
-              <a:rPr lang="en-US" sz="3600" dirty="0" err="1">
-                <a:solidFill>
-                  <a:schemeClr val="accent4"/>
-                </a:solidFill>
-                <a:latin typeface="Yanone Kaffeesatz Regular" panose="02000000000000000000" pitchFamily="2" charset="0"/>
-              </a:rPr>
-              <a:t>Task.Run</a:t>
-            </a:r>
-            <a:r>
-              <a:rPr lang="en-US" sz="3600" dirty="0">
-                <a:solidFill>
-                  <a:schemeClr val="tx2"/>
-                </a:solidFill>
-                <a:latin typeface="Yanone Kaffeesatz Regular" panose="02000000000000000000" pitchFamily="2" charset="0"/>
-              </a:rPr>
-              <a:t>, </a:t>
-            </a:r>
-            <a:r>
-              <a:rPr lang="en-US" sz="3600" dirty="0" err="1">
-                <a:solidFill>
-                  <a:schemeClr val="accent4"/>
-                </a:solidFill>
-                <a:latin typeface="Yanone Kaffeesatz Regular" panose="02000000000000000000" pitchFamily="2" charset="0"/>
-              </a:rPr>
-              <a:t>Factory.StartNew</a:t>
-            </a:r>
-            <a:r>
-              <a:rPr lang="en-US" sz="3600" dirty="0">
-                <a:solidFill>
-                  <a:schemeClr val="tx2"/>
-                </a:solidFill>
-                <a:latin typeface="Yanone Kaffeesatz Regular" panose="02000000000000000000" pitchFamily="2" charset="0"/>
-              </a:rPr>
-              <a:t> for CPU-bound work</a:t>
-            </a:r>
-            <a:br>
-              <a:rPr lang="en-US" sz="3600" dirty="0">
-                <a:solidFill>
-                  <a:schemeClr val="tx2"/>
-                </a:solidFill>
-                <a:latin typeface="Yanone Kaffeesatz Regular" panose="02000000000000000000" pitchFamily="2" charset="0"/>
-              </a:rPr>
-            </a:br>
-            <a:br>
-              <a:rPr lang="en-US" sz="3600" dirty="0">
-                <a:solidFill>
-                  <a:schemeClr val="tx2"/>
-                </a:solidFill>
-                <a:latin typeface="Yanone Kaffeesatz Regular" panose="02000000000000000000" pitchFamily="2" charset="0"/>
-              </a:rPr>
-            </a:br>
-            <a:r>
-              <a:rPr lang="en-US" sz="3600" dirty="0">
-                <a:solidFill>
-                  <a:schemeClr val="tx2"/>
-                </a:solidFill>
-                <a:latin typeface="Yanone Kaffeesatz Regular" panose="02000000000000000000" pitchFamily="2" charset="0"/>
-              </a:rPr>
-              <a:t>Use </a:t>
-            </a:r>
-            <a:r>
-              <a:rPr lang="en-US" sz="3600" dirty="0">
-                <a:solidFill>
-                  <a:schemeClr val="accent4"/>
-                </a:solidFill>
-                <a:latin typeface="Yanone Kaffeesatz Regular" panose="02000000000000000000" pitchFamily="2" charset="0"/>
-              </a:rPr>
-              <a:t>Task</a:t>
-            </a:r>
-            <a:r>
-              <a:rPr lang="en-US" sz="3600" dirty="0">
-                <a:solidFill>
-                  <a:schemeClr val="tx2"/>
-                </a:solidFill>
-                <a:latin typeface="Yanone Kaffeesatz Regular" panose="02000000000000000000" pitchFamily="2" charset="0"/>
-              </a:rPr>
-              <a:t> directly for IO-bound work</a:t>
-            </a:r>
-            <a:br>
-              <a:rPr lang="en-US" sz="3600" dirty="0">
-                <a:solidFill>
-                  <a:schemeClr val="tx2"/>
-                </a:solidFill>
-                <a:latin typeface="Yanone Kaffeesatz Regular" panose="02000000000000000000" pitchFamily="2" charset="0"/>
-              </a:rPr>
-            </a:br>
-            <a:endParaRPr lang="en-US" sz="3600" dirty="0">
-              <a:solidFill>
-                <a:schemeClr val="tx2"/>
-              </a:solidFill>
-              <a:latin typeface="Yanone Kaffeesatz Regular" panose="02000000000000000000" pitchFamily="2" charset="0"/>
-            </a:endParaRPr>
-          </a:p>
-          <a:p>
-            <a:r>
-              <a:rPr lang="en-US" sz="3600" dirty="0">
-                <a:solidFill>
-                  <a:schemeClr val="tx2"/>
-                </a:solidFill>
-                <a:latin typeface="Yanone Kaffeesatz Regular" panose="02000000000000000000" pitchFamily="2" charset="0"/>
-              </a:rPr>
-              <a:t>Use </a:t>
-            </a:r>
-            <a:r>
-              <a:rPr lang="en-US" sz="3600" dirty="0" err="1">
-                <a:solidFill>
-                  <a:schemeClr val="accent4"/>
-                </a:solidFill>
-                <a:latin typeface="Yanone Kaffeesatz Regular" panose="02000000000000000000" pitchFamily="2" charset="0"/>
-              </a:rPr>
-              <a:t>async</a:t>
-            </a:r>
-            <a:r>
-              <a:rPr lang="en-US" sz="3600" dirty="0">
-                <a:solidFill>
-                  <a:schemeClr val="accent4"/>
-                </a:solidFill>
-                <a:latin typeface="Yanone Kaffeesatz Regular" panose="02000000000000000000" pitchFamily="2" charset="0"/>
-              </a:rPr>
-              <a:t> Task</a:t>
-            </a:r>
-            <a:r>
-              <a:rPr lang="en-US" sz="3600" dirty="0">
-                <a:solidFill>
-                  <a:schemeClr val="tx2"/>
-                </a:solidFill>
-                <a:latin typeface="Yanone Kaffeesatz Regular" panose="02000000000000000000" pitchFamily="2" charset="0"/>
-              </a:rPr>
-              <a:t> instead of </a:t>
-            </a:r>
-            <a:r>
-              <a:rPr lang="en-US" sz="3600" dirty="0" err="1">
-                <a:solidFill>
-                  <a:schemeClr val="accent4"/>
-                </a:solidFill>
-                <a:latin typeface="Yanone Kaffeesatz Regular" panose="02000000000000000000" pitchFamily="2" charset="0"/>
-              </a:rPr>
-              <a:t>async</a:t>
-            </a:r>
-            <a:r>
-              <a:rPr lang="en-US" sz="3600" dirty="0">
-                <a:solidFill>
-                  <a:schemeClr val="accent4"/>
-                </a:solidFill>
-                <a:latin typeface="Yanone Kaffeesatz Regular" panose="02000000000000000000" pitchFamily="2" charset="0"/>
-              </a:rPr>
-              <a:t> void</a:t>
-            </a:r>
-          </a:p>
-        </p:txBody>
-      </p:sp>
-      <p:sp>
-        <p:nvSpPr>
-          <p:cNvPr id="7" name="Rectangle 6"/>
-          <p:cNvSpPr/>
-          <p:nvPr/>
-        </p:nvSpPr>
-        <p:spPr>
-          <a:xfrm>
-            <a:off x="1" y="4399885"/>
-            <a:ext cx="6494332" cy="1200329"/>
-          </a:xfrm>
-          <a:prstGeom prst="rect">
-            <a:avLst/>
-          </a:prstGeom>
-        </p:spPr>
-        <p:txBody>
-          <a:bodyPr wrap="square">
-            <a:spAutoFit/>
-          </a:bodyPr>
-          <a:lstStyle/>
-          <a:p>
-            <a:pPr algn="ctr"/>
-            <a:r>
-              <a:rPr lang="en-US" sz="7200" dirty="0">
-                <a:solidFill>
-                  <a:schemeClr val="accent3"/>
-                </a:solidFill>
-                <a:latin typeface="Yanone Kaffeesatz Regular" panose="02000000000000000000" pitchFamily="2" charset="0"/>
-              </a:rPr>
-              <a:t>reminder</a:t>
-            </a:r>
-          </a:p>
-        </p:txBody>
-      </p:sp>
-    </p:spTree>
-    <p:extLst>
-      <p:ext uri="{BB962C8B-B14F-4D97-AF65-F5344CB8AC3E}">
-        <p14:creationId xmlns:p14="http://schemas.microsoft.com/office/powerpoint/2010/main" val="1016240576"/>
-      </p:ext>
-    </p:extLst>
-  </p:cSld>
-  <p:clrMapOvr>
-    <a:masterClrMapping/>
-  </p:clrMapOvr>
-</p:sld>
-</file>
-
-<file path=ppt/slides/slide24.xml><?xml version="1.0" encoding="utf-8"?>
-<p:sld xmlns:a="http://schemas.openxmlformats.org/drawingml/2006/main" xmlns:r="http://schemas.openxmlformats.org/officeDocument/2006/relationships" xmlns:p="http://schemas.openxmlformats.org/presentationml/2006/main">
-  <p:cSld>
-    <p:spTree>
-      <p:nvGrpSpPr>
-        <p:cNvPr id="1" name=""/>
-        <p:cNvGrpSpPr/>
-        <p:nvPr/>
-      </p:nvGrpSpPr>
-      <p:grpSpPr>
-        <a:xfrm>
-          <a:off x="0" y="0"/>
-          <a:ext cx="0" cy="0"/>
-          <a:chOff x="0" y="0"/>
-          <a:chExt cx="0" cy="0"/>
-        </a:xfrm>
-      </p:grpSpPr>
-      <p:sp>
-        <p:nvSpPr>
-          <p:cNvPr id="5" name="Rectangle 4"/>
-          <p:cNvSpPr/>
-          <p:nvPr/>
-        </p:nvSpPr>
-        <p:spPr>
-          <a:xfrm>
-            <a:off x="0" y="1952437"/>
-            <a:ext cx="4999912" cy="2646878"/>
-          </a:xfrm>
-          <a:prstGeom prst="rect">
-            <a:avLst/>
-          </a:prstGeom>
-        </p:spPr>
-        <p:txBody>
-          <a:bodyPr wrap="square">
-            <a:spAutoFit/>
-          </a:bodyPr>
-          <a:lstStyle/>
-          <a:p>
-            <a:pPr algn="ctr"/>
-            <a:r>
-              <a:rPr lang="en-US" sz="16600" dirty="0">
-                <a:solidFill>
-                  <a:schemeClr val="accent2"/>
-                </a:solidFill>
-                <a:latin typeface="Yanone Kaffeesatz Regular" panose="02000000000000000000" pitchFamily="2" charset="0"/>
-              </a:rPr>
-              <a:t>Recap</a:t>
-            </a:r>
-            <a:endParaRPr lang="de-CH" dirty="0"/>
-          </a:p>
-        </p:txBody>
-      </p:sp>
-      <p:sp>
-        <p:nvSpPr>
-          <p:cNvPr id="6" name="Rectangle 5"/>
-          <p:cNvSpPr/>
-          <p:nvPr/>
-        </p:nvSpPr>
-        <p:spPr>
-          <a:xfrm>
-            <a:off x="6485271" y="1997839"/>
-            <a:ext cx="5706729" cy="2862322"/>
-          </a:xfrm>
-          <a:prstGeom prst="rect">
-            <a:avLst/>
-          </a:prstGeom>
-        </p:spPr>
-        <p:txBody>
-          <a:bodyPr wrap="square">
-            <a:spAutoFit/>
-          </a:bodyPr>
-          <a:lstStyle/>
-          <a:p>
-            <a:r>
-              <a:rPr lang="en-US" sz="3600" dirty="0">
-                <a:solidFill>
-                  <a:schemeClr val="tx2"/>
-                </a:solidFill>
-                <a:latin typeface="Yanone Kaffeesatz Regular" panose="02000000000000000000" pitchFamily="2" charset="0"/>
-              </a:rPr>
-              <a:t>Libraries and frameworks should use </a:t>
-            </a:r>
-            <a:r>
-              <a:rPr lang="en-US" sz="3600" dirty="0" err="1">
-                <a:solidFill>
-                  <a:schemeClr val="accent4"/>
-                </a:solidFill>
-                <a:latin typeface="Yanone Kaffeesatz Regular" panose="02000000000000000000" pitchFamily="2" charset="0"/>
-              </a:rPr>
-              <a:t>ConfigureAwait</a:t>
-            </a:r>
-            <a:r>
-              <a:rPr lang="en-US" sz="3600" dirty="0">
-                <a:solidFill>
-                  <a:schemeClr val="accent4"/>
-                </a:solidFill>
-                <a:latin typeface="Yanone Kaffeesatz Regular" panose="02000000000000000000" pitchFamily="2" charset="0"/>
-              </a:rPr>
-              <a:t>(false)</a:t>
-            </a:r>
-          </a:p>
-          <a:p>
-            <a:endParaRPr lang="en-US" sz="3600" dirty="0">
-              <a:solidFill>
-                <a:schemeClr val="accent4"/>
-              </a:solidFill>
-              <a:latin typeface="Yanone Kaffeesatz Regular" panose="02000000000000000000" pitchFamily="2" charset="0"/>
-            </a:endParaRPr>
-          </a:p>
-          <a:p>
-            <a:r>
-              <a:rPr lang="en-US" sz="3600" dirty="0" err="1">
-                <a:solidFill>
-                  <a:schemeClr val="accent4"/>
-                </a:solidFill>
-                <a:latin typeface="Yanone Kaffeesatz Regular" panose="02000000000000000000" pitchFamily="2" charset="0"/>
-              </a:rPr>
-              <a:t>Async</a:t>
-            </a:r>
-            <a:r>
-              <a:rPr lang="en-US" sz="3600" dirty="0">
-                <a:solidFill>
-                  <a:schemeClr val="accent4"/>
-                </a:solidFill>
-                <a:latin typeface="Yanone Kaffeesatz Regular" panose="02000000000000000000" pitchFamily="2" charset="0"/>
-              </a:rPr>
-              <a:t> all the way</a:t>
-            </a:r>
-            <a:r>
-              <a:rPr lang="en-US" sz="3600" dirty="0">
-                <a:solidFill>
-                  <a:schemeClr val="tx2"/>
-                </a:solidFill>
-                <a:latin typeface="Yanone Kaffeesatz Regular" panose="02000000000000000000" pitchFamily="2" charset="0"/>
-              </a:rPr>
-              <a:t>, don’t mix blocking and asynchronous code</a:t>
-            </a:r>
-            <a:endParaRPr lang="de-CH" sz="3600" dirty="0">
-              <a:solidFill>
-                <a:schemeClr val="tx2"/>
-              </a:solidFill>
-            </a:endParaRPr>
-          </a:p>
-        </p:txBody>
-      </p:sp>
-      <p:sp>
-        <p:nvSpPr>
-          <p:cNvPr id="7" name="Rectangle 6"/>
-          <p:cNvSpPr/>
-          <p:nvPr/>
-        </p:nvSpPr>
-        <p:spPr>
-          <a:xfrm>
-            <a:off x="1" y="4399885"/>
-            <a:ext cx="6494332" cy="1200329"/>
-          </a:xfrm>
-          <a:prstGeom prst="rect">
-            <a:avLst/>
-          </a:prstGeom>
-        </p:spPr>
-        <p:txBody>
-          <a:bodyPr wrap="square">
-            <a:spAutoFit/>
-          </a:bodyPr>
-          <a:lstStyle/>
-          <a:p>
-            <a:pPr algn="ctr"/>
-            <a:r>
-              <a:rPr lang="en-US" sz="7200" dirty="0">
-                <a:solidFill>
-                  <a:schemeClr val="accent3"/>
-                </a:solidFill>
-                <a:latin typeface="Yanone Kaffeesatz Regular" panose="02000000000000000000" pitchFamily="2" charset="0"/>
-              </a:rPr>
-              <a:t>reminder</a:t>
-            </a:r>
-          </a:p>
-        </p:txBody>
-      </p:sp>
-    </p:spTree>
-    <p:extLst>
-      <p:ext uri="{BB962C8B-B14F-4D97-AF65-F5344CB8AC3E}">
-        <p14:creationId xmlns:p14="http://schemas.microsoft.com/office/powerpoint/2010/main" val="1351185329"/>
-      </p:ext>
-    </p:extLst>
-  </p:cSld>
-  <p:clrMapOvr>
-    <a:masterClrMapping/>
-  </p:clrMapOvr>
-</p:sld>
-</file>
-
-<file path=ppt/slides/slide25.xml><?xml version="1.0" encoding="utf-8"?>
+<file path=ppt/slides/slide26.xml><?xml version="1.0" encoding="utf-8"?>
 <p:sld xmlns:a="http://schemas.openxmlformats.org/drawingml/2006/main" xmlns:r="http://schemas.openxmlformats.org/officeDocument/2006/relationships" xmlns:p="http://schemas.openxmlformats.org/presentationml/2006/main">
   <p:cSld>
     <p:spTree>
@@ -23982,10 +24311,44 @@
           </a:p>
         </p:txBody>
       </p:sp>
+      <p:sp>
+        <p:nvSpPr>
+          <p:cNvPr id="3" name="Rectangle 2"/>
+          <p:cNvSpPr/>
+          <p:nvPr/>
+        </p:nvSpPr>
+        <p:spPr>
+          <a:xfrm>
+            <a:off x="8184553" y="4498523"/>
+            <a:ext cx="2585964" cy="1015663"/>
+          </a:xfrm>
+          <a:prstGeom prst="rect">
+            <a:avLst/>
+          </a:prstGeom>
+        </p:spPr>
+        <p:txBody>
+          <a:bodyPr wrap="none">
+            <a:spAutoFit/>
+          </a:bodyPr>
+          <a:lstStyle/>
+          <a:p>
+            <a:r>
+              <a:rPr lang="en-US" sz="6000" dirty="0">
+                <a:solidFill>
+                  <a:schemeClr val="tx2"/>
+                </a:solidFill>
+                <a:latin typeface="Yanone Kaffeesatz Regular" panose="02000000000000000000" pitchFamily="2" charset="0"/>
+              </a:rPr>
+              <a:t>Exercise 7</a:t>
+            </a:r>
+            <a:endParaRPr lang="de-CH" sz="6000" dirty="0"/>
+          </a:p>
+        </p:txBody>
+      </p:sp>
     </p:spTree>
     <p:extLst>
       <p:ext uri="{BB962C8B-B14F-4D97-AF65-F5344CB8AC3E}">
-        <p14:creationId xmlns:p14="http://schemas.microsoft.com/office/powerpoint/2010/main" val="113843977"/>
+        <p14:creationId xmlns:p14="http://schemas.microsoft.com/office/powerpoint/2010/main" val="2863280944"/>
       </p:ext>
     </p:extLst>
   </p:cSld>
@@ -23995,7 +24358,7 @@
 </p:sld>
 </file>
 
-<file path=ppt/slides/slide26.xml><?xml version="1.0" encoding="utf-8"?>
+<file path=ppt/slides/slide27.xml><?xml version="1.0" encoding="utf-8"?>
 <p:sld xmlns:a="http://schemas.openxmlformats.org/drawingml/2006/main" xmlns:r="http://schemas.openxmlformats.org/officeDocument/2006/relationships" xmlns:p="http://schemas.openxmlformats.org/presentationml/2006/main">
   <p:cSld>
     <p:spTree>
@@ -24757,10 +25120,92 @@
           </p:txBody>
         </p:sp>
       </p:grpSp>
+      <p:sp>
+        <p:nvSpPr>
+          <p:cNvPr id="27" name="Rectangle 26"/>
+          <p:cNvSpPr/>
+          <p:nvPr/>
+        </p:nvSpPr>
+        <p:spPr>
+          <a:xfrm>
+            <a:off x="-1007390" y="1818135"/>
+            <a:ext cx="15103098" cy="5202597"/>
+          </a:xfrm>
+          <a:prstGeom prst="rect">
+            <a:avLst/>
+          </a:prstGeom>
+          <a:solidFill>
+            <a:schemeClr val="bg1">
+              <a:alpha val="57000"/>
+            </a:schemeClr>
+          </a:solidFill>
+          <a:ln>
+            <a:noFill/>
+          </a:ln>
+        </p:spPr>
+        <p:style>
+          <a:lnRef idx="2">
+            <a:schemeClr val="accent1">
+              <a:shade val="50000"/>
+            </a:schemeClr>
+          </a:lnRef>
+          <a:fillRef idx="1">
+            <a:schemeClr val="accent1"/>
+          </a:fillRef>
+          <a:effectRef idx="0">
+            <a:schemeClr val="accent1"/>
+          </a:effectRef>
+          <a:fontRef idx="minor">
+            <a:schemeClr val="lt1"/>
+          </a:fontRef>
+        </p:style>
+        <p:txBody>
+          <a:bodyPr rtlCol="0" anchor="ctr"/>
+          <a:lstStyle/>
+          <a:p>
+            <a:pPr algn="ctr"/>
+            <a:endParaRPr lang="de-CH"/>
+          </a:p>
+        </p:txBody>
+      </p:sp>
+      <p:sp>
+        <p:nvSpPr>
+          <p:cNvPr id="26" name="Rectangle 25"/>
+          <p:cNvSpPr/>
+          <p:nvPr/>
+        </p:nvSpPr>
+        <p:spPr>
+          <a:xfrm>
+            <a:off x="7167706" y="959919"/>
+            <a:ext cx="2595582" cy="1569660"/>
+          </a:xfrm>
+          <a:prstGeom prst="rect">
+            <a:avLst/>
+          </a:prstGeom>
+        </p:spPr>
+        <p:txBody>
+          <a:bodyPr wrap="none">
+            <a:spAutoFit/>
+          </a:bodyPr>
+          <a:lstStyle/>
+          <a:p>
+            <a:r>
+              <a:rPr lang="en-US" sz="9600" dirty="0">
+                <a:solidFill>
+                  <a:schemeClr val="accent2"/>
+                </a:solidFill>
+                <a:latin typeface="Yanone Kaffeesatz Regular" panose="02000000000000000000" pitchFamily="2" charset="0"/>
+              </a:rPr>
+              <a:t>Object</a:t>
+            </a:r>
+            <a:endParaRPr lang="de-CH" sz="1200" dirty="0"/>
+          </a:p>
+        </p:txBody>
+      </p:sp>
     </p:spTree>
     <p:extLst>
       <p:ext uri="{BB962C8B-B14F-4D97-AF65-F5344CB8AC3E}">
-        <p14:creationId xmlns:p14="http://schemas.microsoft.com/office/powerpoint/2010/main" val="960879928"/>
+        <p14:creationId xmlns:p14="http://schemas.microsoft.com/office/powerpoint/2010/main" val="3887915239"/>
       </p:ext>
     </p:extLst>
   </p:cSld>
@@ -24770,7 +25215,7 @@
 </p:sld>
 </file>
 
-<file path=ppt/slides/slide27.xml><?xml version="1.0" encoding="utf-8"?>
+<file path=ppt/slides/slide28.xml><?xml version="1.0" encoding="utf-8"?>
 <p:sld xmlns:a="http://schemas.openxmlformats.org/drawingml/2006/main" xmlns:r="http://schemas.openxmlformats.org/officeDocument/2006/relationships" xmlns:p="http://schemas.openxmlformats.org/presentationml/2006/main">
   <p:cSld>
     <p:spTree>
@@ -24821,6 +25266,40 @@
           </a:p>
         </p:txBody>
       </p:sp>
+      <p:sp>
+        <p:nvSpPr>
+          <p:cNvPr id="3" name="Rectangle 2"/>
+          <p:cNvSpPr/>
+          <p:nvPr/>
+        </p:nvSpPr>
+        <p:spPr>
+          <a:xfrm>
+            <a:off x="7650752" y="4498523"/>
+            <a:ext cx="3119765" cy="1015663"/>
+          </a:xfrm>
+          <a:prstGeom prst="rect">
+            <a:avLst/>
+          </a:prstGeom>
+        </p:spPr>
+        <p:txBody>
+          <a:bodyPr wrap="none">
+            <a:spAutoFit/>
+          </a:bodyPr>
+          <a:lstStyle/>
+          <a:p>
+            <a:r>
+              <a:rPr lang="en-US" sz="6000" dirty="0">
+                <a:solidFill>
+                  <a:schemeClr val="tx2"/>
+                </a:solidFill>
+                <a:latin typeface="Yanone Kaffeesatz Regular" panose="02000000000000000000" pitchFamily="2" charset="0"/>
+              </a:rPr>
+              <a:t>Exercise 8-9</a:t>
+            </a:r>
+            <a:endParaRPr lang="de-CH" sz="6000" dirty="0"/>
+          </a:p>
+        </p:txBody>
+      </p:sp>
     </p:spTree>
     <p:extLst>
       <p:ext uri="{BB962C8B-B14F-4D97-AF65-F5344CB8AC3E}">
@@ -24834,7 +25313,7 @@
 </p:sld>
 </file>
 
-<file path=ppt/slides/slide28.xml><?xml version="1.0" encoding="utf-8"?>
+<file path=ppt/slides/slide29.xml><?xml version="1.0" encoding="utf-8"?>
 <p:sld xmlns:a="http://schemas.openxmlformats.org/drawingml/2006/main" xmlns:r="http://schemas.openxmlformats.org/officeDocument/2006/relationships" xmlns:p="http://schemas.openxmlformats.org/presentationml/2006/main">
   <p:cSld>
     <p:spTree>
@@ -25691,70 +26170,6 @@
 </p:sld>
 </file>
 
-<file path=ppt/slides/slide29.xml><?xml version="1.0" encoding="utf-8"?>
-<p:sld xmlns:a="http://schemas.openxmlformats.org/drawingml/2006/main" xmlns:r="http://schemas.openxmlformats.org/officeDocument/2006/relationships" xmlns:p="http://schemas.openxmlformats.org/presentationml/2006/main">
-  <p:cSld>
-    <p:spTree>
-      <p:nvGrpSpPr>
-        <p:cNvPr id="1" name=""/>
-        <p:cNvGrpSpPr/>
-        <p:nvPr/>
-      </p:nvGrpSpPr>
-      <p:grpSpPr>
-        <a:xfrm>
-          <a:off x="0" y="0"/>
-          <a:ext cx="0" cy="0"/>
-          <a:chOff x="0" y="0"/>
-          <a:chExt cx="0" cy="0"/>
-        </a:xfrm>
-      </p:grpSpPr>
-      <p:sp>
-        <p:nvSpPr>
-          <p:cNvPr id="4" name="Rectangle 3"/>
-          <p:cNvSpPr/>
-          <p:nvPr/>
-        </p:nvSpPr>
-        <p:spPr>
-          <a:xfrm>
-            <a:off x="1421483" y="1851645"/>
-            <a:ext cx="9349034" cy="3154710"/>
-          </a:xfrm>
-          <a:prstGeom prst="rect">
-            <a:avLst/>
-          </a:prstGeom>
-        </p:spPr>
-        <p:txBody>
-          <a:bodyPr wrap="none">
-            <a:spAutoFit/>
-          </a:bodyPr>
-          <a:lstStyle/>
-          <a:p>
-            <a:r>
-              <a:rPr lang="en-US" sz="19900" dirty="0">
-                <a:solidFill>
-                  <a:schemeClr val="accent2"/>
-                </a:solidFill>
-                <a:latin typeface="Yanone Kaffeesatz Regular" panose="02000000000000000000" pitchFamily="2" charset="0"/>
-              </a:rPr>
-              <a:t>Coding time</a:t>
-            </a:r>
-            <a:endParaRPr lang="de-CH" sz="2000" dirty="0"/>
-          </a:p>
-        </p:txBody>
-      </p:sp>
-    </p:spTree>
-    <p:extLst>
-      <p:ext uri="{BB962C8B-B14F-4D97-AF65-F5344CB8AC3E}">
-        <p14:creationId xmlns:p14="http://schemas.microsoft.com/office/powerpoint/2010/main" val="2160218509"/>
-      </p:ext>
-    </p:extLst>
-  </p:cSld>
-  <p:clrMapOvr>
-    <a:masterClrMapping/>
-  </p:clrMapOvr>
-</p:sld>
-</file>
-
 <file path=ppt/slides/slide3.xml><?xml version="1.0" encoding="utf-8"?>
 <p:sld xmlns:a="http://schemas.openxmlformats.org/drawingml/2006/main" xmlns:r="http://schemas.openxmlformats.org/officeDocument/2006/relationships" xmlns:p="http://schemas.openxmlformats.org/presentationml/2006/main">
   <p:cSld>
@@ -25808,6 +26223,104 @@
 </file>
 
 <file path=ppt/slides/slide30.xml><?xml version="1.0" encoding="utf-8"?>
+<p:sld xmlns:a="http://schemas.openxmlformats.org/drawingml/2006/main" xmlns:r="http://schemas.openxmlformats.org/officeDocument/2006/relationships" xmlns:p="http://schemas.openxmlformats.org/presentationml/2006/main">
+  <p:cSld>
+    <p:spTree>
+      <p:nvGrpSpPr>
+        <p:cNvPr id="1" name=""/>
+        <p:cNvGrpSpPr/>
+        <p:nvPr/>
+      </p:nvGrpSpPr>
+      <p:grpSpPr>
+        <a:xfrm>
+          <a:off x="0" y="0"/>
+          <a:ext cx="0" cy="0"/>
+          <a:chOff x="0" y="0"/>
+          <a:chExt cx="0" cy="0"/>
+        </a:xfrm>
+      </p:grpSpPr>
+      <p:sp>
+        <p:nvSpPr>
+          <p:cNvPr id="4" name="Rectangle 3"/>
+          <p:cNvSpPr/>
+          <p:nvPr/>
+        </p:nvSpPr>
+        <p:spPr>
+          <a:xfrm>
+            <a:off x="1421483" y="1851645"/>
+            <a:ext cx="9349034" cy="3154710"/>
+          </a:xfrm>
+          <a:prstGeom prst="rect">
+            <a:avLst/>
+          </a:prstGeom>
+        </p:spPr>
+        <p:txBody>
+          <a:bodyPr wrap="none">
+            <a:spAutoFit/>
+          </a:bodyPr>
+          <a:lstStyle/>
+          <a:p>
+            <a:r>
+              <a:rPr lang="en-US" sz="19900" dirty="0">
+                <a:solidFill>
+                  <a:schemeClr val="accent2"/>
+                </a:solidFill>
+                <a:latin typeface="Yanone Kaffeesatz Regular" panose="02000000000000000000" pitchFamily="2" charset="0"/>
+              </a:rPr>
+              <a:t>Coding time</a:t>
+            </a:r>
+            <a:endParaRPr lang="de-CH" sz="2000" dirty="0"/>
+          </a:p>
+        </p:txBody>
+      </p:sp>
+      <p:sp>
+        <p:nvSpPr>
+          <p:cNvPr id="3" name="Rectangle 2"/>
+          <p:cNvSpPr/>
+          <p:nvPr/>
+        </p:nvSpPr>
+        <p:spPr>
+          <a:xfrm>
+            <a:off x="7863952" y="4498523"/>
+            <a:ext cx="2906565" cy="1015663"/>
+          </a:xfrm>
+          <a:prstGeom prst="rect">
+            <a:avLst/>
+          </a:prstGeom>
+        </p:spPr>
+        <p:txBody>
+          <a:bodyPr wrap="none">
+            <a:spAutoFit/>
+          </a:bodyPr>
+          <a:lstStyle/>
+          <a:p>
+            <a:r>
+              <a:rPr lang="en-US" sz="6000" dirty="0">
+                <a:solidFill>
+                  <a:schemeClr val="tx2"/>
+                </a:solidFill>
+                <a:latin typeface="Yanone Kaffeesatz Regular" panose="02000000000000000000" pitchFamily="2" charset="0"/>
+              </a:rPr>
+              <a:t>Exercise 10</a:t>
+            </a:r>
+            <a:endParaRPr lang="de-CH" sz="6000" dirty="0"/>
+          </a:p>
+        </p:txBody>
+      </p:sp>
+    </p:spTree>
+    <p:extLst>
+      <p:ext uri="{BB962C8B-B14F-4D97-AF65-F5344CB8AC3E}">
+        <p14:creationId xmlns:p14="http://schemas.microsoft.com/office/powerpoint/2010/main" val="2160218509"/>
+      </p:ext>
+    </p:extLst>
+  </p:cSld>
+  <p:clrMapOvr>
+    <a:masterClrMapping/>
+  </p:clrMapOvr>
+</p:sld>
+</file>
+
+<file path=ppt/slides/slide31.xml><?xml version="1.0" encoding="utf-8"?>
 <p:sld xmlns:a="http://schemas.openxmlformats.org/drawingml/2006/main" xmlns:r="http://schemas.openxmlformats.org/officeDocument/2006/relationships" xmlns:p="http://schemas.openxmlformats.org/presentationml/2006/main">
   <p:cSld>
     <p:spTree>
@@ -26431,7 +26944,7 @@
 </p:sld>
 </file>
 
-<file path=ppt/slides/slide31.xml><?xml version="1.0" encoding="utf-8"?>
+<file path=ppt/slides/slide32.xml><?xml version="1.0" encoding="utf-8"?>
 <p:sld xmlns:a="http://schemas.openxmlformats.org/drawingml/2006/main" xmlns:r="http://schemas.openxmlformats.org/officeDocument/2006/relationships" xmlns:p="http://schemas.openxmlformats.org/presentationml/2006/main">
   <p:cSld>
     <p:spTree>
@@ -27411,7 +27924,7 @@
 </p:sld>
 </file>
 
-<file path=ppt/slides/slide32.xml><?xml version="1.0" encoding="utf-8"?>
+<file path=ppt/slides/slide33.xml><?xml version="1.0" encoding="utf-8"?>
 <p:sld xmlns:a="http://schemas.openxmlformats.org/drawingml/2006/main" xmlns:r="http://schemas.openxmlformats.org/officeDocument/2006/relationships" xmlns:p="http://schemas.openxmlformats.org/presentationml/2006/main">
   <p:cSld>
     <p:spTree>
@@ -27501,104 +28014,6 @@
     <p:extLst>
       <p:ext uri="{BB962C8B-B14F-4D97-AF65-F5344CB8AC3E}">
         <p14:creationId xmlns:p14="http://schemas.microsoft.com/office/powerpoint/2010/main" val="603290220"/>
-      </p:ext>
-    </p:extLst>
-  </p:cSld>
-  <p:clrMapOvr>
-    <a:masterClrMapping/>
-  </p:clrMapOvr>
-</p:sld>
-</file>
-
-<file path=ppt/slides/slide33.xml><?xml version="1.0" encoding="utf-8"?>
-<p:sld xmlns:a="http://schemas.openxmlformats.org/drawingml/2006/main" xmlns:r="http://schemas.openxmlformats.org/officeDocument/2006/relationships" xmlns:p="http://schemas.openxmlformats.org/presentationml/2006/main">
-  <p:cSld>
-    <p:spTree>
-      <p:nvGrpSpPr>
-        <p:cNvPr id="1" name=""/>
-        <p:cNvGrpSpPr/>
-        <p:nvPr/>
-      </p:nvGrpSpPr>
-      <p:grpSpPr>
-        <a:xfrm>
-          <a:off x="0" y="0"/>
-          <a:ext cx="0" cy="0"/>
-          <a:chOff x="0" y="0"/>
-          <a:chExt cx="0" cy="0"/>
-        </a:xfrm>
-      </p:grpSpPr>
-      <p:sp>
-        <p:nvSpPr>
-          <p:cNvPr id="2" name="Rectangle 1"/>
-          <p:cNvSpPr/>
-          <p:nvPr/>
-        </p:nvSpPr>
-        <p:spPr>
-          <a:xfrm>
-            <a:off x="3853239" y="1851645"/>
-            <a:ext cx="4485523" cy="3154710"/>
-          </a:xfrm>
-          <a:prstGeom prst="rect">
-            <a:avLst/>
-          </a:prstGeom>
-        </p:spPr>
-        <p:txBody>
-          <a:bodyPr wrap="none">
-            <a:spAutoFit/>
-          </a:bodyPr>
-          <a:lstStyle/>
-          <a:p>
-            <a:r>
-              <a:rPr lang="en-US" sz="19900" dirty="0">
-                <a:solidFill>
-                  <a:schemeClr val="accent2"/>
-                </a:solidFill>
-                <a:latin typeface="Yanone Kaffeesatz Regular" panose="02000000000000000000" pitchFamily="2" charset="0"/>
-              </a:rPr>
-              <a:t>Demo</a:t>
-            </a:r>
-            <a:endParaRPr lang="de-CH" sz="2000" dirty="0"/>
-          </a:p>
-        </p:txBody>
-      </p:sp>
-      <p:sp>
-        <p:nvSpPr>
-          <p:cNvPr id="3" name="Rectangle 2"/>
-          <p:cNvSpPr/>
-          <p:nvPr/>
-        </p:nvSpPr>
-        <p:spPr>
-          <a:xfrm>
-            <a:off x="1838261" y="2875002"/>
-            <a:ext cx="1635384" cy="1107996"/>
-          </a:xfrm>
-          <a:prstGeom prst="rect">
-            <a:avLst/>
-          </a:prstGeom>
-        </p:spPr>
-        <p:txBody>
-          <a:bodyPr wrap="none">
-            <a:spAutoFit/>
-          </a:bodyPr>
-          <a:lstStyle/>
-          <a:p>
-            <a:r>
-              <a:rPr lang="en-US" sz="6600" dirty="0">
-                <a:solidFill>
-                  <a:schemeClr val="accent4"/>
-                </a:solidFill>
-                <a:latin typeface="Yanone Kaffeesatz Regular" panose="02000000000000000000" pitchFamily="2" charset="0"/>
-              </a:rPr>
-              <a:t>await</a:t>
-            </a:r>
-            <a:endParaRPr lang="de-CH" sz="6600" dirty="0"/>
-          </a:p>
-        </p:txBody>
-      </p:sp>
-    </p:spTree>
-    <p:extLst>
-      <p:ext uri="{BB962C8B-B14F-4D97-AF65-F5344CB8AC3E}">
-        <p14:creationId xmlns:p14="http://schemas.microsoft.com/office/powerpoint/2010/main" val="262057742"/>
       </p:ext>
     </p:extLst>
   </p:cSld>
@@ -29002,6 +29417,114 @@
           <p:nvPr/>
         </p:nvPicPr>
         <p:blipFill>
+          <a:blip r:embed="rId2">
+            <a:extLst>
+              <a:ext uri="{BEBA8EAE-BF5A-486C-A8C5-ECC9F3942E4B}">
+                <a14:imgProps xmlns:a14="http://schemas.microsoft.com/office/drawing/2010/main">
+                  <a14:imgLayer r:embed="rId3">
+                    <a14:imgEffect>
+                      <a14:saturation sat="0"/>
+                    </a14:imgEffect>
+                  </a14:imgLayer>
+                </a14:imgProps>
+              </a:ext>
+            </a:extLst>
+          </a:blip>
+          <a:stretch>
+            <a:fillRect/>
+          </a:stretch>
+        </p:blipFill>
+        <p:spPr>
+          <a:xfrm>
+            <a:off x="4486761" y="797366"/>
+            <a:ext cx="7431438" cy="5263269"/>
+          </a:xfrm>
+          <a:prstGeom prst="rect">
+            <a:avLst/>
+          </a:prstGeom>
+        </p:spPr>
+      </p:pic>
+      <p:sp>
+        <p:nvSpPr>
+          <p:cNvPr id="3" name="Rectangle 2"/>
+          <p:cNvSpPr/>
+          <p:nvPr/>
+        </p:nvSpPr>
+        <p:spPr>
+          <a:xfrm>
+            <a:off x="452078" y="3298577"/>
+            <a:ext cx="3563796" cy="646331"/>
+          </a:xfrm>
+          <a:prstGeom prst="rect">
+            <a:avLst/>
+          </a:prstGeom>
+        </p:spPr>
+        <p:txBody>
+          <a:bodyPr wrap="none">
+            <a:spAutoFit/>
+          </a:bodyPr>
+          <a:lstStyle/>
+          <a:p>
+            <a:r>
+              <a:rPr lang="de-CH" sz="3600" dirty="0">
+                <a:solidFill>
+                  <a:schemeClr val="tx2"/>
+                </a:solidFill>
+                <a:latin typeface="Yanone Kaffeesatz Regular" panose="02000000000000000000" pitchFamily="2" charset="0"/>
+              </a:rPr>
+              <a:t>vimeo.com/</a:t>
+            </a:r>
+            <a:r>
+              <a:rPr lang="de-CH" sz="3600" dirty="0">
+                <a:solidFill>
+                  <a:schemeClr val="accent4"/>
+                </a:solidFill>
+                <a:latin typeface="Yanone Kaffeesatz Regular" panose="02000000000000000000" pitchFamily="2" charset="0"/>
+              </a:rPr>
+              <a:t>171319725</a:t>
+            </a:r>
+          </a:p>
+        </p:txBody>
+      </p:sp>
+    </p:spTree>
+    <p:extLst>
+      <p:ext uri="{BB962C8B-B14F-4D97-AF65-F5344CB8AC3E}">
+        <p14:creationId xmlns:p14="http://schemas.microsoft.com/office/powerpoint/2010/main" val="3457612108"/>
+      </p:ext>
+    </p:extLst>
+  </p:cSld>
+  <p:clrMapOvr>
+    <a:masterClrMapping/>
+  </p:clrMapOvr>
+</p:sld>
+</file>
+
+<file path=ppt/slides/slide42.xml><?xml version="1.0" encoding="utf-8"?>
+<p:sld xmlns:a="http://schemas.openxmlformats.org/drawingml/2006/main" xmlns:r="http://schemas.openxmlformats.org/officeDocument/2006/relationships" xmlns:p="http://schemas.openxmlformats.org/presentationml/2006/main">
+  <p:cSld>
+    <p:spTree>
+      <p:nvGrpSpPr>
+        <p:cNvPr id="1" name=""/>
+        <p:cNvGrpSpPr/>
+        <p:nvPr/>
+      </p:nvGrpSpPr>
+      <p:grpSpPr>
+        <a:xfrm>
+          <a:off x="0" y="0"/>
+          <a:ext cx="0" cy="0"/>
+          <a:chOff x="0" y="0"/>
+          <a:chExt cx="0" cy="0"/>
+        </a:xfrm>
+      </p:grpSpPr>
+      <p:pic>
+        <p:nvPicPr>
+          <p:cNvPr id="2" name="Picture 1"/>
+          <p:cNvPicPr>
+            <a:picLocks noChangeAspect="1"/>
+          </p:cNvPicPr>
+          <p:nvPr/>
+        </p:nvPicPr>
+        <p:blipFill>
           <a:blip r:embed="rId3">
             <a:extLst>
               <a:ext uri="{BEBA8EAE-BF5A-486C-A8C5-ECC9F3942E4B}">
@@ -29084,7 +29607,7 @@
 </p:sld>
 </file>
 
-<file path=ppt/slides/slide42.xml><?xml version="1.0" encoding="utf-8"?>
+<file path=ppt/slides/slide43.xml><?xml version="1.0" encoding="utf-8"?>
 <p:sld xmlns:a="http://schemas.openxmlformats.org/drawingml/2006/main" xmlns:r="http://schemas.openxmlformats.org/officeDocument/2006/relationships" xmlns:p="http://schemas.openxmlformats.org/presentationml/2006/main">
   <p:cSld>
     <p:spTree>
@@ -29212,7 +29735,7 @@
 </p:sld>
 </file>
 
-<file path=ppt/slides/slide43.xml><?xml version="1.0" encoding="utf-8"?>
+<file path=ppt/slides/slide44.xml><?xml version="1.0" encoding="utf-8"?>
 <p:sld xmlns:a="http://schemas.openxmlformats.org/drawingml/2006/main" xmlns:r="http://schemas.openxmlformats.org/officeDocument/2006/relationships" xmlns:p="http://schemas.openxmlformats.org/presentationml/2006/main">
   <p:cSld>
     <p:spTree>
